--- a/esl/intro/figures.pptx
+++ b/esl/intro/figures.pptx
@@ -6,6 +6,8 @@
   </p:sldMasterIdLst>
   <p:sldIdLst>
     <p:sldId id="256" r:id="rId2"/>
+    <p:sldId id="257" r:id="rId3"/>
+    <p:sldId id="258" r:id="rId4"/>
   </p:sldIdLst>
   <p:sldSz cx="9144000" cy="6858000" type="screen4x3"/>
   <p:notesSz cx="6858000" cy="9144000"/>
@@ -105,6 +107,5983 @@
     </a:lvl9pPr>
   </p:defaultTextStyle>
 </p:presentation>
+</file>
+
+<file path=ppt/diagrams/colors1.xml><?xml version="1.0" encoding="utf-8"?>
+<dgm:colorsDef xmlns:dgm="http://schemas.openxmlformats.org/drawingml/2006/diagram" xmlns:a="http://schemas.openxmlformats.org/drawingml/2006/main" uniqueId="urn:microsoft.com/office/officeart/2005/8/colors/accent1_2">
+  <dgm:title val=""/>
+  <dgm:desc val=""/>
+  <dgm:catLst>
+    <dgm:cat type="accent1" pri="11200"/>
+  </dgm:catLst>
+  <dgm:styleLbl name="node0">
+    <dgm:fillClrLst meth="repeat">
+      <a:schemeClr val="accent1"/>
+    </dgm:fillClrLst>
+    <dgm:linClrLst meth="repeat">
+      <a:schemeClr val="lt1"/>
+    </dgm:linClrLst>
+    <dgm:effectClrLst/>
+    <dgm:txLinClrLst/>
+    <dgm:txFillClrLst/>
+    <dgm:txEffectClrLst/>
+  </dgm:styleLbl>
+  <dgm:styleLbl name="alignNode1">
+    <dgm:fillClrLst meth="repeat">
+      <a:schemeClr val="accent1"/>
+    </dgm:fillClrLst>
+    <dgm:linClrLst meth="repeat">
+      <a:schemeClr val="accent1"/>
+    </dgm:linClrLst>
+    <dgm:effectClrLst/>
+    <dgm:txLinClrLst/>
+    <dgm:txFillClrLst/>
+    <dgm:txEffectClrLst/>
+  </dgm:styleLbl>
+  <dgm:styleLbl name="node1">
+    <dgm:fillClrLst meth="repeat">
+      <a:schemeClr val="accent1"/>
+    </dgm:fillClrLst>
+    <dgm:linClrLst meth="repeat">
+      <a:schemeClr val="lt1"/>
+    </dgm:linClrLst>
+    <dgm:effectClrLst/>
+    <dgm:txLinClrLst/>
+    <dgm:txFillClrLst/>
+    <dgm:txEffectClrLst/>
+  </dgm:styleLbl>
+  <dgm:styleLbl name="lnNode1">
+    <dgm:fillClrLst meth="repeat">
+      <a:schemeClr val="accent1"/>
+    </dgm:fillClrLst>
+    <dgm:linClrLst meth="repeat">
+      <a:schemeClr val="lt1"/>
+    </dgm:linClrLst>
+    <dgm:effectClrLst/>
+    <dgm:txLinClrLst/>
+    <dgm:txFillClrLst/>
+    <dgm:txEffectClrLst/>
+  </dgm:styleLbl>
+  <dgm:styleLbl name="vennNode1">
+    <dgm:fillClrLst meth="repeat">
+      <a:schemeClr val="accent1">
+        <a:alpha val="50000"/>
+      </a:schemeClr>
+    </dgm:fillClrLst>
+    <dgm:linClrLst meth="repeat">
+      <a:schemeClr val="lt1"/>
+    </dgm:linClrLst>
+    <dgm:effectClrLst/>
+    <dgm:txLinClrLst/>
+    <dgm:txFillClrLst/>
+    <dgm:txEffectClrLst/>
+  </dgm:styleLbl>
+  <dgm:styleLbl name="node2">
+    <dgm:fillClrLst meth="repeat">
+      <a:schemeClr val="accent1"/>
+    </dgm:fillClrLst>
+    <dgm:linClrLst meth="repeat">
+      <a:schemeClr val="lt1"/>
+    </dgm:linClrLst>
+    <dgm:effectClrLst/>
+    <dgm:txLinClrLst/>
+    <dgm:txFillClrLst/>
+    <dgm:txEffectClrLst/>
+  </dgm:styleLbl>
+  <dgm:styleLbl name="node3">
+    <dgm:fillClrLst meth="repeat">
+      <a:schemeClr val="accent1"/>
+    </dgm:fillClrLst>
+    <dgm:linClrLst meth="repeat">
+      <a:schemeClr val="lt1"/>
+    </dgm:linClrLst>
+    <dgm:effectClrLst/>
+    <dgm:txLinClrLst/>
+    <dgm:txFillClrLst/>
+    <dgm:txEffectClrLst/>
+  </dgm:styleLbl>
+  <dgm:styleLbl name="node4">
+    <dgm:fillClrLst meth="repeat">
+      <a:schemeClr val="accent1"/>
+    </dgm:fillClrLst>
+    <dgm:linClrLst meth="repeat">
+      <a:schemeClr val="lt1"/>
+    </dgm:linClrLst>
+    <dgm:effectClrLst/>
+    <dgm:txLinClrLst/>
+    <dgm:txFillClrLst/>
+    <dgm:txEffectClrLst/>
+  </dgm:styleLbl>
+  <dgm:styleLbl name="fgImgPlace1">
+    <dgm:fillClrLst meth="repeat">
+      <a:schemeClr val="accent1">
+        <a:tint val="50000"/>
+      </a:schemeClr>
+    </dgm:fillClrLst>
+    <dgm:linClrLst meth="repeat">
+      <a:schemeClr val="lt1"/>
+    </dgm:linClrLst>
+    <dgm:effectClrLst/>
+    <dgm:txLinClrLst/>
+    <dgm:txFillClrLst meth="repeat">
+      <a:schemeClr val="lt1"/>
+    </dgm:txFillClrLst>
+    <dgm:txEffectClrLst/>
+  </dgm:styleLbl>
+  <dgm:styleLbl name="alignImgPlace1">
+    <dgm:fillClrLst meth="repeat">
+      <a:schemeClr val="accent1">
+        <a:tint val="50000"/>
+      </a:schemeClr>
+    </dgm:fillClrLst>
+    <dgm:linClrLst meth="repeat">
+      <a:schemeClr val="lt1"/>
+    </dgm:linClrLst>
+    <dgm:effectClrLst/>
+    <dgm:txLinClrLst/>
+    <dgm:txFillClrLst meth="repeat">
+      <a:schemeClr val="lt1"/>
+    </dgm:txFillClrLst>
+    <dgm:txEffectClrLst/>
+  </dgm:styleLbl>
+  <dgm:styleLbl name="bgImgPlace1">
+    <dgm:fillClrLst meth="repeat">
+      <a:schemeClr val="accent1">
+        <a:tint val="50000"/>
+      </a:schemeClr>
+    </dgm:fillClrLst>
+    <dgm:linClrLst meth="repeat">
+      <a:schemeClr val="lt1"/>
+    </dgm:linClrLst>
+    <dgm:effectClrLst/>
+    <dgm:txLinClrLst/>
+    <dgm:txFillClrLst meth="repeat">
+      <a:schemeClr val="lt1"/>
+    </dgm:txFillClrLst>
+    <dgm:txEffectClrLst/>
+  </dgm:styleLbl>
+  <dgm:styleLbl name="sibTrans2D1">
+    <dgm:fillClrLst meth="repeat">
+      <a:schemeClr val="accent1">
+        <a:tint val="60000"/>
+      </a:schemeClr>
+    </dgm:fillClrLst>
+    <dgm:linClrLst meth="repeat">
+      <a:schemeClr val="accent1">
+        <a:tint val="60000"/>
+      </a:schemeClr>
+    </dgm:linClrLst>
+    <dgm:effectClrLst/>
+    <dgm:txLinClrLst/>
+    <dgm:txFillClrLst/>
+    <dgm:txEffectClrLst/>
+  </dgm:styleLbl>
+  <dgm:styleLbl name="fgSibTrans2D1">
+    <dgm:fillClrLst meth="repeat">
+      <a:schemeClr val="accent1">
+        <a:tint val="60000"/>
+      </a:schemeClr>
+    </dgm:fillClrLst>
+    <dgm:linClrLst meth="repeat">
+      <a:schemeClr val="accent1">
+        <a:tint val="60000"/>
+      </a:schemeClr>
+    </dgm:linClrLst>
+    <dgm:effectClrLst/>
+    <dgm:txLinClrLst/>
+    <dgm:txFillClrLst/>
+    <dgm:txEffectClrLst/>
+  </dgm:styleLbl>
+  <dgm:styleLbl name="bgSibTrans2D1">
+    <dgm:fillClrLst meth="repeat">
+      <a:schemeClr val="accent1">
+        <a:tint val="60000"/>
+      </a:schemeClr>
+    </dgm:fillClrLst>
+    <dgm:linClrLst meth="repeat">
+      <a:schemeClr val="accent1">
+        <a:tint val="60000"/>
+      </a:schemeClr>
+    </dgm:linClrLst>
+    <dgm:effectClrLst/>
+    <dgm:txLinClrLst/>
+    <dgm:txFillClrLst/>
+    <dgm:txEffectClrLst/>
+  </dgm:styleLbl>
+  <dgm:styleLbl name="sibTrans1D1">
+    <dgm:fillClrLst meth="repeat">
+      <a:schemeClr val="accent1"/>
+    </dgm:fillClrLst>
+    <dgm:linClrLst meth="repeat">
+      <a:schemeClr val="accent1"/>
+    </dgm:linClrLst>
+    <dgm:effectClrLst/>
+    <dgm:txLinClrLst/>
+    <dgm:txFillClrLst meth="repeat">
+      <a:schemeClr val="tx1"/>
+    </dgm:txFillClrLst>
+    <dgm:txEffectClrLst/>
+  </dgm:styleLbl>
+  <dgm:styleLbl name="callout">
+    <dgm:fillClrLst meth="repeat">
+      <a:schemeClr val="accent1"/>
+    </dgm:fillClrLst>
+    <dgm:linClrLst meth="repeat">
+      <a:schemeClr val="accent1">
+        <a:tint val="50000"/>
+      </a:schemeClr>
+    </dgm:linClrLst>
+    <dgm:effectClrLst/>
+    <dgm:txLinClrLst/>
+    <dgm:txFillClrLst meth="repeat">
+      <a:schemeClr val="tx1"/>
+    </dgm:txFillClrLst>
+    <dgm:txEffectClrLst/>
+  </dgm:styleLbl>
+  <dgm:styleLbl name="asst0">
+    <dgm:fillClrLst meth="repeat">
+      <a:schemeClr val="accent1"/>
+    </dgm:fillClrLst>
+    <dgm:linClrLst meth="repeat">
+      <a:schemeClr val="lt1"/>
+    </dgm:linClrLst>
+    <dgm:effectClrLst/>
+    <dgm:txLinClrLst/>
+    <dgm:txFillClrLst/>
+    <dgm:txEffectClrLst/>
+  </dgm:styleLbl>
+  <dgm:styleLbl name="asst1">
+    <dgm:fillClrLst meth="repeat">
+      <a:schemeClr val="accent1"/>
+    </dgm:fillClrLst>
+    <dgm:linClrLst meth="repeat">
+      <a:schemeClr val="lt1"/>
+    </dgm:linClrLst>
+    <dgm:effectClrLst/>
+    <dgm:txLinClrLst/>
+    <dgm:txFillClrLst/>
+    <dgm:txEffectClrLst/>
+  </dgm:styleLbl>
+  <dgm:styleLbl name="asst2">
+    <dgm:fillClrLst meth="repeat">
+      <a:schemeClr val="accent1"/>
+    </dgm:fillClrLst>
+    <dgm:linClrLst meth="repeat">
+      <a:schemeClr val="lt1"/>
+    </dgm:linClrLst>
+    <dgm:effectClrLst/>
+    <dgm:txLinClrLst/>
+    <dgm:txFillClrLst/>
+    <dgm:txEffectClrLst/>
+  </dgm:styleLbl>
+  <dgm:styleLbl name="asst3">
+    <dgm:fillClrLst meth="repeat">
+      <a:schemeClr val="accent1"/>
+    </dgm:fillClrLst>
+    <dgm:linClrLst meth="repeat">
+      <a:schemeClr val="lt1"/>
+    </dgm:linClrLst>
+    <dgm:effectClrLst/>
+    <dgm:txLinClrLst/>
+    <dgm:txFillClrLst/>
+    <dgm:txEffectClrLst/>
+  </dgm:styleLbl>
+  <dgm:styleLbl name="asst4">
+    <dgm:fillClrLst meth="repeat">
+      <a:schemeClr val="accent1"/>
+    </dgm:fillClrLst>
+    <dgm:linClrLst meth="repeat">
+      <a:schemeClr val="lt1"/>
+    </dgm:linClrLst>
+    <dgm:effectClrLst/>
+    <dgm:txLinClrLst/>
+    <dgm:txFillClrLst/>
+    <dgm:txEffectClrLst/>
+  </dgm:styleLbl>
+  <dgm:styleLbl name="parChTrans2D1">
+    <dgm:fillClrLst meth="repeat">
+      <a:schemeClr val="accent1">
+        <a:tint val="60000"/>
+      </a:schemeClr>
+    </dgm:fillClrLst>
+    <dgm:linClrLst meth="repeat">
+      <a:schemeClr val="accent1">
+        <a:tint val="60000"/>
+      </a:schemeClr>
+    </dgm:linClrLst>
+    <dgm:effectClrLst/>
+    <dgm:txLinClrLst/>
+    <dgm:txFillClrLst meth="repeat">
+      <a:schemeClr val="lt1"/>
+    </dgm:txFillClrLst>
+    <dgm:txEffectClrLst/>
+  </dgm:styleLbl>
+  <dgm:styleLbl name="parChTrans2D2">
+    <dgm:fillClrLst meth="repeat">
+      <a:schemeClr val="accent1"/>
+    </dgm:fillClrLst>
+    <dgm:linClrLst meth="repeat">
+      <a:schemeClr val="accent1"/>
+    </dgm:linClrLst>
+    <dgm:effectClrLst/>
+    <dgm:txLinClrLst/>
+    <dgm:txFillClrLst meth="repeat">
+      <a:schemeClr val="lt1"/>
+    </dgm:txFillClrLst>
+    <dgm:txEffectClrLst/>
+  </dgm:styleLbl>
+  <dgm:styleLbl name="parChTrans2D3">
+    <dgm:fillClrLst meth="repeat">
+      <a:schemeClr val="accent1"/>
+    </dgm:fillClrLst>
+    <dgm:linClrLst meth="repeat">
+      <a:schemeClr val="accent1"/>
+    </dgm:linClrLst>
+    <dgm:effectClrLst/>
+    <dgm:txLinClrLst/>
+    <dgm:txFillClrLst meth="repeat">
+      <a:schemeClr val="lt1"/>
+    </dgm:txFillClrLst>
+    <dgm:txEffectClrLst/>
+  </dgm:styleLbl>
+  <dgm:styleLbl name="parChTrans2D4">
+    <dgm:fillClrLst meth="repeat">
+      <a:schemeClr val="accent1"/>
+    </dgm:fillClrLst>
+    <dgm:linClrLst meth="repeat">
+      <a:schemeClr val="accent1"/>
+    </dgm:linClrLst>
+    <dgm:effectClrLst/>
+    <dgm:txLinClrLst/>
+    <dgm:txFillClrLst meth="repeat">
+      <a:schemeClr val="lt1"/>
+    </dgm:txFillClrLst>
+    <dgm:txEffectClrLst/>
+  </dgm:styleLbl>
+  <dgm:styleLbl name="parChTrans1D1">
+    <dgm:fillClrLst meth="repeat">
+      <a:schemeClr val="accent1"/>
+    </dgm:fillClrLst>
+    <dgm:linClrLst meth="repeat">
+      <a:schemeClr val="accent1">
+        <a:shade val="60000"/>
+      </a:schemeClr>
+    </dgm:linClrLst>
+    <dgm:effectClrLst/>
+    <dgm:txLinClrLst/>
+    <dgm:txFillClrLst meth="repeat">
+      <a:schemeClr val="tx1"/>
+    </dgm:txFillClrLst>
+    <dgm:txEffectClrLst/>
+  </dgm:styleLbl>
+  <dgm:styleLbl name="parChTrans1D2">
+    <dgm:fillClrLst meth="repeat">
+      <a:schemeClr val="accent1"/>
+    </dgm:fillClrLst>
+    <dgm:linClrLst meth="repeat">
+      <a:schemeClr val="accent1">
+        <a:shade val="60000"/>
+      </a:schemeClr>
+    </dgm:linClrLst>
+    <dgm:effectClrLst/>
+    <dgm:txLinClrLst/>
+    <dgm:txFillClrLst meth="repeat">
+      <a:schemeClr val="tx1"/>
+    </dgm:txFillClrLst>
+    <dgm:txEffectClrLst/>
+  </dgm:styleLbl>
+  <dgm:styleLbl name="parChTrans1D3">
+    <dgm:fillClrLst meth="repeat">
+      <a:schemeClr val="accent1"/>
+    </dgm:fillClrLst>
+    <dgm:linClrLst meth="repeat">
+      <a:schemeClr val="accent1">
+        <a:shade val="80000"/>
+      </a:schemeClr>
+    </dgm:linClrLst>
+    <dgm:effectClrLst/>
+    <dgm:txLinClrLst/>
+    <dgm:txFillClrLst meth="repeat">
+      <a:schemeClr val="tx1"/>
+    </dgm:txFillClrLst>
+    <dgm:txEffectClrLst/>
+  </dgm:styleLbl>
+  <dgm:styleLbl name="parChTrans1D4">
+    <dgm:fillClrLst meth="repeat">
+      <a:schemeClr val="accent1"/>
+    </dgm:fillClrLst>
+    <dgm:linClrLst meth="repeat">
+      <a:schemeClr val="accent1">
+        <a:shade val="80000"/>
+      </a:schemeClr>
+    </dgm:linClrLst>
+    <dgm:effectClrLst/>
+    <dgm:txLinClrLst/>
+    <dgm:txFillClrLst meth="repeat">
+      <a:schemeClr val="tx1"/>
+    </dgm:txFillClrLst>
+    <dgm:txEffectClrLst/>
+  </dgm:styleLbl>
+  <dgm:styleLbl name="fgAcc1">
+    <dgm:fillClrLst meth="repeat">
+      <a:schemeClr val="lt1">
+        <a:alpha val="90000"/>
+      </a:schemeClr>
+    </dgm:fillClrLst>
+    <dgm:linClrLst meth="repeat">
+      <a:schemeClr val="accent1"/>
+    </dgm:linClrLst>
+    <dgm:effectClrLst/>
+    <dgm:txLinClrLst/>
+    <dgm:txFillClrLst meth="repeat">
+      <a:schemeClr val="dk1"/>
+    </dgm:txFillClrLst>
+    <dgm:txEffectClrLst/>
+  </dgm:styleLbl>
+  <dgm:styleLbl name="conFgAcc1">
+    <dgm:fillClrLst meth="repeat">
+      <a:schemeClr val="lt1">
+        <a:alpha val="90000"/>
+      </a:schemeClr>
+    </dgm:fillClrLst>
+    <dgm:linClrLst meth="repeat">
+      <a:schemeClr val="accent1"/>
+    </dgm:linClrLst>
+    <dgm:effectClrLst/>
+    <dgm:txLinClrLst/>
+    <dgm:txFillClrLst meth="repeat">
+      <a:schemeClr val="dk1"/>
+    </dgm:txFillClrLst>
+    <dgm:txEffectClrLst/>
+  </dgm:styleLbl>
+  <dgm:styleLbl name="alignAcc1">
+    <dgm:fillClrLst meth="repeat">
+      <a:schemeClr val="lt1">
+        <a:alpha val="90000"/>
+      </a:schemeClr>
+    </dgm:fillClrLst>
+    <dgm:linClrLst meth="repeat">
+      <a:schemeClr val="accent1"/>
+    </dgm:linClrLst>
+    <dgm:effectClrLst/>
+    <dgm:txLinClrLst/>
+    <dgm:txFillClrLst meth="repeat">
+      <a:schemeClr val="dk1"/>
+    </dgm:txFillClrLst>
+    <dgm:txEffectClrLst/>
+  </dgm:styleLbl>
+  <dgm:styleLbl name="trAlignAcc1">
+    <dgm:fillClrLst meth="repeat">
+      <a:schemeClr val="lt1">
+        <a:alpha val="40000"/>
+      </a:schemeClr>
+    </dgm:fillClrLst>
+    <dgm:linClrLst meth="repeat">
+      <a:schemeClr val="accent1"/>
+    </dgm:linClrLst>
+    <dgm:effectClrLst/>
+    <dgm:txLinClrLst/>
+    <dgm:txFillClrLst meth="repeat">
+      <a:schemeClr val="dk1"/>
+    </dgm:txFillClrLst>
+    <dgm:txEffectClrLst/>
+  </dgm:styleLbl>
+  <dgm:styleLbl name="bgAcc1">
+    <dgm:fillClrLst meth="repeat">
+      <a:schemeClr val="lt1">
+        <a:alpha val="90000"/>
+      </a:schemeClr>
+    </dgm:fillClrLst>
+    <dgm:linClrLst meth="repeat">
+      <a:schemeClr val="accent1"/>
+    </dgm:linClrLst>
+    <dgm:effectClrLst/>
+    <dgm:txLinClrLst/>
+    <dgm:txFillClrLst meth="repeat">
+      <a:schemeClr val="dk1"/>
+    </dgm:txFillClrLst>
+    <dgm:txEffectClrLst/>
+  </dgm:styleLbl>
+  <dgm:styleLbl name="solidFgAcc1">
+    <dgm:fillClrLst meth="repeat">
+      <a:schemeClr val="lt1"/>
+    </dgm:fillClrLst>
+    <dgm:linClrLst meth="repeat">
+      <a:schemeClr val="accent1"/>
+    </dgm:linClrLst>
+    <dgm:effectClrLst/>
+    <dgm:txLinClrLst/>
+    <dgm:txFillClrLst meth="repeat">
+      <a:schemeClr val="dk1"/>
+    </dgm:txFillClrLst>
+    <dgm:txEffectClrLst/>
+  </dgm:styleLbl>
+  <dgm:styleLbl name="solidAlignAcc1">
+    <dgm:fillClrLst meth="repeat">
+      <a:schemeClr val="lt1"/>
+    </dgm:fillClrLst>
+    <dgm:linClrLst meth="repeat">
+      <a:schemeClr val="accent1"/>
+    </dgm:linClrLst>
+    <dgm:effectClrLst/>
+    <dgm:txLinClrLst/>
+    <dgm:txFillClrLst meth="repeat">
+      <a:schemeClr val="dk1"/>
+    </dgm:txFillClrLst>
+    <dgm:txEffectClrLst/>
+  </dgm:styleLbl>
+  <dgm:styleLbl name="solidBgAcc1">
+    <dgm:fillClrLst meth="repeat">
+      <a:schemeClr val="lt1"/>
+    </dgm:fillClrLst>
+    <dgm:linClrLst meth="repeat">
+      <a:schemeClr val="accent1"/>
+    </dgm:linClrLst>
+    <dgm:effectClrLst/>
+    <dgm:txLinClrLst/>
+    <dgm:txFillClrLst meth="repeat">
+      <a:schemeClr val="dk1"/>
+    </dgm:txFillClrLst>
+    <dgm:txEffectClrLst/>
+  </dgm:styleLbl>
+  <dgm:styleLbl name="fgAccFollowNode1">
+    <dgm:fillClrLst meth="repeat">
+      <a:schemeClr val="accent1">
+        <a:alpha val="90000"/>
+        <a:tint val="40000"/>
+      </a:schemeClr>
+    </dgm:fillClrLst>
+    <dgm:linClrLst meth="repeat">
+      <a:schemeClr val="accent1">
+        <a:alpha val="90000"/>
+        <a:tint val="40000"/>
+      </a:schemeClr>
+    </dgm:linClrLst>
+    <dgm:effectClrLst/>
+    <dgm:txLinClrLst/>
+    <dgm:txFillClrLst meth="repeat">
+      <a:schemeClr val="dk1"/>
+    </dgm:txFillClrLst>
+    <dgm:txEffectClrLst/>
+  </dgm:styleLbl>
+  <dgm:styleLbl name="alignAccFollowNode1">
+    <dgm:fillClrLst meth="repeat">
+      <a:schemeClr val="accent1">
+        <a:alpha val="90000"/>
+        <a:tint val="40000"/>
+      </a:schemeClr>
+    </dgm:fillClrLst>
+    <dgm:linClrLst meth="repeat">
+      <a:schemeClr val="accent1">
+        <a:alpha val="90000"/>
+        <a:tint val="40000"/>
+      </a:schemeClr>
+    </dgm:linClrLst>
+    <dgm:effectClrLst/>
+    <dgm:txLinClrLst/>
+    <dgm:txFillClrLst meth="repeat">
+      <a:schemeClr val="dk1"/>
+    </dgm:txFillClrLst>
+    <dgm:txEffectClrLst/>
+  </dgm:styleLbl>
+  <dgm:styleLbl name="bgAccFollowNode1">
+    <dgm:fillClrLst meth="repeat">
+      <a:schemeClr val="accent1">
+        <a:alpha val="90000"/>
+        <a:tint val="40000"/>
+      </a:schemeClr>
+    </dgm:fillClrLst>
+    <dgm:linClrLst meth="repeat">
+      <a:schemeClr val="accent1">
+        <a:alpha val="90000"/>
+        <a:tint val="40000"/>
+      </a:schemeClr>
+    </dgm:linClrLst>
+    <dgm:effectClrLst/>
+    <dgm:txLinClrLst/>
+    <dgm:txFillClrLst meth="repeat">
+      <a:schemeClr val="dk1"/>
+    </dgm:txFillClrLst>
+    <dgm:txEffectClrLst/>
+  </dgm:styleLbl>
+  <dgm:styleLbl name="fgAcc0">
+    <dgm:fillClrLst meth="repeat">
+      <a:schemeClr val="lt1">
+        <a:alpha val="90000"/>
+      </a:schemeClr>
+    </dgm:fillClrLst>
+    <dgm:linClrLst meth="repeat">
+      <a:schemeClr val="accent1"/>
+    </dgm:linClrLst>
+    <dgm:effectClrLst/>
+    <dgm:txLinClrLst/>
+    <dgm:txFillClrLst meth="repeat">
+      <a:schemeClr val="dk1"/>
+    </dgm:txFillClrLst>
+    <dgm:txEffectClrLst/>
+  </dgm:styleLbl>
+  <dgm:styleLbl name="fgAcc2">
+    <dgm:fillClrLst meth="repeat">
+      <a:schemeClr val="lt1">
+        <a:alpha val="90000"/>
+      </a:schemeClr>
+    </dgm:fillClrLst>
+    <dgm:linClrLst meth="repeat">
+      <a:schemeClr val="accent1"/>
+    </dgm:linClrLst>
+    <dgm:effectClrLst/>
+    <dgm:txLinClrLst/>
+    <dgm:txFillClrLst meth="repeat">
+      <a:schemeClr val="dk1"/>
+    </dgm:txFillClrLst>
+    <dgm:txEffectClrLst/>
+  </dgm:styleLbl>
+  <dgm:styleLbl name="fgAcc3">
+    <dgm:fillClrLst meth="repeat">
+      <a:schemeClr val="lt1">
+        <a:alpha val="90000"/>
+      </a:schemeClr>
+    </dgm:fillClrLst>
+    <dgm:linClrLst meth="repeat">
+      <a:schemeClr val="accent1"/>
+    </dgm:linClrLst>
+    <dgm:effectClrLst/>
+    <dgm:txLinClrLst/>
+    <dgm:txFillClrLst meth="repeat">
+      <a:schemeClr val="dk1"/>
+    </dgm:txFillClrLst>
+    <dgm:txEffectClrLst/>
+  </dgm:styleLbl>
+  <dgm:styleLbl name="fgAcc4">
+    <dgm:fillClrLst meth="repeat">
+      <a:schemeClr val="lt1">
+        <a:alpha val="90000"/>
+      </a:schemeClr>
+    </dgm:fillClrLst>
+    <dgm:linClrLst meth="repeat">
+      <a:schemeClr val="accent1"/>
+    </dgm:linClrLst>
+    <dgm:effectClrLst/>
+    <dgm:txLinClrLst/>
+    <dgm:txFillClrLst meth="repeat">
+      <a:schemeClr val="dk1"/>
+    </dgm:txFillClrLst>
+    <dgm:txEffectClrLst/>
+  </dgm:styleLbl>
+  <dgm:styleLbl name="bgShp">
+    <dgm:fillClrLst meth="repeat">
+      <a:schemeClr val="accent1">
+        <a:tint val="40000"/>
+      </a:schemeClr>
+    </dgm:fillClrLst>
+    <dgm:linClrLst meth="repeat">
+      <a:schemeClr val="accent1"/>
+    </dgm:linClrLst>
+    <dgm:effectClrLst/>
+    <dgm:txLinClrLst/>
+    <dgm:txFillClrLst meth="repeat">
+      <a:schemeClr val="dk1"/>
+    </dgm:txFillClrLst>
+    <dgm:txEffectClrLst/>
+  </dgm:styleLbl>
+  <dgm:styleLbl name="dkBgShp">
+    <dgm:fillClrLst meth="repeat">
+      <a:schemeClr val="accent1">
+        <a:shade val="80000"/>
+      </a:schemeClr>
+    </dgm:fillClrLst>
+    <dgm:linClrLst meth="repeat">
+      <a:schemeClr val="accent1"/>
+    </dgm:linClrLst>
+    <dgm:effectClrLst/>
+    <dgm:txLinClrLst/>
+    <dgm:txFillClrLst meth="repeat">
+      <a:schemeClr val="lt1"/>
+    </dgm:txFillClrLst>
+    <dgm:txEffectClrLst/>
+  </dgm:styleLbl>
+  <dgm:styleLbl name="trBgShp">
+    <dgm:fillClrLst meth="repeat">
+      <a:schemeClr val="accent1">
+        <a:tint val="50000"/>
+        <a:alpha val="40000"/>
+      </a:schemeClr>
+    </dgm:fillClrLst>
+    <dgm:linClrLst meth="repeat">
+      <a:schemeClr val="accent1"/>
+    </dgm:linClrLst>
+    <dgm:effectClrLst/>
+    <dgm:txLinClrLst/>
+    <dgm:txFillClrLst meth="repeat">
+      <a:schemeClr val="lt1"/>
+    </dgm:txFillClrLst>
+    <dgm:txEffectClrLst/>
+  </dgm:styleLbl>
+  <dgm:styleLbl name="fgShp">
+    <dgm:fillClrLst meth="repeat">
+      <a:schemeClr val="accent1">
+        <a:tint val="60000"/>
+      </a:schemeClr>
+    </dgm:fillClrLst>
+    <dgm:linClrLst meth="repeat">
+      <a:schemeClr val="lt1"/>
+    </dgm:linClrLst>
+    <dgm:effectClrLst/>
+    <dgm:txLinClrLst/>
+    <dgm:txFillClrLst meth="repeat">
+      <a:schemeClr val="dk1"/>
+    </dgm:txFillClrLst>
+    <dgm:txEffectClrLst/>
+  </dgm:styleLbl>
+  <dgm:styleLbl name="revTx">
+    <dgm:fillClrLst meth="repeat">
+      <a:schemeClr val="lt1">
+        <a:alpha val="0"/>
+      </a:schemeClr>
+    </dgm:fillClrLst>
+    <dgm:linClrLst meth="repeat">
+      <a:schemeClr val="dk1">
+        <a:alpha val="0"/>
+      </a:schemeClr>
+    </dgm:linClrLst>
+    <dgm:effectClrLst/>
+    <dgm:txLinClrLst/>
+    <dgm:txFillClrLst meth="repeat">
+      <a:schemeClr val="tx1"/>
+    </dgm:txFillClrLst>
+    <dgm:txEffectClrLst/>
+  </dgm:styleLbl>
+</dgm:colorsDef>
+</file>
+
+<file path=ppt/diagrams/data1.xml><?xml version="1.0" encoding="utf-8"?>
+<dgm:dataModel xmlns:dgm="http://schemas.openxmlformats.org/drawingml/2006/diagram" xmlns:a="http://schemas.openxmlformats.org/drawingml/2006/main">
+  <dgm:ptLst>
+    <dgm:pt modelId="{D709546C-24A2-2B41-A152-F771C12EC397}" type="doc">
+      <dgm:prSet loTypeId="urn:microsoft.com/office/officeart/2008/layout/RadialCluster" loCatId="" qsTypeId="urn:microsoft.com/office/officeart/2005/8/quickstyle/3D3" qsCatId="3D" csTypeId="urn:microsoft.com/office/officeart/2005/8/colors/accent1_2" csCatId="accent1" phldr="1"/>
+      <dgm:spPr/>
+      <dgm:t>
+        <a:bodyPr/>
+        <a:lstStyle/>
+        <a:p>
+          <a:endParaRPr lang="en-US"/>
+        </a:p>
+      </dgm:t>
+    </dgm:pt>
+    <dgm:pt modelId="{89C24A68-F7DE-2748-98BB-DA4C6F32EF64}">
+      <dgm:prSet phldrT="[Text]"/>
+      <dgm:spPr/>
+      <dgm:t>
+        <a:bodyPr/>
+        <a:lstStyle/>
+        <a:p>
+          <a:r>
+            <a:rPr lang="en-US" dirty="0" smtClean="0"/>
+            <a:t>EDB</a:t>
+          </a:r>
+          <a:endParaRPr lang="en-US" dirty="0"/>
+        </a:p>
+      </dgm:t>
+    </dgm:pt>
+    <dgm:pt modelId="{DDD27FCD-ECD3-2345-A76D-3D0DAAEC7F2F}" type="parTrans" cxnId="{6B89932E-BF21-EB43-89BB-AB530D621431}">
+      <dgm:prSet/>
+      <dgm:spPr/>
+      <dgm:t>
+        <a:bodyPr/>
+        <a:lstStyle/>
+        <a:p>
+          <a:endParaRPr lang="en-US"/>
+        </a:p>
+      </dgm:t>
+    </dgm:pt>
+    <dgm:pt modelId="{CF581BF3-5FF5-8342-B3D6-2F3B3E7FA50A}" type="sibTrans" cxnId="{6B89932E-BF21-EB43-89BB-AB530D621431}">
+      <dgm:prSet/>
+      <dgm:spPr/>
+      <dgm:t>
+        <a:bodyPr/>
+        <a:lstStyle/>
+        <a:p>
+          <a:endParaRPr lang="en-US"/>
+        </a:p>
+      </dgm:t>
+    </dgm:pt>
+    <dgm:pt modelId="{7885C47F-558D-2743-982D-3B16DB0F8FD1}">
+      <dgm:prSet phldrT="[Text]"/>
+      <dgm:spPr/>
+      <dgm:t>
+        <a:bodyPr/>
+        <a:lstStyle/>
+        <a:p>
+          <a:r>
+            <a:rPr lang="en-US" dirty="0" smtClean="0"/>
+            <a:t>XPL</a:t>
+          </a:r>
+          <a:endParaRPr lang="en-US" dirty="0"/>
+        </a:p>
+      </dgm:t>
+    </dgm:pt>
+    <dgm:pt modelId="{ABB442C2-BEDA-6944-8A58-FEFC24FDF06B}" type="parTrans" cxnId="{C09FD708-1549-9949-B7A1-6D05D424C9C4}">
+      <dgm:prSet/>
+      <dgm:spPr/>
+      <dgm:t>
+        <a:bodyPr/>
+        <a:lstStyle/>
+        <a:p>
+          <a:endParaRPr lang="en-US"/>
+        </a:p>
+      </dgm:t>
+    </dgm:pt>
+    <dgm:pt modelId="{D4ABCB6A-E37C-274D-8465-DE9459EEDE28}" type="sibTrans" cxnId="{C09FD708-1549-9949-B7A1-6D05D424C9C4}">
+      <dgm:prSet/>
+      <dgm:spPr/>
+      <dgm:t>
+        <a:bodyPr/>
+        <a:lstStyle/>
+        <a:p>
+          <a:endParaRPr lang="en-US"/>
+        </a:p>
+      </dgm:t>
+    </dgm:pt>
+    <dgm:pt modelId="{835131E1-067E-6342-B877-21AA391F1DD5}">
+      <dgm:prSet phldrT="[Text]"/>
+      <dgm:spPr/>
+      <dgm:t>
+        <a:bodyPr/>
+        <a:lstStyle/>
+        <a:p>
+          <a:r>
+            <a:rPr lang="en-US" dirty="0" smtClean="0"/>
+            <a:t>ESL</a:t>
+          </a:r>
+          <a:endParaRPr lang="en-US" dirty="0"/>
+        </a:p>
+      </dgm:t>
+    </dgm:pt>
+    <dgm:pt modelId="{F594204D-DBAB-2941-9FA9-C9B15A4416CA}" type="parTrans" cxnId="{510BEDBD-B264-AB46-80E6-E9D9889556D1}">
+      <dgm:prSet/>
+      <dgm:spPr/>
+      <dgm:t>
+        <a:bodyPr/>
+        <a:lstStyle/>
+        <a:p>
+          <a:endParaRPr lang="en-US"/>
+        </a:p>
+      </dgm:t>
+    </dgm:pt>
+    <dgm:pt modelId="{CCF9871C-CBCA-CD49-8105-74D395F2A840}" type="sibTrans" cxnId="{510BEDBD-B264-AB46-80E6-E9D9889556D1}">
+      <dgm:prSet/>
+      <dgm:spPr/>
+      <dgm:t>
+        <a:bodyPr/>
+        <a:lstStyle/>
+        <a:p>
+          <a:endParaRPr lang="en-US"/>
+        </a:p>
+      </dgm:t>
+    </dgm:pt>
+    <dgm:pt modelId="{ADE972A8-A2FD-3741-83E7-47D7612C3A35}">
+      <dgm:prSet phldrT="[Text]"/>
+      <dgm:spPr/>
+      <dgm:t>
+        <a:bodyPr/>
+        <a:lstStyle/>
+        <a:p>
+          <a:r>
+            <a:rPr lang="en-US" dirty="0" smtClean="0"/>
+            <a:t>GUI</a:t>
+          </a:r>
+          <a:endParaRPr lang="en-US" dirty="0"/>
+        </a:p>
+      </dgm:t>
+    </dgm:pt>
+    <dgm:pt modelId="{C438D173-0E00-6C4C-8573-51B70CD870A6}" type="parTrans" cxnId="{849506F8-C9B7-3940-859F-027322C6739A}">
+      <dgm:prSet/>
+      <dgm:spPr/>
+      <dgm:t>
+        <a:bodyPr/>
+        <a:lstStyle/>
+        <a:p>
+          <a:endParaRPr lang="en-US"/>
+        </a:p>
+      </dgm:t>
+    </dgm:pt>
+    <dgm:pt modelId="{2457F2BF-3C35-D640-A1A4-1FA6CC9DB086}" type="sibTrans" cxnId="{849506F8-C9B7-3940-859F-027322C6739A}">
+      <dgm:prSet/>
+      <dgm:spPr/>
+      <dgm:t>
+        <a:bodyPr/>
+        <a:lstStyle/>
+        <a:p>
+          <a:endParaRPr lang="en-US"/>
+        </a:p>
+      </dgm:t>
+    </dgm:pt>
+    <dgm:pt modelId="{8A8DF8E1-70C1-9143-89B4-8F2BC5901E79}" type="pres">
+      <dgm:prSet presAssocID="{D709546C-24A2-2B41-A152-F771C12EC397}" presName="Name0" presStyleCnt="0">
+        <dgm:presLayoutVars>
+          <dgm:chMax val="1"/>
+          <dgm:chPref val="1"/>
+          <dgm:dir/>
+          <dgm:animOne val="branch"/>
+          <dgm:animLvl val="lvl"/>
+        </dgm:presLayoutVars>
+      </dgm:prSet>
+      <dgm:spPr/>
+    </dgm:pt>
+    <dgm:pt modelId="{2FCB05C1-4F31-DA45-916B-B2E2FACE0571}" type="pres">
+      <dgm:prSet presAssocID="{89C24A68-F7DE-2748-98BB-DA4C6F32EF64}" presName="singleCycle" presStyleCnt="0"/>
+      <dgm:spPr/>
+    </dgm:pt>
+    <dgm:pt modelId="{3959DB48-0EDA-1443-BC5C-2800A43B08DA}" type="pres">
+      <dgm:prSet presAssocID="{89C24A68-F7DE-2748-98BB-DA4C6F32EF64}" presName="singleCenter" presStyleLbl="node1" presStyleIdx="0" presStyleCnt="4">
+        <dgm:presLayoutVars>
+          <dgm:chMax val="7"/>
+          <dgm:chPref val="7"/>
+        </dgm:presLayoutVars>
+      </dgm:prSet>
+      <dgm:spPr/>
+    </dgm:pt>
+    <dgm:pt modelId="{F52A6FD6-305F-5A49-8D9B-1EC2AE4129E2}" type="pres">
+      <dgm:prSet presAssocID="{ABB442C2-BEDA-6944-8A58-FEFC24FDF06B}" presName="Name56" presStyleLbl="parChTrans1D2" presStyleIdx="0" presStyleCnt="3"/>
+      <dgm:spPr/>
+    </dgm:pt>
+    <dgm:pt modelId="{5FCE82BC-EC7A-C047-83A4-DBC56AF1BD5C}" type="pres">
+      <dgm:prSet presAssocID="{7885C47F-558D-2743-982D-3B16DB0F8FD1}" presName="text0" presStyleLbl="node1" presStyleIdx="1" presStyleCnt="4">
+        <dgm:presLayoutVars>
+          <dgm:bulletEnabled val="1"/>
+        </dgm:presLayoutVars>
+      </dgm:prSet>
+      <dgm:spPr/>
+    </dgm:pt>
+    <dgm:pt modelId="{3A1B18E2-079D-6A4D-9622-2E1D1E9962B0}" type="pres">
+      <dgm:prSet presAssocID="{F594204D-DBAB-2941-9FA9-C9B15A4416CA}" presName="Name56" presStyleLbl="parChTrans1D2" presStyleIdx="1" presStyleCnt="3"/>
+      <dgm:spPr/>
+    </dgm:pt>
+    <dgm:pt modelId="{D411C877-ED7D-4F4A-A11A-C5BAB8F964AA}" type="pres">
+      <dgm:prSet presAssocID="{835131E1-067E-6342-B877-21AA391F1DD5}" presName="text0" presStyleLbl="node1" presStyleIdx="2" presStyleCnt="4">
+        <dgm:presLayoutVars>
+          <dgm:bulletEnabled val="1"/>
+        </dgm:presLayoutVars>
+      </dgm:prSet>
+      <dgm:spPr/>
+      <dgm:t>
+        <a:bodyPr/>
+        <a:lstStyle/>
+        <a:p>
+          <a:endParaRPr lang="en-US"/>
+        </a:p>
+      </dgm:t>
+    </dgm:pt>
+    <dgm:pt modelId="{BAA28F97-5DF1-B24A-BD07-D177CE35438E}" type="pres">
+      <dgm:prSet presAssocID="{C438D173-0E00-6C4C-8573-51B70CD870A6}" presName="Name56" presStyleLbl="parChTrans1D2" presStyleIdx="2" presStyleCnt="3"/>
+      <dgm:spPr/>
+    </dgm:pt>
+    <dgm:pt modelId="{0644AD5C-04ED-E743-BC62-D9843B701535}" type="pres">
+      <dgm:prSet presAssocID="{ADE972A8-A2FD-3741-83E7-47D7612C3A35}" presName="text0" presStyleLbl="node1" presStyleIdx="3" presStyleCnt="4">
+        <dgm:presLayoutVars>
+          <dgm:bulletEnabled val="1"/>
+        </dgm:presLayoutVars>
+      </dgm:prSet>
+      <dgm:spPr/>
+      <dgm:t>
+        <a:bodyPr/>
+        <a:lstStyle/>
+        <a:p>
+          <a:endParaRPr lang="en-US"/>
+        </a:p>
+      </dgm:t>
+    </dgm:pt>
+  </dgm:ptLst>
+  <dgm:cxnLst>
+    <dgm:cxn modelId="{C09FD708-1549-9949-B7A1-6D05D424C9C4}" srcId="{89C24A68-F7DE-2748-98BB-DA4C6F32EF64}" destId="{7885C47F-558D-2743-982D-3B16DB0F8FD1}" srcOrd="0" destOrd="0" parTransId="{ABB442C2-BEDA-6944-8A58-FEFC24FDF06B}" sibTransId="{D4ABCB6A-E37C-274D-8465-DE9459EEDE28}"/>
+    <dgm:cxn modelId="{8F13A8CB-B956-AC4D-BBBB-BA92357CAD43}" type="presOf" srcId="{D709546C-24A2-2B41-A152-F771C12EC397}" destId="{8A8DF8E1-70C1-9143-89B4-8F2BC5901E79}" srcOrd="0" destOrd="0" presId="urn:microsoft.com/office/officeart/2008/layout/RadialCluster"/>
+    <dgm:cxn modelId="{16AE93E9-D2AB-E448-9E23-A5DFE8EC52D9}" type="presOf" srcId="{7885C47F-558D-2743-982D-3B16DB0F8FD1}" destId="{5FCE82BC-EC7A-C047-83A4-DBC56AF1BD5C}" srcOrd="0" destOrd="0" presId="urn:microsoft.com/office/officeart/2008/layout/RadialCluster"/>
+    <dgm:cxn modelId="{9A60D44C-8027-F541-B4E5-914668DE7D27}" type="presOf" srcId="{89C24A68-F7DE-2748-98BB-DA4C6F32EF64}" destId="{3959DB48-0EDA-1443-BC5C-2800A43B08DA}" srcOrd="0" destOrd="0" presId="urn:microsoft.com/office/officeart/2008/layout/RadialCluster"/>
+    <dgm:cxn modelId="{88CFE35D-64DC-8A49-9ACD-900BCF4F58BE}" type="presOf" srcId="{835131E1-067E-6342-B877-21AA391F1DD5}" destId="{D411C877-ED7D-4F4A-A11A-C5BAB8F964AA}" srcOrd="0" destOrd="0" presId="urn:microsoft.com/office/officeart/2008/layout/RadialCluster"/>
+    <dgm:cxn modelId="{6B89932E-BF21-EB43-89BB-AB530D621431}" srcId="{D709546C-24A2-2B41-A152-F771C12EC397}" destId="{89C24A68-F7DE-2748-98BB-DA4C6F32EF64}" srcOrd="0" destOrd="0" parTransId="{DDD27FCD-ECD3-2345-A76D-3D0DAAEC7F2F}" sibTransId="{CF581BF3-5FF5-8342-B3D6-2F3B3E7FA50A}"/>
+    <dgm:cxn modelId="{510BEDBD-B264-AB46-80E6-E9D9889556D1}" srcId="{89C24A68-F7DE-2748-98BB-DA4C6F32EF64}" destId="{835131E1-067E-6342-B877-21AA391F1DD5}" srcOrd="1" destOrd="0" parTransId="{F594204D-DBAB-2941-9FA9-C9B15A4416CA}" sibTransId="{CCF9871C-CBCA-CD49-8105-74D395F2A840}"/>
+    <dgm:cxn modelId="{CF0FC6E7-32E0-6943-8AB2-99462E113390}" type="presOf" srcId="{ABB442C2-BEDA-6944-8A58-FEFC24FDF06B}" destId="{F52A6FD6-305F-5A49-8D9B-1EC2AE4129E2}" srcOrd="0" destOrd="0" presId="urn:microsoft.com/office/officeart/2008/layout/RadialCluster"/>
+    <dgm:cxn modelId="{2D98C77F-859D-F646-98C4-063C579BB4A4}" type="presOf" srcId="{C438D173-0E00-6C4C-8573-51B70CD870A6}" destId="{BAA28F97-5DF1-B24A-BD07-D177CE35438E}" srcOrd="0" destOrd="0" presId="urn:microsoft.com/office/officeart/2008/layout/RadialCluster"/>
+    <dgm:cxn modelId="{A0B2551D-8AF4-A045-9E4A-227374DC3ACD}" type="presOf" srcId="{ADE972A8-A2FD-3741-83E7-47D7612C3A35}" destId="{0644AD5C-04ED-E743-BC62-D9843B701535}" srcOrd="0" destOrd="0" presId="urn:microsoft.com/office/officeart/2008/layout/RadialCluster"/>
+    <dgm:cxn modelId="{849506F8-C9B7-3940-859F-027322C6739A}" srcId="{89C24A68-F7DE-2748-98BB-DA4C6F32EF64}" destId="{ADE972A8-A2FD-3741-83E7-47D7612C3A35}" srcOrd="2" destOrd="0" parTransId="{C438D173-0E00-6C4C-8573-51B70CD870A6}" sibTransId="{2457F2BF-3C35-D640-A1A4-1FA6CC9DB086}"/>
+    <dgm:cxn modelId="{75CF0628-E9BB-0642-918F-1353FF08D492}" type="presOf" srcId="{F594204D-DBAB-2941-9FA9-C9B15A4416CA}" destId="{3A1B18E2-079D-6A4D-9622-2E1D1E9962B0}" srcOrd="0" destOrd="0" presId="urn:microsoft.com/office/officeart/2008/layout/RadialCluster"/>
+    <dgm:cxn modelId="{2870358D-1294-6C47-8B3D-20AC963BFC3E}" type="presParOf" srcId="{8A8DF8E1-70C1-9143-89B4-8F2BC5901E79}" destId="{2FCB05C1-4F31-DA45-916B-B2E2FACE0571}" srcOrd="0" destOrd="0" presId="urn:microsoft.com/office/officeart/2008/layout/RadialCluster"/>
+    <dgm:cxn modelId="{E1CB723A-DEE0-9A4A-870B-A7DE209E6CA8}" type="presParOf" srcId="{2FCB05C1-4F31-DA45-916B-B2E2FACE0571}" destId="{3959DB48-0EDA-1443-BC5C-2800A43B08DA}" srcOrd="0" destOrd="0" presId="urn:microsoft.com/office/officeart/2008/layout/RadialCluster"/>
+    <dgm:cxn modelId="{DDCE901A-6BEE-9A43-BB03-7ED328A7C903}" type="presParOf" srcId="{2FCB05C1-4F31-DA45-916B-B2E2FACE0571}" destId="{F52A6FD6-305F-5A49-8D9B-1EC2AE4129E2}" srcOrd="1" destOrd="0" presId="urn:microsoft.com/office/officeart/2008/layout/RadialCluster"/>
+    <dgm:cxn modelId="{90BDEB10-B09A-5347-9022-908EB55D2C37}" type="presParOf" srcId="{2FCB05C1-4F31-DA45-916B-B2E2FACE0571}" destId="{5FCE82BC-EC7A-C047-83A4-DBC56AF1BD5C}" srcOrd="2" destOrd="0" presId="urn:microsoft.com/office/officeart/2008/layout/RadialCluster"/>
+    <dgm:cxn modelId="{CDA3A75C-BE49-0C40-8A17-722811A76AF9}" type="presParOf" srcId="{2FCB05C1-4F31-DA45-916B-B2E2FACE0571}" destId="{3A1B18E2-079D-6A4D-9622-2E1D1E9962B0}" srcOrd="3" destOrd="0" presId="urn:microsoft.com/office/officeart/2008/layout/RadialCluster"/>
+    <dgm:cxn modelId="{26E7FE16-731A-AF40-9C64-451C0279B964}" type="presParOf" srcId="{2FCB05C1-4F31-DA45-916B-B2E2FACE0571}" destId="{D411C877-ED7D-4F4A-A11A-C5BAB8F964AA}" srcOrd="4" destOrd="0" presId="urn:microsoft.com/office/officeart/2008/layout/RadialCluster"/>
+    <dgm:cxn modelId="{33751719-228D-0D45-A495-8B4AC4C86208}" type="presParOf" srcId="{2FCB05C1-4F31-DA45-916B-B2E2FACE0571}" destId="{BAA28F97-5DF1-B24A-BD07-D177CE35438E}" srcOrd="5" destOrd="0" presId="urn:microsoft.com/office/officeart/2008/layout/RadialCluster"/>
+    <dgm:cxn modelId="{DEFD278C-3703-B04D-BD1E-21CFA7B29709}" type="presParOf" srcId="{2FCB05C1-4F31-DA45-916B-B2E2FACE0571}" destId="{0644AD5C-04ED-E743-BC62-D9843B701535}" srcOrd="6" destOrd="0" presId="urn:microsoft.com/office/officeart/2008/layout/RadialCluster"/>
+  </dgm:cxnLst>
+  <dgm:bg/>
+  <dgm:whole/>
+  <dgm:extLst>
+    <a:ext uri="http://schemas.microsoft.com/office/drawing/2008/diagram">
+      <dsp:dataModelExt xmlns:dsp="http://schemas.microsoft.com/office/drawing/2008/diagram" relId="rId6" minVer="http://schemas.openxmlformats.org/drawingml/2006/diagram"/>
+    </a:ext>
+  </dgm:extLst>
+</dgm:dataModel>
+</file>
+
+<file path=ppt/diagrams/drawing1.xml><?xml version="1.0" encoding="utf-8"?>
+<dsp:drawing xmlns:dgm="http://schemas.openxmlformats.org/drawingml/2006/diagram" xmlns:dsp="http://schemas.microsoft.com/office/drawing/2008/diagram" xmlns:a="http://schemas.openxmlformats.org/drawingml/2006/main">
+  <dsp:spTree>
+    <dsp:nvGrpSpPr>
+      <dsp:cNvPr id="0" name=""/>
+      <dsp:cNvGrpSpPr/>
+    </dsp:nvGrpSpPr>
+    <dsp:grpSpPr/>
+    <dsp:sp modelId="{3959DB48-0EDA-1443-BC5C-2800A43B08DA}">
+      <dsp:nvSpPr>
+        <dsp:cNvPr id="0" name=""/>
+        <dsp:cNvSpPr/>
+      </dsp:nvSpPr>
+      <dsp:spPr>
+        <a:xfrm>
+          <a:off x="2438399" y="1890712"/>
+          <a:ext cx="1219200" cy="1219200"/>
+        </a:xfrm>
+        <a:prstGeom prst="roundRect">
+          <a:avLst/>
+        </a:prstGeom>
+        <a:solidFill>
+          <a:schemeClr val="accent1">
+            <a:hueOff val="0"/>
+            <a:satOff val="0"/>
+            <a:lumOff val="0"/>
+            <a:alphaOff val="0"/>
+          </a:schemeClr>
+        </a:solidFill>
+        <a:ln>
+          <a:noFill/>
+        </a:ln>
+        <a:effectLst>
+          <a:outerShdw blurRad="40000" dist="23000" dir="5400000" rotWithShape="0">
+            <a:srgbClr val="000000">
+              <a:alpha val="35000"/>
+            </a:srgbClr>
+          </a:outerShdw>
+        </a:effectLst>
+        <a:scene3d>
+          <a:camera prst="orthographicFront">
+            <a:rot lat="0" lon="0" rev="0"/>
+          </a:camera>
+          <a:lightRig rig="contrasting" dir="t">
+            <a:rot lat="0" lon="0" rev="1200000"/>
+          </a:lightRig>
+        </a:scene3d>
+        <a:sp3d contourW="19050" prstMaterial="metal">
+          <a:bevelT w="88900" h="203200"/>
+          <a:bevelB w="165100" h="254000"/>
+        </a:sp3d>
+      </dsp:spPr>
+      <dsp:style>
+        <a:lnRef idx="0">
+          <a:scrgbClr r="0" g="0" b="0"/>
+        </a:lnRef>
+        <a:fillRef idx="1">
+          <a:scrgbClr r="0" g="0" b="0"/>
+        </a:fillRef>
+        <a:effectRef idx="2">
+          <a:scrgbClr r="0" g="0" b="0"/>
+        </a:effectRef>
+        <a:fontRef idx="minor">
+          <a:schemeClr val="lt1"/>
+        </a:fontRef>
+      </dsp:style>
+      <dsp:txBody>
+        <a:bodyPr spcFirstLastPara="0" vert="horz" wrap="square" lIns="91440" tIns="91440" rIns="91440" bIns="91440" numCol="1" spcCol="1270" anchor="ctr" anchorCtr="0">
+          <a:noAutofit/>
+        </a:bodyPr>
+        <a:lstStyle/>
+        <a:p>
+          <a:pPr lvl="0" algn="ctr" defTabSz="1600200">
+            <a:lnSpc>
+              <a:spcPct val="90000"/>
+            </a:lnSpc>
+            <a:spcBef>
+              <a:spcPct val="0"/>
+            </a:spcBef>
+            <a:spcAft>
+              <a:spcPct val="35000"/>
+            </a:spcAft>
+          </a:pPr>
+          <a:r>
+            <a:rPr lang="en-US" sz="3600" kern="1200" dirty="0" smtClean="0"/>
+            <a:t>EDB</a:t>
+          </a:r>
+          <a:endParaRPr lang="en-US" sz="3600" kern="1200" dirty="0"/>
+        </a:p>
+      </dsp:txBody>
+      <dsp:txXfrm>
+        <a:off x="2497915" y="1950228"/>
+        <a:ext cx="1100168" cy="1100168"/>
+      </dsp:txXfrm>
+    </dsp:sp>
+    <dsp:sp modelId="{F52A6FD6-305F-5A49-8D9B-1EC2AE4129E2}">
+      <dsp:nvSpPr>
+        <dsp:cNvPr id="0" name=""/>
+        <dsp:cNvSpPr/>
+      </dsp:nvSpPr>
+      <dsp:spPr>
+        <a:xfrm rot="16200000">
+          <a:off x="2620390" y="1463103"/>
+          <a:ext cx="855217" cy="0"/>
+        </a:xfrm>
+        <a:custGeom>
+          <a:avLst/>
+          <a:gdLst/>
+          <a:ahLst/>
+          <a:cxnLst/>
+          <a:rect l="0" t="0" r="0" b="0"/>
+          <a:pathLst>
+            <a:path>
+              <a:moveTo>
+                <a:pt x="0" y="0"/>
+              </a:moveTo>
+              <a:lnTo>
+                <a:pt x="855217" y="0"/>
+              </a:lnTo>
+            </a:path>
+          </a:pathLst>
+        </a:custGeom>
+        <a:noFill/>
+        <a:ln w="25400" cap="flat" cmpd="sng" algn="ctr">
+          <a:solidFill>
+            <a:schemeClr val="accent1">
+              <a:shade val="60000"/>
+              <a:hueOff val="0"/>
+              <a:satOff val="0"/>
+              <a:lumOff val="0"/>
+              <a:alphaOff val="0"/>
+            </a:schemeClr>
+          </a:solidFill>
+          <a:prstDash val="solid"/>
+        </a:ln>
+        <a:effectLst/>
+        <a:scene3d>
+          <a:camera prst="orthographicFront">
+            <a:rot lat="0" lon="0" rev="0"/>
+          </a:camera>
+          <a:lightRig rig="contrasting" dir="t">
+            <a:rot lat="0" lon="0" rev="1200000"/>
+          </a:lightRig>
+        </a:scene3d>
+        <a:sp3d z="-110000"/>
+      </dsp:spPr>
+      <dsp:style>
+        <a:lnRef idx="2">
+          <a:scrgbClr r="0" g="0" b="0"/>
+        </a:lnRef>
+        <a:fillRef idx="0">
+          <a:scrgbClr r="0" g="0" b="0"/>
+        </a:fillRef>
+        <a:effectRef idx="0">
+          <a:scrgbClr r="0" g="0" b="0"/>
+        </a:effectRef>
+        <a:fontRef idx="minor"/>
+      </dsp:style>
+    </dsp:sp>
+    <dsp:sp modelId="{5FCE82BC-EC7A-C047-83A4-DBC56AF1BD5C}">
+      <dsp:nvSpPr>
+        <dsp:cNvPr id="0" name=""/>
+        <dsp:cNvSpPr/>
+      </dsp:nvSpPr>
+      <dsp:spPr>
+        <a:xfrm>
+          <a:off x="2639567" y="218630"/>
+          <a:ext cx="816864" cy="816864"/>
+        </a:xfrm>
+        <a:prstGeom prst="roundRect">
+          <a:avLst/>
+        </a:prstGeom>
+        <a:solidFill>
+          <a:schemeClr val="accent1">
+            <a:hueOff val="0"/>
+            <a:satOff val="0"/>
+            <a:lumOff val="0"/>
+            <a:alphaOff val="0"/>
+          </a:schemeClr>
+        </a:solidFill>
+        <a:ln>
+          <a:noFill/>
+        </a:ln>
+        <a:effectLst>
+          <a:outerShdw blurRad="40000" dist="23000" dir="5400000" rotWithShape="0">
+            <a:srgbClr val="000000">
+              <a:alpha val="35000"/>
+            </a:srgbClr>
+          </a:outerShdw>
+        </a:effectLst>
+        <a:scene3d>
+          <a:camera prst="orthographicFront">
+            <a:rot lat="0" lon="0" rev="0"/>
+          </a:camera>
+          <a:lightRig rig="contrasting" dir="t">
+            <a:rot lat="0" lon="0" rev="1200000"/>
+          </a:lightRig>
+        </a:scene3d>
+        <a:sp3d contourW="19050" prstMaterial="metal">
+          <a:bevelT w="88900" h="203200"/>
+          <a:bevelB w="165100" h="254000"/>
+        </a:sp3d>
+      </dsp:spPr>
+      <dsp:style>
+        <a:lnRef idx="0">
+          <a:scrgbClr r="0" g="0" b="0"/>
+        </a:lnRef>
+        <a:fillRef idx="1">
+          <a:scrgbClr r="0" g="0" b="0"/>
+        </a:fillRef>
+        <a:effectRef idx="2">
+          <a:scrgbClr r="0" g="0" b="0"/>
+        </a:effectRef>
+        <a:fontRef idx="minor">
+          <a:schemeClr val="lt1"/>
+        </a:fontRef>
+      </dsp:style>
+      <dsp:txBody>
+        <a:bodyPr spcFirstLastPara="0" vert="horz" wrap="square" lIns="78740" tIns="78740" rIns="78740" bIns="78740" numCol="1" spcCol="1270" anchor="ctr" anchorCtr="0">
+          <a:noAutofit/>
+        </a:bodyPr>
+        <a:lstStyle/>
+        <a:p>
+          <a:pPr lvl="0" algn="ctr" defTabSz="1377950">
+            <a:lnSpc>
+              <a:spcPct val="90000"/>
+            </a:lnSpc>
+            <a:spcBef>
+              <a:spcPct val="0"/>
+            </a:spcBef>
+            <a:spcAft>
+              <a:spcPct val="35000"/>
+            </a:spcAft>
+          </a:pPr>
+          <a:r>
+            <a:rPr lang="en-US" sz="3100" kern="1200" dirty="0" smtClean="0"/>
+            <a:t>XPL</a:t>
+          </a:r>
+          <a:endParaRPr lang="en-US" sz="3100" kern="1200" dirty="0"/>
+        </a:p>
+      </dsp:txBody>
+      <dsp:txXfrm>
+        <a:off x="2679443" y="258506"/>
+        <a:ext cx="737112" cy="737112"/>
+      </dsp:txXfrm>
+    </dsp:sp>
+    <dsp:sp modelId="{3A1B18E2-079D-6A4D-9622-2E1D1E9962B0}">
+      <dsp:nvSpPr>
+        <dsp:cNvPr id="0" name=""/>
+        <dsp:cNvSpPr/>
+      </dsp:nvSpPr>
+      <dsp:spPr>
+        <a:xfrm rot="1800000">
+          <a:off x="3610861" y="3026697"/>
+          <a:ext cx="697727" cy="0"/>
+        </a:xfrm>
+        <a:custGeom>
+          <a:avLst/>
+          <a:gdLst/>
+          <a:ahLst/>
+          <a:cxnLst/>
+          <a:rect l="0" t="0" r="0" b="0"/>
+          <a:pathLst>
+            <a:path>
+              <a:moveTo>
+                <a:pt x="0" y="0"/>
+              </a:moveTo>
+              <a:lnTo>
+                <a:pt x="697727" y="0"/>
+              </a:lnTo>
+            </a:path>
+          </a:pathLst>
+        </a:custGeom>
+        <a:noFill/>
+        <a:ln w="25400" cap="flat" cmpd="sng" algn="ctr">
+          <a:solidFill>
+            <a:schemeClr val="accent1">
+              <a:shade val="60000"/>
+              <a:hueOff val="0"/>
+              <a:satOff val="0"/>
+              <a:lumOff val="0"/>
+              <a:alphaOff val="0"/>
+            </a:schemeClr>
+          </a:solidFill>
+          <a:prstDash val="solid"/>
+        </a:ln>
+        <a:effectLst/>
+        <a:scene3d>
+          <a:camera prst="orthographicFront">
+            <a:rot lat="0" lon="0" rev="0"/>
+          </a:camera>
+          <a:lightRig rig="contrasting" dir="t">
+            <a:rot lat="0" lon="0" rev="1200000"/>
+          </a:lightRig>
+        </a:scene3d>
+        <a:sp3d z="-110000"/>
+      </dsp:spPr>
+      <dsp:style>
+        <a:lnRef idx="2">
+          <a:scrgbClr r="0" g="0" b="0"/>
+        </a:lnRef>
+        <a:fillRef idx="0">
+          <a:scrgbClr r="0" g="0" b="0"/>
+        </a:fillRef>
+        <a:effectRef idx="0">
+          <a:scrgbClr r="0" g="0" b="0"/>
+        </a:effectRef>
+        <a:fontRef idx="minor"/>
+      </dsp:style>
+    </dsp:sp>
+    <dsp:sp modelId="{D411C877-ED7D-4F4A-A11A-C5BAB8F964AA}">
+      <dsp:nvSpPr>
+        <dsp:cNvPr id="0" name=""/>
+        <dsp:cNvSpPr/>
+      </dsp:nvSpPr>
+      <dsp:spPr>
+        <a:xfrm>
+          <a:off x="4261850" y="3028505"/>
+          <a:ext cx="816864" cy="816864"/>
+        </a:xfrm>
+        <a:prstGeom prst="roundRect">
+          <a:avLst/>
+        </a:prstGeom>
+        <a:solidFill>
+          <a:schemeClr val="accent1">
+            <a:hueOff val="0"/>
+            <a:satOff val="0"/>
+            <a:lumOff val="0"/>
+            <a:alphaOff val="0"/>
+          </a:schemeClr>
+        </a:solidFill>
+        <a:ln>
+          <a:noFill/>
+        </a:ln>
+        <a:effectLst>
+          <a:outerShdw blurRad="40000" dist="23000" dir="5400000" rotWithShape="0">
+            <a:srgbClr val="000000">
+              <a:alpha val="35000"/>
+            </a:srgbClr>
+          </a:outerShdw>
+        </a:effectLst>
+        <a:scene3d>
+          <a:camera prst="orthographicFront">
+            <a:rot lat="0" lon="0" rev="0"/>
+          </a:camera>
+          <a:lightRig rig="contrasting" dir="t">
+            <a:rot lat="0" lon="0" rev="1200000"/>
+          </a:lightRig>
+        </a:scene3d>
+        <a:sp3d contourW="19050" prstMaterial="metal">
+          <a:bevelT w="88900" h="203200"/>
+          <a:bevelB w="165100" h="254000"/>
+        </a:sp3d>
+      </dsp:spPr>
+      <dsp:style>
+        <a:lnRef idx="0">
+          <a:scrgbClr r="0" g="0" b="0"/>
+        </a:lnRef>
+        <a:fillRef idx="1">
+          <a:scrgbClr r="0" g="0" b="0"/>
+        </a:fillRef>
+        <a:effectRef idx="2">
+          <a:scrgbClr r="0" g="0" b="0"/>
+        </a:effectRef>
+        <a:fontRef idx="minor">
+          <a:schemeClr val="lt1"/>
+        </a:fontRef>
+      </dsp:style>
+      <dsp:txBody>
+        <a:bodyPr spcFirstLastPara="0" vert="horz" wrap="square" lIns="83820" tIns="83820" rIns="83820" bIns="83820" numCol="1" spcCol="1270" anchor="ctr" anchorCtr="0">
+          <a:noAutofit/>
+        </a:bodyPr>
+        <a:lstStyle/>
+        <a:p>
+          <a:pPr lvl="0" algn="ctr" defTabSz="1466850">
+            <a:lnSpc>
+              <a:spcPct val="90000"/>
+            </a:lnSpc>
+            <a:spcBef>
+              <a:spcPct val="0"/>
+            </a:spcBef>
+            <a:spcAft>
+              <a:spcPct val="35000"/>
+            </a:spcAft>
+          </a:pPr>
+          <a:r>
+            <a:rPr lang="en-US" sz="3300" kern="1200" dirty="0" smtClean="0"/>
+            <a:t>ESL</a:t>
+          </a:r>
+          <a:endParaRPr lang="en-US" sz="3300" kern="1200" dirty="0"/>
+        </a:p>
+      </dsp:txBody>
+      <dsp:txXfrm>
+        <a:off x="4301726" y="3068381"/>
+        <a:ext cx="737112" cy="737112"/>
+      </dsp:txXfrm>
+    </dsp:sp>
+    <dsp:sp modelId="{BAA28F97-5DF1-B24A-BD07-D177CE35438E}">
+      <dsp:nvSpPr>
+        <dsp:cNvPr id="0" name=""/>
+        <dsp:cNvSpPr/>
+      </dsp:nvSpPr>
+      <dsp:spPr>
+        <a:xfrm rot="9000000">
+          <a:off x="1787411" y="3026697"/>
+          <a:ext cx="697727" cy="0"/>
+        </a:xfrm>
+        <a:custGeom>
+          <a:avLst/>
+          <a:gdLst/>
+          <a:ahLst/>
+          <a:cxnLst/>
+          <a:rect l="0" t="0" r="0" b="0"/>
+          <a:pathLst>
+            <a:path>
+              <a:moveTo>
+                <a:pt x="0" y="0"/>
+              </a:moveTo>
+              <a:lnTo>
+                <a:pt x="697727" y="0"/>
+              </a:lnTo>
+            </a:path>
+          </a:pathLst>
+        </a:custGeom>
+        <a:noFill/>
+        <a:ln w="25400" cap="flat" cmpd="sng" algn="ctr">
+          <a:solidFill>
+            <a:schemeClr val="accent1">
+              <a:shade val="60000"/>
+              <a:hueOff val="0"/>
+              <a:satOff val="0"/>
+              <a:lumOff val="0"/>
+              <a:alphaOff val="0"/>
+            </a:schemeClr>
+          </a:solidFill>
+          <a:prstDash val="solid"/>
+        </a:ln>
+        <a:effectLst/>
+        <a:scene3d>
+          <a:camera prst="orthographicFront">
+            <a:rot lat="0" lon="0" rev="0"/>
+          </a:camera>
+          <a:lightRig rig="contrasting" dir="t">
+            <a:rot lat="0" lon="0" rev="1200000"/>
+          </a:lightRig>
+        </a:scene3d>
+        <a:sp3d z="-110000"/>
+      </dsp:spPr>
+      <dsp:style>
+        <a:lnRef idx="2">
+          <a:scrgbClr r="0" g="0" b="0"/>
+        </a:lnRef>
+        <a:fillRef idx="0">
+          <a:scrgbClr r="0" g="0" b="0"/>
+        </a:fillRef>
+        <a:effectRef idx="0">
+          <a:scrgbClr r="0" g="0" b="0"/>
+        </a:effectRef>
+        <a:fontRef idx="minor"/>
+      </dsp:style>
+    </dsp:sp>
+    <dsp:sp modelId="{0644AD5C-04ED-E743-BC62-D9843B701535}">
+      <dsp:nvSpPr>
+        <dsp:cNvPr id="0" name=""/>
+        <dsp:cNvSpPr/>
+      </dsp:nvSpPr>
+      <dsp:spPr>
+        <a:xfrm>
+          <a:off x="1017285" y="3028505"/>
+          <a:ext cx="816864" cy="816864"/>
+        </a:xfrm>
+        <a:prstGeom prst="roundRect">
+          <a:avLst/>
+        </a:prstGeom>
+        <a:solidFill>
+          <a:schemeClr val="accent1">
+            <a:hueOff val="0"/>
+            <a:satOff val="0"/>
+            <a:lumOff val="0"/>
+            <a:alphaOff val="0"/>
+          </a:schemeClr>
+        </a:solidFill>
+        <a:ln>
+          <a:noFill/>
+        </a:ln>
+        <a:effectLst>
+          <a:outerShdw blurRad="40000" dist="23000" dir="5400000" rotWithShape="0">
+            <a:srgbClr val="000000">
+              <a:alpha val="35000"/>
+            </a:srgbClr>
+          </a:outerShdw>
+        </a:effectLst>
+        <a:scene3d>
+          <a:camera prst="orthographicFront">
+            <a:rot lat="0" lon="0" rev="0"/>
+          </a:camera>
+          <a:lightRig rig="contrasting" dir="t">
+            <a:rot lat="0" lon="0" rev="1200000"/>
+          </a:lightRig>
+        </a:scene3d>
+        <a:sp3d contourW="19050" prstMaterial="metal">
+          <a:bevelT w="88900" h="203200"/>
+          <a:bevelB w="165100" h="254000"/>
+        </a:sp3d>
+      </dsp:spPr>
+      <dsp:style>
+        <a:lnRef idx="0">
+          <a:scrgbClr r="0" g="0" b="0"/>
+        </a:lnRef>
+        <a:fillRef idx="1">
+          <a:scrgbClr r="0" g="0" b="0"/>
+        </a:fillRef>
+        <a:effectRef idx="2">
+          <a:scrgbClr r="0" g="0" b="0"/>
+        </a:effectRef>
+        <a:fontRef idx="minor">
+          <a:schemeClr val="lt1"/>
+        </a:fontRef>
+      </dsp:style>
+      <dsp:txBody>
+        <a:bodyPr spcFirstLastPara="0" vert="horz" wrap="square" lIns="76200" tIns="76200" rIns="76200" bIns="76200" numCol="1" spcCol="1270" anchor="ctr" anchorCtr="0">
+          <a:noAutofit/>
+        </a:bodyPr>
+        <a:lstStyle/>
+        <a:p>
+          <a:pPr lvl="0" algn="ctr" defTabSz="1333500">
+            <a:lnSpc>
+              <a:spcPct val="90000"/>
+            </a:lnSpc>
+            <a:spcBef>
+              <a:spcPct val="0"/>
+            </a:spcBef>
+            <a:spcAft>
+              <a:spcPct val="35000"/>
+            </a:spcAft>
+          </a:pPr>
+          <a:r>
+            <a:rPr lang="en-US" sz="3000" kern="1200" dirty="0" smtClean="0"/>
+            <a:t>GUI</a:t>
+          </a:r>
+          <a:endParaRPr lang="en-US" sz="3000" kern="1200" dirty="0"/>
+        </a:p>
+      </dsp:txBody>
+      <dsp:txXfrm>
+        <a:off x="1057161" y="3068381"/>
+        <a:ext cx="737112" cy="737112"/>
+      </dsp:txXfrm>
+    </dsp:sp>
+  </dsp:spTree>
+</dsp:drawing>
+</file>
+
+<file path=ppt/diagrams/layout1.xml><?xml version="1.0" encoding="utf-8"?>
+<dgm:layoutDef xmlns:dgm="http://schemas.openxmlformats.org/drawingml/2006/diagram" xmlns:a="http://schemas.openxmlformats.org/drawingml/2006/main" uniqueId="urn:microsoft.com/office/officeart/2008/layout/RadialCluster">
+  <dgm:title val=""/>
+  <dgm:desc val=""/>
+  <dgm:catLst>
+    <dgm:cat type="relationship" pri="19500"/>
+    <dgm:cat type="cycle" pri="15000"/>
+  </dgm:catLst>
+  <dgm:sampData>
+    <dgm:dataModel>
+      <dgm:ptLst>
+        <dgm:pt modelId="0" type="doc"/>
+        <dgm:pt modelId="1">
+          <dgm:prSet phldr="1"/>
+        </dgm:pt>
+        <dgm:pt modelId="11">
+          <dgm:prSet phldr="1"/>
+        </dgm:pt>
+        <dgm:pt modelId="12">
+          <dgm:prSet phldr="1"/>
+        </dgm:pt>
+        <dgm:pt modelId="13">
+          <dgm:prSet phldr="1"/>
+        </dgm:pt>
+      </dgm:ptLst>
+      <dgm:cxnLst>
+        <dgm:cxn modelId="2" srcId="0" destId="1" srcOrd="0" destOrd="0"/>
+        <dgm:cxn modelId="3" srcId="1" destId="11" srcOrd="0" destOrd="0"/>
+        <dgm:cxn modelId="4" srcId="1" destId="12" srcOrd="1" destOrd="0"/>
+        <dgm:cxn modelId="5" srcId="1" destId="13" srcOrd="2" destOrd="0"/>
+      </dgm:cxnLst>
+      <dgm:bg/>
+      <dgm:whole/>
+    </dgm:dataModel>
+  </dgm:sampData>
+  <dgm:styleData useDef="1">
+    <dgm:dataModel>
+      <dgm:ptLst/>
+      <dgm:bg/>
+      <dgm:whole/>
+    </dgm:dataModel>
+  </dgm:styleData>
+  <dgm:clrData useDef="1">
+    <dgm:dataModel>
+      <dgm:ptLst/>
+      <dgm:bg/>
+      <dgm:whole/>
+    </dgm:dataModel>
+  </dgm:clrData>
+  <dgm:layoutNode name="Name0">
+    <dgm:varLst>
+      <dgm:chMax val="1"/>
+      <dgm:chPref val="1"/>
+      <dgm:dir/>
+      <dgm:animOne val="branch"/>
+      <dgm:animLvl val="lvl"/>
+    </dgm:varLst>
+    <dgm:alg type="composite">
+      <dgm:param type="ar" val="1.00"/>
+    </dgm:alg>
+    <dgm:shape xmlns:r="http://schemas.openxmlformats.org/officeDocument/2006/relationships" r:blip="">
+      <dgm:adjLst/>
+    </dgm:shape>
+    <dgm:choose name="Name1">
+      <dgm:if name="Name2" func="var" arg="dir" op="equ" val="norm">
+        <dgm:choose name="Name3">
+          <dgm:if name="Name4" axis="ch ch" ptType="node node" cnt="1 0" func="cnt" op="equ" val="1">
+            <dgm:constrLst>
+              <dgm:constr type="l" for="ch" forName="textCenter"/>
+              <dgm:constr type="ctrY" for="ch" forName="textCenter" refType="h" fact="0.5"/>
+              <dgm:constr type="w" for="ch" forName="textCenter" refType="w" fact="0.32"/>
+              <dgm:constr type="h" for="ch" forName="textCenter" refType="w" refFor="ch" refForName="textCenter"/>
+              <dgm:constr type="r" for="ch" forName="cycle_1" refType="w"/>
+              <dgm:constr type="ctrY" for="ch" forName="cycle_1" refType="h" fact="0.5"/>
+              <dgm:constr type="w" for="ch" forName="cycle_1" refType="w" fact="0.56"/>
+              <dgm:constr type="h" for="ch" forName="cycle_1" refType="h"/>
+              <dgm:constr type="primFontSz" for="ch" forName="textCenter" val="65"/>
+              <dgm:constr type="primFontSz" for="des" forName="childCenter1" val="65"/>
+              <dgm:constr type="primFontSz" for="des" forName="text1" op="equ" val="65"/>
+              <dgm:constr type="userS" for="des" ptType="node" refType="w" refFor="ch" refForName="textCenter" fact="0.67"/>
+            </dgm:constrLst>
+          </dgm:if>
+          <dgm:if name="Name5" axis="ch ch" ptType="node node" cnt="1 0" func="cnt" op="equ" val="2">
+            <dgm:constrLst>
+              <dgm:constr type="ctrX" for="ch" forName="textCenter" refType="w" fact="0.5"/>
+              <dgm:constr type="ctrY" for="ch" forName="textCenter" refType="h" fact="0.5"/>
+              <dgm:constr type="w" for="ch" forName="textCenter" refType="w" fact="0.25"/>
+              <dgm:constr type="h" for="ch" forName="textCenter" refType="w" refFor="ch" refForName="textCenter"/>
+              <dgm:constr type="ctrX" for="ch" forName="cycle_1" refType="w" fact="0.5"/>
+              <dgm:constr type="t" for="ch" forName="cycle_1"/>
+              <dgm:constr type="w" for="ch" forName="cycle_1" refType="w"/>
+              <dgm:constr type="h" for="ch" forName="cycle_1" refType="h" fact="0.34"/>
+              <dgm:constr type="ctrX" for="ch" forName="cycle_2" refType="w" fact="0.5"/>
+              <dgm:constr type="b" for="ch" forName="cycle_2" refType="h"/>
+              <dgm:constr type="w" for="ch" forName="cycle_2" refType="w"/>
+              <dgm:constr type="h" for="ch" forName="cycle_2" refType="h" fact="0.34"/>
+              <dgm:constr type="primFontSz" for="ch" forName="textCenter" val="65"/>
+              <dgm:constr type="primFontSz" for="des" forName="childCenter1" val="65"/>
+              <dgm:constr type="primFontSz" for="des" forName="text1" op="equ" val="65"/>
+              <dgm:constr type="primFontSz" for="des" forName="childCenter2" refType="primFontSz" refFor="des" refForName="childCenter1" op="equ"/>
+              <dgm:constr type="primFontSz" for="des" forName="text2" refType="primFontSz" refFor="des" refForName="text1" op="equ"/>
+              <dgm:constr type="userS" for="des" ptType="node" refType="w" refFor="ch" refForName="textCenter" fact="0.67"/>
+            </dgm:constrLst>
+          </dgm:if>
+          <dgm:if name="Name6" axis="ch ch" ptType="node node" cnt="1 0" func="cnt" op="equ" val="3">
+            <dgm:choose name="Name7">
+              <dgm:if name="Name8" axis="ch ch ch" ptType="node node node" st="1 2 0" cnt="1 1 0" func="cnt" op="equ" val="1">
+                <dgm:choose name="Name9">
+                  <dgm:if name="Name10" axis="ch ch ch" ptType="node node node" st="1 3 0" cnt="1 1 0" func="cnt" op="equ" val="1">
+                    <dgm:constrLst>
+                      <dgm:constr type="ctrX" for="ch" forName="textCenter" refType="w" fact="0.5"/>
+                      <dgm:constr type="t" for="ch" forName="textCenter" refType="h" fact="0.436"/>
+                      <dgm:constr type="w" for="ch" forName="textCenter" refType="w" fact="0.21"/>
+                      <dgm:constr type="h" for="ch" forName="textCenter" refType="w" refFor="ch" refForName="textCenter"/>
+                      <dgm:constr type="ctrX" for="ch" forName="cycle_1" refType="w" fact="0.5"/>
+                      <dgm:constr type="t" for="ch" forName="cycle_1"/>
+                      <dgm:constr type="w" for="ch" forName="cycle_1" refType="w" fact="0.61"/>
+                      <dgm:constr type="h" for="ch" forName="cycle_1" refType="h" fact="0.36"/>
+                      <dgm:constr type="diam" for="ch" forName="cycle_1" refType="w" fact="0.5"/>
+                      <dgm:constr type="r" for="ch" forName="cycle_2" refType="w"/>
+                      <dgm:constr type="b" for="ch" forName="cycle_2" refType="h" fact="0.85"/>
+                      <dgm:constr type="w" for="ch" forName="cycle_2" refType="w" fact="0.46"/>
+                      <dgm:constr type="h" for="ch" forName="cycle_2" refType="h" fact="0.54"/>
+                      <dgm:constr type="diam" for="ch" forName="cycle_2" refType="w" fact="0.5"/>
+                      <dgm:constr type="l" for="ch" forName="cycle_3"/>
+                      <dgm:constr type="b" for="ch" forName="cycle_3" refType="h" fact="0.85"/>
+                      <dgm:constr type="w" for="ch" forName="cycle_3" refType="w" fact="0.46"/>
+                      <dgm:constr type="h" for="ch" forName="cycle_3" refType="h" fact="0.54"/>
+                      <dgm:constr type="diam" for="ch" forName="cycle_3" refType="w" fact="0.5"/>
+                      <dgm:constr type="primFontSz" for="ch" forName="textCenter" val="65"/>
+                      <dgm:constr type="primFontSz" for="des" forName="childCenter1" val="65"/>
+                      <dgm:constr type="primFontSz" for="des" forName="text1" op="equ" val="65"/>
+                      <dgm:constr type="primFontSz" for="des" forName="childCenter2" refType="primFontSz" refFor="des" refForName="childCenter1" op="equ"/>
+                      <dgm:constr type="primFontSz" for="des" forName="text2" refType="primFontSz" refFor="des" refForName="text1" op="equ"/>
+                      <dgm:constr type="primFontSz" for="des" forName="childCenter3" refType="primFontSz" refFor="des" refForName="childCenter1" op="equ"/>
+                      <dgm:constr type="primFontSz" for="des" forName="text3" refType="primFontSz" refFor="des" refForName="text1" op="equ"/>
+                      <dgm:constr type="userS" for="des" ptType="node" refType="w" refFor="ch" refForName="textCenter" fact="0.67"/>
+                    </dgm:constrLst>
+                  </dgm:if>
+                  <dgm:else name="Name11">
+                    <dgm:constrLst>
+                      <dgm:constr type="ctrX" for="ch" forName="textCenter" refType="w" fact="0.5"/>
+                      <dgm:constr type="t" for="ch" forName="textCenter" refType="h" fact="0.436"/>
+                      <dgm:constr type="w" for="ch" forName="textCenter" refType="w" fact="0.21"/>
+                      <dgm:constr type="h" for="ch" forName="textCenter" refType="w" refFor="ch" refForName="textCenter"/>
+                      <dgm:constr type="ctrX" for="ch" forName="cycle_1" refType="w" fact="0.5"/>
+                      <dgm:constr type="t" for="ch" forName="cycle_1"/>
+                      <dgm:constr type="w" for="ch" forName="cycle_1" refType="w" fact="0.61"/>
+                      <dgm:constr type="h" for="ch" forName="cycle_1" refType="h" fact="0.36"/>
+                      <dgm:constr type="diam" for="ch" forName="cycle_1" refType="w" fact="0.5"/>
+                      <dgm:constr type="r" for="ch" forName="cycle_2" refType="w"/>
+                      <dgm:constr type="b" for="ch" forName="cycle_2" refType="h" fact="0.85"/>
+                      <dgm:constr type="w" for="ch" forName="cycle_2" refType="w" fact="0.46"/>
+                      <dgm:constr type="h" for="ch" forName="cycle_2" refType="h" fact="0.54"/>
+                      <dgm:constr type="diam" for="ch" forName="cycle_2" refType="w" fact="0.5"/>
+                      <dgm:constr type="l" for="ch" forName="cycle_3"/>
+                      <dgm:constr type="b" for="ch" forName="cycle_3" refType="h"/>
+                      <dgm:constr type="w" for="ch" forName="cycle_3" refType="w" fact="0.46"/>
+                      <dgm:constr type="h" for="ch" forName="cycle_3" refType="h" fact="0.54"/>
+                      <dgm:constr type="diam" for="ch" forName="cycle_3" refType="w" fact="0.5"/>
+                      <dgm:constr type="primFontSz" for="ch" forName="textCenter" val="65"/>
+                      <dgm:constr type="primFontSz" for="des" forName="childCenter1" val="65"/>
+                      <dgm:constr type="primFontSz" for="des" forName="text1" op="equ" val="65"/>
+                      <dgm:constr type="primFontSz" for="des" forName="childCenter2" refType="primFontSz" refFor="des" refForName="childCenter1" op="equ"/>
+                      <dgm:constr type="primFontSz" for="des" forName="text2" refType="primFontSz" refFor="des" refForName="text1" op="equ"/>
+                      <dgm:constr type="primFontSz" for="des" forName="childCenter3" refType="primFontSz" refFor="des" refForName="childCenter1" op="equ"/>
+                      <dgm:constr type="primFontSz" for="des" forName="text3" refType="primFontSz" refFor="des" refForName="text1" op="equ"/>
+                      <dgm:constr type="userS" for="des" ptType="node" refType="w" refFor="ch" refForName="textCenter" fact="0.67"/>
+                    </dgm:constrLst>
+                  </dgm:else>
+                </dgm:choose>
+              </dgm:if>
+              <dgm:else name="Name12">
+                <dgm:choose name="Name13">
+                  <dgm:if name="Name14" axis="ch ch ch" ptType="node node node" st="1 3 0" cnt="1 1 0" func="cnt" op="equ" val="1">
+                    <dgm:constrLst>
+                      <dgm:constr type="ctrX" for="ch" forName="textCenter" refType="w" fact="0.5"/>
+                      <dgm:constr type="t" for="ch" forName="textCenter" refType="h" fact="0.436"/>
+                      <dgm:constr type="w" for="ch" forName="textCenter" refType="w" fact="0.21"/>
+                      <dgm:constr type="h" for="ch" forName="textCenter" refType="w" refFor="ch" refForName="textCenter"/>
+                      <dgm:constr type="ctrX" for="ch" forName="cycle_1" refType="w" fact="0.5"/>
+                      <dgm:constr type="t" for="ch" forName="cycle_1"/>
+                      <dgm:constr type="w" for="ch" forName="cycle_1" refType="w" fact="0.61"/>
+                      <dgm:constr type="h" for="ch" forName="cycle_1" refType="h" fact="0.36"/>
+                      <dgm:constr type="diam" for="ch" forName="cycle_1" refType="w" fact="0.5"/>
+                      <dgm:constr type="r" for="ch" forName="cycle_2" refType="w"/>
+                      <dgm:constr type="b" for="ch" forName="cycle_2" refType="h"/>
+                      <dgm:constr type="w" for="ch" forName="cycle_2" refType="w" fact="0.46"/>
+                      <dgm:constr type="h" for="ch" forName="cycle_2" refType="h" fact="0.54"/>
+                      <dgm:constr type="diam" for="ch" forName="cycle_2" refType="w" fact="0.5"/>
+                      <dgm:constr type="l" for="ch" forName="cycle_3"/>
+                      <dgm:constr type="b" for="ch" forName="cycle_3" refType="h" fact="0.85"/>
+                      <dgm:constr type="w" for="ch" forName="cycle_3" refType="w" fact="0.46"/>
+                      <dgm:constr type="h" for="ch" forName="cycle_3" refType="h" fact="0.54"/>
+                      <dgm:constr type="diam" for="ch" forName="cycle_3" refType="w" fact="0.5"/>
+                      <dgm:constr type="primFontSz" for="ch" forName="textCenter" val="65"/>
+                      <dgm:constr type="primFontSz" for="des" forName="childCenter1" val="65"/>
+                      <dgm:constr type="primFontSz" for="des" forName="text1" op="equ" val="65"/>
+                      <dgm:constr type="primFontSz" for="des" forName="childCenter2" refType="primFontSz" refFor="des" refForName="childCenter1" op="equ"/>
+                      <dgm:constr type="primFontSz" for="des" forName="text2" refType="primFontSz" refFor="des" refForName="text1" op="equ"/>
+                      <dgm:constr type="primFontSz" for="des" forName="childCenter3" refType="primFontSz" refFor="des" refForName="childCenter1" op="equ"/>
+                      <dgm:constr type="primFontSz" for="des" forName="text3" refType="primFontSz" refFor="des" refForName="text1" op="equ"/>
+                      <dgm:constr type="userS" for="des" ptType="node" refType="w" refFor="ch" refForName="textCenter" fact="0.67"/>
+                    </dgm:constrLst>
+                  </dgm:if>
+                  <dgm:else name="Name15">
+                    <dgm:constrLst>
+                      <dgm:constr type="ctrX" for="ch" forName="textCenter" refType="w" fact="0.5"/>
+                      <dgm:constr type="t" for="ch" forName="textCenter" refType="h" fact="0.436"/>
+                      <dgm:constr type="w" for="ch" forName="textCenter" refType="w" fact="0.21"/>
+                      <dgm:constr type="h" for="ch" forName="textCenter" refType="w" refFor="ch" refForName="textCenter"/>
+                      <dgm:constr type="ctrX" for="ch" forName="cycle_1" refType="w" fact="0.5"/>
+                      <dgm:constr type="t" for="ch" forName="cycle_1"/>
+                      <dgm:constr type="w" for="ch" forName="cycle_1" refType="w" fact="0.61"/>
+                      <dgm:constr type="h" for="ch" forName="cycle_1" refType="h" fact="0.36"/>
+                      <dgm:constr type="diam" for="ch" forName="cycle_1" refType="w" fact="0.5"/>
+                      <dgm:constr type="r" for="ch" forName="cycle_2" refType="w"/>
+                      <dgm:constr type="b" for="ch" forName="cycle_2" refType="h"/>
+                      <dgm:constr type="w" for="ch" forName="cycle_2" refType="w" fact="0.46"/>
+                      <dgm:constr type="h" for="ch" forName="cycle_2" refType="h" fact="0.54"/>
+                      <dgm:constr type="diam" for="ch" forName="cycle_2" refType="w" fact="0.5"/>
+                      <dgm:constr type="l" for="ch" forName="cycle_3"/>
+                      <dgm:constr type="b" for="ch" forName="cycle_3" refType="h"/>
+                      <dgm:constr type="w" for="ch" forName="cycle_3" refType="w" fact="0.46"/>
+                      <dgm:constr type="h" for="ch" forName="cycle_3" refType="h" fact="0.54"/>
+                      <dgm:constr type="diam" for="ch" forName="cycle_3" refType="w" fact="0.5"/>
+                      <dgm:constr type="primFontSz" for="ch" forName="textCenter" val="65"/>
+                      <dgm:constr type="primFontSz" for="des" forName="childCenter1" val="65"/>
+                      <dgm:constr type="primFontSz" for="des" forName="text1" op="equ" val="65"/>
+                      <dgm:constr type="primFontSz" for="des" forName="childCenter2" refType="primFontSz" refFor="des" refForName="childCenter1" op="equ"/>
+                      <dgm:constr type="primFontSz" for="des" forName="text2" refType="primFontSz" refFor="des" refForName="text1" op="equ"/>
+                      <dgm:constr type="primFontSz" for="des" forName="childCenter3" refType="primFontSz" refFor="des" refForName="childCenter1" op="equ"/>
+                      <dgm:constr type="primFontSz" for="des" forName="text3" refType="primFontSz" refFor="des" refForName="text1" op="equ"/>
+                      <dgm:constr type="userS" for="des" ptType="node" refType="w" refFor="ch" refForName="textCenter" fact="0.67"/>
+                    </dgm:constrLst>
+                  </dgm:else>
+                </dgm:choose>
+              </dgm:else>
+            </dgm:choose>
+          </dgm:if>
+          <dgm:if name="Name16" axis="ch ch" ptType="node node" cnt="1 0" func="cnt" op="equ" val="4">
+            <dgm:constrLst>
+              <dgm:constr type="ctrX" for="ch" forName="textCenter" refType="w" fact="0.5"/>
+              <dgm:constr type="ctrY" for="ch" forName="textCenter" refType="h" fact="0.5"/>
+              <dgm:constr type="w" for="ch" forName="textCenter" refType="w" fact="0.2"/>
+              <dgm:constr type="h" for="ch" forName="textCenter" refType="w" refFor="ch" refForName="textCenter"/>
+              <dgm:constr type="ctrX" for="ch" forName="cycle_1" refType="w" fact="0.5"/>
+              <dgm:constr type="t" for="ch" forName="cycle_1"/>
+              <dgm:constr type="w" for="ch" forName="cycle_1" refType="w" fact="0.5"/>
+              <dgm:constr type="h" for="ch" forName="cycle_1" refType="h" fact="0.33"/>
+              <dgm:constr type="r" for="ch" forName="cycle_2" refType="w"/>
+              <dgm:constr type="ctrY" for="ch" forName="cycle_2" refType="h" fact="0.5"/>
+              <dgm:constr type="w" for="ch" forName="cycle_2" refType="w" fact="0.33"/>
+              <dgm:constr type="h" for="ch" forName="cycle_2" refType="h" fact="0.5"/>
+              <dgm:constr type="ctrX" for="ch" forName="cycle_3" refType="w" fact="0.5"/>
+              <dgm:constr type="b" for="ch" forName="cycle_3" refType="h"/>
+              <dgm:constr type="w" for="ch" forName="cycle_3" refType="w" fact="0.5"/>
+              <dgm:constr type="h" for="ch" forName="cycle_3" refType="h" fact="0.33"/>
+              <dgm:constr type="l" for="ch" forName="cycle_4"/>
+              <dgm:constr type="ctrY" for="ch" forName="cycle_4" refType="h" fact="0.5"/>
+              <dgm:constr type="w" for="ch" forName="cycle_4" refType="w" fact="0.33"/>
+              <dgm:constr type="h" for="ch" forName="cycle_4" refType="h" fact="0.5"/>
+              <dgm:constr type="primFontSz" for="ch" forName="textCenter" val="65"/>
+              <dgm:constr type="primFontSz" for="des" forName="childCenter1" val="65"/>
+              <dgm:constr type="primFontSz" for="des" forName="text1" op="equ" val="65"/>
+              <dgm:constr type="primFontSz" for="des" forName="childCenter2" refType="primFontSz" refFor="des" refForName="childCenter1" op="equ"/>
+              <dgm:constr type="primFontSz" for="des" forName="text2" refType="primFontSz" refFor="des" refForName="text1" op="equ"/>
+              <dgm:constr type="primFontSz" for="des" forName="childCenter3" refType="primFontSz" refFor="des" refForName="childCenter1" op="equ"/>
+              <dgm:constr type="primFontSz" for="des" forName="text3" refType="primFontSz" refFor="des" refForName="text1" op="equ"/>
+              <dgm:constr type="primFontSz" for="des" forName="childCenter4" refType="primFontSz" refFor="des" refForName="childCenter1" op="equ"/>
+              <dgm:constr type="primFontSz" for="des" forName="text4" refType="primFontSz" refFor="des" refForName="text1" op="equ"/>
+              <dgm:constr type="userS" for="des" ptType="node" refType="w" refFor="ch" refForName="textCenter" fact="0.67"/>
+            </dgm:constrLst>
+          </dgm:if>
+          <dgm:if name="Name17" axis="ch ch" ptType="node node" cnt="1 0" func="cnt" op="equ" val="5">
+            <dgm:constrLst>
+              <dgm:constr type="ctrX" for="ch" forName="textCenter" refType="w" fact="0.5"/>
+              <dgm:constr type="t" for="ch" forName="textCenter" refType="h" fact="0.42"/>
+              <dgm:constr type="w" for="ch" forName="textCenter" refType="w" fact="0.2"/>
+              <dgm:constr type="h" for="ch" forName="textCenter" refType="w" refFor="ch" refForName="textCenter"/>
+              <dgm:constr type="ctrX" for="ch" forName="cycle_1" refType="w" fact="0.5"/>
+              <dgm:constr type="t" for="ch" forName="cycle_1"/>
+              <dgm:constr type="w" for="ch" forName="cycle_1" refType="w" fact="0.33"/>
+              <dgm:constr type="h" for="ch" forName="cycle_1" refType="w" refFor="ch" refForName="cycle_1"/>
+              <dgm:constr type="r" for="ch" forName="cycle_2" refType="w"/>
+              <dgm:constr type="t" for="ch" forName="cycle_2" refType="h" fact="0.24"/>
+              <dgm:constr type="w" for="ch" forName="cycle_2" refType="w" fact="0.33"/>
+              <dgm:constr type="h" for="ch" forName="cycle_2" refType="w" refFor="ch" refForName="cycle_2"/>
+              <dgm:constr type="r" for="ch" forName="cycle_3" refType="w" fact="0.89"/>
+              <dgm:constr type="b" for="ch" forName="cycle_3" refType="h"/>
+              <dgm:constr type="w" for="ch" forName="cycle_3" refType="w" fact="0.33"/>
+              <dgm:constr type="h" for="ch" forName="cycle_3" refType="w" refFor="ch" refForName="cycle_3"/>
+              <dgm:constr type="l" for="ch" forName="cycle_4" refType="w" fact="0.11"/>
+              <dgm:constr type="b" for="ch" forName="cycle_4" refType="h"/>
+              <dgm:constr type="w" for="ch" forName="cycle_4" refType="w" fact="0.33"/>
+              <dgm:constr type="h" for="ch" forName="cycle_4" refType="w" refFor="ch" refForName="cycle_4"/>
+              <dgm:constr type="l" for="ch" forName="cycle_5"/>
+              <dgm:constr type="t" for="ch" forName="cycle_5" refType="h" fact="0.24"/>
+              <dgm:constr type="w" for="ch" forName="cycle_5" refType="w" fact="0.33"/>
+              <dgm:constr type="h" for="ch" forName="cycle_5" refType="w" refFor="ch" refForName="cycle_5"/>
+              <dgm:constr type="primFontSz" for="ch" forName="textCenter" val="65"/>
+              <dgm:constr type="primFontSz" for="des" forName="childCenter1" val="65"/>
+              <dgm:constr type="primFontSz" for="des" forName="text1" op="equ" val="65"/>
+              <dgm:constr type="primFontSz" for="des" forName="childCenter2" refType="primFontSz" refFor="des" refForName="childCenter1" op="equ"/>
+              <dgm:constr type="primFontSz" for="des" forName="text2" refType="primFontSz" refFor="des" refForName="text1" op="equ"/>
+              <dgm:constr type="primFontSz" for="des" forName="childCenter3" refType="primFontSz" refFor="des" refForName="childCenter1" op="equ"/>
+              <dgm:constr type="primFontSz" for="des" forName="text3" refType="primFontSz" refFor="des" refForName="text1" op="equ"/>
+              <dgm:constr type="primFontSz" for="des" forName="childCenter4" refType="primFontSz" refFor="des" refForName="childCenter1" op="equ"/>
+              <dgm:constr type="primFontSz" for="des" forName="text4" refType="primFontSz" refFor="des" refForName="text1" op="equ"/>
+              <dgm:constr type="primFontSz" for="des" forName="childCenter5" refType="primFontSz" refFor="des" refForName="childCenter1" op="equ"/>
+              <dgm:constr type="primFontSz" for="des" forName="text5" refType="primFontSz" refFor="des" refForName="text1" op="equ"/>
+              <dgm:constr type="userS" for="des" ptType="node" refType="w" refFor="ch" refForName="textCenter" fact="0.67"/>
+            </dgm:constrLst>
+          </dgm:if>
+          <dgm:if name="Name18" axis="ch ch" ptType="node node" cnt="1 0" func="cnt" op="equ" val="6">
+            <dgm:constrLst>
+              <dgm:constr type="ctrX" for="ch" forName="textCenter" refType="w" fact="0.5"/>
+              <dgm:constr type="ctrY" for="ch" forName="textCenter" refType="h" fact="0.5"/>
+              <dgm:constr type="w" for="ch" forName="textCenter" refType="w" fact="0.2"/>
+              <dgm:constr type="h" for="ch" forName="textCenter" refType="w" refFor="ch" refForName="textCenter"/>
+              <dgm:constr type="ctrX" for="ch" forName="cycle_1" refType="w" fact="0.5"/>
+              <dgm:constr type="t" for="ch" forName="cycle_1"/>
+              <dgm:constr type="w" for="ch" forName="cycle_1" refType="w" fact="0.33"/>
+              <dgm:constr type="h" for="ch" forName="cycle_1" refType="w" refFor="ch" refForName="cycle_1"/>
+              <dgm:constr type="r" for="ch" forName="cycle_2" refType="w"/>
+              <dgm:constr type="t" for="ch" forName="cycle_2" refType="h" fact="0.17"/>
+              <dgm:constr type="w" for="ch" forName="cycle_2" refType="w" fact="0.33"/>
+              <dgm:constr type="h" for="ch" forName="cycle_2" refType="w" refFor="ch" refForName="cycle_2"/>
+              <dgm:constr type="r" for="ch" forName="cycle_3" refType="w"/>
+              <dgm:constr type="b" for="ch" forName="cycle_3" refType="h" fact="0.83"/>
+              <dgm:constr type="w" for="ch" forName="cycle_3" refType="w" fact="0.33"/>
+              <dgm:constr type="h" for="ch" forName="cycle_3" refType="w" refFor="ch" refForName="cycle_3"/>
+              <dgm:constr type="ctrX" for="ch" forName="cycle_4" refType="w" fact="0.5"/>
+              <dgm:constr type="b" for="ch" forName="cycle_4" refType="h"/>
+              <dgm:constr type="w" for="ch" forName="cycle_4" refType="w" fact="0.33"/>
+              <dgm:constr type="h" for="ch" forName="cycle_4" refType="w" refFor="ch" refForName="cycle_4"/>
+              <dgm:constr type="l" for="ch" forName="cycle_5"/>
+              <dgm:constr type="b" for="ch" forName="cycle_5" refType="h" fact="0.83"/>
+              <dgm:constr type="w" for="ch" forName="cycle_5" refType="w" fact="0.33"/>
+              <dgm:constr type="h" for="ch" forName="cycle_5" refType="w" refFor="ch" refForName="cycle_5"/>
+              <dgm:constr type="l" for="ch" forName="cycle_6"/>
+              <dgm:constr type="t" for="ch" forName="cycle_6" refType="h" fact="0.17"/>
+              <dgm:constr type="w" for="ch" forName="cycle_6" refType="w" fact="0.33"/>
+              <dgm:constr type="h" for="ch" forName="cycle_6" refType="w" refFor="ch" refForName="cycle_6"/>
+              <dgm:constr type="primFontSz" for="ch" forName="textCenter" val="65"/>
+              <dgm:constr type="primFontSz" for="des" forName="childCenter1" val="65"/>
+              <dgm:constr type="primFontSz" for="des" forName="text1" op="equ" val="65"/>
+              <dgm:constr type="primFontSz" for="des" forName="childCenter2" refType="primFontSz" refFor="des" refForName="childCenter1" op="equ"/>
+              <dgm:constr type="primFontSz" for="des" forName="text2" refType="primFontSz" refFor="des" refForName="text1" op="equ"/>
+              <dgm:constr type="primFontSz" for="des" forName="childCenter3" refType="primFontSz" refFor="des" refForName="childCenter1" op="equ"/>
+              <dgm:constr type="primFontSz" for="des" forName="text3" refType="primFontSz" refFor="des" refForName="text1" op="equ"/>
+              <dgm:constr type="primFontSz" for="des" forName="childCenter4" refType="primFontSz" refFor="des" refForName="childCenter1" op="equ"/>
+              <dgm:constr type="primFontSz" for="des" forName="text4" refType="primFontSz" refFor="des" refForName="text1" op="equ"/>
+              <dgm:constr type="primFontSz" for="des" forName="childCenter5" refType="primFontSz" refFor="des" refForName="childCenter1" op="equ"/>
+              <dgm:constr type="primFontSz" for="des" forName="text5" refType="primFontSz" refFor="des" refForName="text1" op="equ"/>
+              <dgm:constr type="primFontSz" for="des" forName="childCenter6" refType="primFontSz" refFor="des" refForName="childCenter1" op="equ"/>
+              <dgm:constr type="primFontSz" for="des" forName="text6" refType="primFontSz" refFor="des" refForName="text1" op="equ"/>
+              <dgm:constr type="userS" for="des" ptType="node" refType="w" refFor="ch" refForName="textCenter" fact="0.67"/>
+            </dgm:constrLst>
+          </dgm:if>
+          <dgm:else name="Name19">
+            <dgm:constrLst>
+              <dgm:constr type="ctrX" for="ch" forName="textCenter" refType="w" fact="0.5"/>
+              <dgm:constr type="t" for="ch" forName="textCenter" refType="h" fact="0.444"/>
+              <dgm:constr type="w" for="ch" forName="textCenter" refType="w" fact="0.167"/>
+              <dgm:constr type="h" for="ch" forName="textCenter" refType="w" refFor="ch" refForName="textCenter"/>
+              <dgm:constr type="ctrX" for="ch" forName="cycle_1" refType="w" fact="0.5"/>
+              <dgm:constr type="t" for="ch" forName="cycle_1"/>
+              <dgm:constr type="w" for="ch" forName="cycle_1" refType="w" fact="0.263"/>
+              <dgm:constr type="h" for="ch" forName="cycle_1" refType="w" refFor="ch" refForName="cycle_1"/>
+              <dgm:constr type="r" for="ch" forName="cycle_2" refType="w" fact="0.938"/>
+              <dgm:constr type="t" for="ch" forName="cycle_2" refType="h" fact="0.141"/>
+              <dgm:constr type="w" for="ch" forName="cycle_2" refType="w" fact="0.263"/>
+              <dgm:constr type="h" for="ch" forName="cycle_2" refType="w" refFor="ch" refForName="cycle_2"/>
+              <dgm:constr type="r" for="ch" forName="cycle_3" refType="w"/>
+              <dgm:constr type="b" for="ch" forName="cycle_3" refType="h" fact="0.74"/>
+              <dgm:constr type="w" for="ch" forName="cycle_3" refType="w" fact="0.263"/>
+              <dgm:constr type="h" for="ch" forName="cycle_3" refType="w" refFor="ch" refForName="cycle_3"/>
+              <dgm:constr type="r" for="ch" forName="cycle_4" refType="w" fact="0.8"/>
+              <dgm:constr type="b" for="ch" forName="cycle_4" refType="h"/>
+              <dgm:constr type="w" for="ch" forName="cycle_4" refType="w" fact="0.263"/>
+              <dgm:constr type="h" for="ch" forName="cycle_4" refType="w" refFor="ch" refForName="cycle_4"/>
+              <dgm:constr type="l" for="ch" forName="cycle_5" refType="w" fact="0.2"/>
+              <dgm:constr type="b" for="ch" forName="cycle_5" refType="h"/>
+              <dgm:constr type="w" for="ch" forName="cycle_5" refType="w" fact="0.263"/>
+              <dgm:constr type="h" for="ch" forName="cycle_5" refType="w" refFor="ch" refForName="cycle_5"/>
+              <dgm:constr type="l" for="ch" forName="cycle_6"/>
+              <dgm:constr type="b" for="ch" forName="cycle_6" refType="h" fact="0.74"/>
+              <dgm:constr type="w" for="ch" forName="cycle_6" refType="w" fact="0.263"/>
+              <dgm:constr type="h" for="ch" forName="cycle_6" refType="w" refFor="ch" refForName="cycle_6"/>
+              <dgm:constr type="l" for="ch" forName="cycle_7" refType="w" fact="0.062"/>
+              <dgm:constr type="t" for="ch" forName="cycle_7" refType="h" fact="0.141"/>
+              <dgm:constr type="w" for="ch" forName="cycle_7" refType="w" fact="0.263"/>
+              <dgm:constr type="h" for="ch" forName="cycle_7" refType="w" refFor="ch" refForName="cycle_7"/>
+              <dgm:constr type="primFontSz" for="ch" forName="textCenter" val="65"/>
+              <dgm:constr type="primFontSz" for="des" forName="childCenter1" val="65"/>
+              <dgm:constr type="primFontSz" for="des" forName="text1" op="equ" val="65"/>
+              <dgm:constr type="primFontSz" for="des" forName="childCenter2" refType="primFontSz" refFor="des" refForName="childCenter1" op="equ"/>
+              <dgm:constr type="primFontSz" for="des" forName="text2" refType="primFontSz" refFor="des" refForName="text1" op="equ"/>
+              <dgm:constr type="primFontSz" for="des" forName="childCenter3" refType="primFontSz" refFor="des" refForName="childCenter1" op="equ"/>
+              <dgm:constr type="primFontSz" for="des" forName="text3" refType="primFontSz" refFor="des" refForName="text1" op="equ"/>
+              <dgm:constr type="primFontSz" for="des" forName="childCenter4" refType="primFontSz" refFor="des" refForName="childCenter1" op="equ"/>
+              <dgm:constr type="primFontSz" for="des" forName="text4" refType="primFontSz" refFor="des" refForName="text1" op="equ"/>
+              <dgm:constr type="primFontSz" for="des" forName="childCenter5" refType="primFontSz" refFor="des" refForName="childCenter1" op="equ"/>
+              <dgm:constr type="primFontSz" for="des" forName="text5" refType="primFontSz" refFor="des" refForName="text1" op="equ"/>
+              <dgm:constr type="primFontSz" for="des" forName="childCenter6" refType="primFontSz" refFor="des" refForName="childCenter1" op="equ"/>
+              <dgm:constr type="primFontSz" for="des" forName="text6" refType="primFontSz" refFor="des" refForName="text1" op="equ"/>
+              <dgm:constr type="primFontSz" for="des" forName="childCenter7" refType="primFontSz" refFor="des" refForName="childCenter1" op="equ"/>
+              <dgm:constr type="primFontSz" for="des" forName="text7" refType="primFontSz" refFor="des" refForName="text1" op="equ"/>
+              <dgm:constr type="userS" for="des" ptType="node" refType="w" refFor="ch" refForName="textCenter" fact="0.67"/>
+            </dgm:constrLst>
+          </dgm:else>
+        </dgm:choose>
+      </dgm:if>
+      <dgm:else name="Name20">
+        <dgm:choose name="Name21">
+          <dgm:if name="Name22" axis="ch ch" ptType="node node" func="cnt" op="equ" val="1">
+            <dgm:constrLst>
+              <dgm:constr type="r" for="ch" forName="textCenter" refType="w"/>
+              <dgm:constr type="ctrY" for="ch" forName="textCenter" refType="h" fact="0.5"/>
+              <dgm:constr type="w" for="ch" forName="textCenter" refType="w" fact="0.32"/>
+              <dgm:constr type="h" for="ch" forName="textCenter" refType="w" refFor="ch" refForName="textCenter"/>
+              <dgm:constr type="l" for="ch" forName="cycle_1"/>
+              <dgm:constr type="ctrY" for="ch" forName="cycle_1" refType="h" fact="0.5"/>
+              <dgm:constr type="w" for="ch" forName="cycle_1" refType="w" fact="0.56"/>
+              <dgm:constr type="h" for="ch" forName="cycle_1" refType="h"/>
+              <dgm:constr type="primFontSz" for="ch" forName="textCenter" val="65"/>
+              <dgm:constr type="primFontSz" for="des" forName="childCenter1" val="65"/>
+              <dgm:constr type="primFontSz" for="des" forName="text1" op="equ" val="65"/>
+              <dgm:constr type="userS" for="des" ptType="node" refType="w" refFor="ch" refForName="textCenter" fact="0.67"/>
+            </dgm:constrLst>
+          </dgm:if>
+          <dgm:if name="Name23" axis="ch ch" ptType="node node" func="cnt" op="equ" val="2">
+            <dgm:constrLst>
+              <dgm:constr type="ctrX" for="ch" forName="textCenter" refType="w" fact="0.5"/>
+              <dgm:constr type="ctrY" for="ch" forName="textCenter" refType="h" fact="0.5"/>
+              <dgm:constr type="w" for="ch" forName="textCenter" refType="w" fact="0.25"/>
+              <dgm:constr type="h" for="ch" forName="textCenter" refType="w" refFor="ch" refForName="textCenter"/>
+              <dgm:constr type="ctrX" for="ch" forName="cycle_1" refType="w" fact="0.5"/>
+              <dgm:constr type="t" for="ch" forName="cycle_1"/>
+              <dgm:constr type="w" for="ch" forName="cycle_1" refType="w"/>
+              <dgm:constr type="h" for="ch" forName="cycle_1" refType="h" fact="0.34"/>
+              <dgm:constr type="ctrX" for="ch" forName="cycle_2" refType="w" fact="0.5"/>
+              <dgm:constr type="b" for="ch" forName="cycle_2" refType="h"/>
+              <dgm:constr type="w" for="ch" forName="cycle_2" refType="w"/>
+              <dgm:constr type="h" for="ch" forName="cycle_2" refType="h" fact="0.34"/>
+              <dgm:constr type="primFontSz" for="ch" forName="textCenter" val="65"/>
+              <dgm:constr type="primFontSz" for="des" forName="childCenter1" val="65"/>
+              <dgm:constr type="primFontSz" for="des" forName="text1" op="equ" val="65"/>
+              <dgm:constr type="primFontSz" for="des" forName="childCenter2" refType="primFontSz" refFor="des" refForName="childCenter1" op="equ"/>
+              <dgm:constr type="primFontSz" for="des" forName="text2" refType="primFontSz" refFor="des" refForName="text1" op="equ"/>
+              <dgm:constr type="userS" for="des" ptType="node" refType="w" refFor="ch" refForName="textCenter" fact="0.67"/>
+            </dgm:constrLst>
+          </dgm:if>
+          <dgm:if name="Name24" axis="ch ch" ptType="node node" func="cnt" op="equ" val="3">
+            <dgm:choose name="Name25">
+              <dgm:if name="Name26" axis="ch ch ch" ptType="node node node" st="1 2 0" cnt="1 1 0" func="cnt" op="equ" val="1">
+                <dgm:choose name="Name27">
+                  <dgm:if name="Name28" axis="ch ch ch" ptType="node node node" st="1 3 0" cnt="1 1 0" func="cnt" op="equ" val="1">
+                    <dgm:constrLst>
+                      <dgm:constr type="ctrX" for="ch" forName="textCenter" refType="w" fact="0.5"/>
+                      <dgm:constr type="t" for="ch" forName="textCenter" refType="h" fact="0.436"/>
+                      <dgm:constr type="w" for="ch" forName="textCenter" refType="w" fact="0.21"/>
+                      <dgm:constr type="h" for="ch" forName="textCenter" refType="w" refFor="ch" refForName="textCenter"/>
+                      <dgm:constr type="ctrX" for="ch" forName="cycle_1" refType="w" fact="0.5"/>
+                      <dgm:constr type="t" for="ch" forName="cycle_1"/>
+                      <dgm:constr type="w" for="ch" forName="cycle_1" refType="w" fact="0.61"/>
+                      <dgm:constr type="h" for="ch" forName="cycle_1" refType="h" fact="0.36"/>
+                      <dgm:constr type="diam" for="ch" forName="cycle_1" refType="w" fact="0.5"/>
+                      <dgm:constr type="l" for="ch" forName="cycle_2"/>
+                      <dgm:constr type="b" for="ch" forName="cycle_2" refType="h" fact="0.85"/>
+                      <dgm:constr type="w" for="ch" forName="cycle_2" refType="w" fact="0.46"/>
+                      <dgm:constr type="h" for="ch" forName="cycle_2" refType="h" fact="0.54"/>
+                      <dgm:constr type="diam" for="ch" forName="cycle_2" refType="w" fact="0.5"/>
+                      <dgm:constr type="r" for="ch" forName="cycle_3" refType="w"/>
+                      <dgm:constr type="b" for="ch" forName="cycle_3" refType="h" fact="0.85"/>
+                      <dgm:constr type="w" for="ch" forName="cycle_3" refType="w" fact="0.46"/>
+                      <dgm:constr type="h" for="ch" forName="cycle_3" refType="h" fact="0.54"/>
+                      <dgm:constr type="diam" for="ch" forName="cycle_3" refType="w" fact="0.5"/>
+                      <dgm:constr type="primFontSz" for="ch" forName="textCenter" val="65"/>
+                      <dgm:constr type="primFontSz" for="des" forName="childCenter1" val="65"/>
+                      <dgm:constr type="primFontSz" for="des" forName="text1" op="equ" val="65"/>
+                      <dgm:constr type="primFontSz" for="des" forName="childCenter2" refType="primFontSz" refFor="des" refForName="childCenter1" op="equ"/>
+                      <dgm:constr type="primFontSz" for="des" forName="text2" refType="primFontSz" refFor="des" refForName="text1" op="equ"/>
+                      <dgm:constr type="primFontSz" for="des" forName="childCenter3" refType="primFontSz" refFor="des" refForName="childCenter1" op="equ"/>
+                      <dgm:constr type="primFontSz" for="des" forName="text3" refType="primFontSz" refFor="des" refForName="text1" op="equ"/>
+                      <dgm:constr type="userS" for="des" ptType="node" refType="w" refFor="ch" refForName="textCenter" fact="0.67"/>
+                    </dgm:constrLst>
+                  </dgm:if>
+                  <dgm:else name="Name29">
+                    <dgm:constrLst>
+                      <dgm:constr type="ctrX" for="ch" forName="textCenter" refType="w" fact="0.5"/>
+                      <dgm:constr type="t" for="ch" forName="textCenter" refType="h" fact="0.436"/>
+                      <dgm:constr type="w" for="ch" forName="textCenter" refType="w" fact="0.21"/>
+                      <dgm:constr type="h" for="ch" forName="textCenter" refType="w" refFor="ch" refForName="textCenter"/>
+                      <dgm:constr type="ctrX" for="ch" forName="cycle_1" refType="w" fact="0.5"/>
+                      <dgm:constr type="t" for="ch" forName="cycle_1"/>
+                      <dgm:constr type="w" for="ch" forName="cycle_1" refType="w" fact="0.61"/>
+                      <dgm:constr type="h" for="ch" forName="cycle_1" refType="h" fact="0.36"/>
+                      <dgm:constr type="diam" for="ch" forName="cycle_1" refType="w" fact="0.5"/>
+                      <dgm:constr type="l" for="ch" forName="cycle_2"/>
+                      <dgm:constr type="b" for="ch" forName="cycle_2" refType="h" fact="0.85"/>
+                      <dgm:constr type="w" for="ch" forName="cycle_2" refType="w" fact="0.46"/>
+                      <dgm:constr type="h" for="ch" forName="cycle_2" refType="h" fact="0.54"/>
+                      <dgm:constr type="diam" for="ch" forName="cycle_2" refType="w" fact="0.5"/>
+                      <dgm:constr type="r" for="ch" forName="cycle_3" refType="w"/>
+                      <dgm:constr type="b" for="ch" forName="cycle_3" refType="h"/>
+                      <dgm:constr type="w" for="ch" forName="cycle_3" refType="w" fact="0.46"/>
+                      <dgm:constr type="h" for="ch" forName="cycle_3" refType="h" fact="0.54"/>
+                      <dgm:constr type="diam" for="ch" forName="cycle_3" refType="w" fact="0.5"/>
+                      <dgm:constr type="primFontSz" for="ch" forName="textCenter" val="65"/>
+                      <dgm:constr type="primFontSz" for="des" forName="childCenter1" val="65"/>
+                      <dgm:constr type="primFontSz" for="des" forName="text1" op="equ" val="65"/>
+                      <dgm:constr type="primFontSz" for="des" forName="childCenter2" refType="primFontSz" refFor="des" refForName="childCenter1" op="equ"/>
+                      <dgm:constr type="primFontSz" for="des" forName="text2" refType="primFontSz" refFor="des" refForName="text1" op="equ"/>
+                      <dgm:constr type="primFontSz" for="des" forName="childCenter3" refType="primFontSz" refFor="des" refForName="childCenter1" op="equ"/>
+                      <dgm:constr type="primFontSz" for="des" forName="text3" refType="primFontSz" refFor="des" refForName="text1" op="equ"/>
+                      <dgm:constr type="userS" for="des" ptType="node" refType="w" refFor="ch" refForName="textCenter" fact="0.67"/>
+                    </dgm:constrLst>
+                  </dgm:else>
+                </dgm:choose>
+              </dgm:if>
+              <dgm:else name="Name30">
+                <dgm:choose name="Name31">
+                  <dgm:if name="Name32" axis="ch ch ch" ptType="node node node" st="1 3 0" cnt="1 1 0" func="cnt" op="equ" val="1">
+                    <dgm:constrLst>
+                      <dgm:constr type="ctrX" for="ch" forName="textCenter" refType="w" fact="0.5"/>
+                      <dgm:constr type="t" for="ch" forName="textCenter" refType="h" fact="0.436"/>
+                      <dgm:constr type="w" for="ch" forName="textCenter" refType="w" fact="0.21"/>
+                      <dgm:constr type="h" for="ch" forName="textCenter" refType="w" refFor="ch" refForName="textCenter"/>
+                      <dgm:constr type="ctrX" for="ch" forName="cycle_1" refType="w" fact="0.5"/>
+                      <dgm:constr type="t" for="ch" forName="cycle_1"/>
+                      <dgm:constr type="w" for="ch" forName="cycle_1" refType="w" fact="0.61"/>
+                      <dgm:constr type="h" for="ch" forName="cycle_1" refType="h" fact="0.36"/>
+                      <dgm:constr type="diam" for="ch" forName="cycle_1" refType="w" fact="0.5"/>
+                      <dgm:constr type="l" for="ch" forName="cycle_2"/>
+                      <dgm:constr type="b" for="ch" forName="cycle_2" refType="h"/>
+                      <dgm:constr type="w" for="ch" forName="cycle_2" refType="w" fact="0.46"/>
+                      <dgm:constr type="h" for="ch" forName="cycle_2" refType="h" fact="0.54"/>
+                      <dgm:constr type="diam" for="ch" forName="cycle_2" refType="w" fact="0.5"/>
+                      <dgm:constr type="r" for="ch" forName="cycle_3" refType="w"/>
+                      <dgm:constr type="b" for="ch" forName="cycle_3" refType="h" fact="0.85"/>
+                      <dgm:constr type="w" for="ch" forName="cycle_3" refType="w" fact="0.46"/>
+                      <dgm:constr type="h" for="ch" forName="cycle_3" refType="h" fact="0.54"/>
+                      <dgm:constr type="diam" for="ch" forName="cycle_3" refType="w" fact="0.5"/>
+                      <dgm:constr type="primFontSz" for="ch" forName="textCenter" val="65"/>
+                      <dgm:constr type="primFontSz" for="des" forName="childCenter1" val="65"/>
+                      <dgm:constr type="primFontSz" for="des" forName="text1" op="equ" val="65"/>
+                      <dgm:constr type="primFontSz" for="des" forName="childCenter2" refType="primFontSz" refFor="des" refForName="childCenter1" op="equ"/>
+                      <dgm:constr type="primFontSz" for="des" forName="text2" refType="primFontSz" refFor="des" refForName="text1" op="equ"/>
+                      <dgm:constr type="primFontSz" for="des" forName="childCenter3" refType="primFontSz" refFor="des" refForName="childCenter1" op="equ"/>
+                      <dgm:constr type="primFontSz" for="des" forName="text3" refType="primFontSz" refFor="des" refForName="text1" op="equ"/>
+                      <dgm:constr type="userS" for="des" ptType="node" refType="w" refFor="ch" refForName="textCenter" fact="0.67"/>
+                    </dgm:constrLst>
+                  </dgm:if>
+                  <dgm:else name="Name33">
+                    <dgm:constrLst>
+                      <dgm:constr type="ctrX" for="ch" forName="textCenter" refType="w" fact="0.5"/>
+                      <dgm:constr type="t" for="ch" forName="textCenter" refType="h" fact="0.436"/>
+                      <dgm:constr type="w" for="ch" forName="textCenter" refType="w" fact="0.21"/>
+                      <dgm:constr type="h" for="ch" forName="textCenter" refType="w" refFor="ch" refForName="textCenter"/>
+                      <dgm:constr type="ctrX" for="ch" forName="cycle_1" refType="w" fact="0.5"/>
+                      <dgm:constr type="t" for="ch" forName="cycle_1"/>
+                      <dgm:constr type="w" for="ch" forName="cycle_1" refType="w" fact="0.61"/>
+                      <dgm:constr type="h" for="ch" forName="cycle_1" refType="h" fact="0.36"/>
+                      <dgm:constr type="diam" for="ch" forName="cycle_1" refType="w" fact="0.5"/>
+                      <dgm:constr type="l" for="ch" forName="cycle_2"/>
+                      <dgm:constr type="b" for="ch" forName="cycle_2" refType="h"/>
+                      <dgm:constr type="w" for="ch" forName="cycle_2" refType="w" fact="0.46"/>
+                      <dgm:constr type="h" for="ch" forName="cycle_2" refType="h" fact="0.54"/>
+                      <dgm:constr type="diam" for="ch" forName="cycle_2" refType="w" fact="0.5"/>
+                      <dgm:constr type="r" for="ch" forName="cycle_3" refType="w"/>
+                      <dgm:constr type="b" for="ch" forName="cycle_3" refType="h"/>
+                      <dgm:constr type="w" for="ch" forName="cycle_3" refType="w" fact="0.46"/>
+                      <dgm:constr type="h" for="ch" forName="cycle_3" refType="h" fact="0.54"/>
+                      <dgm:constr type="diam" for="ch" forName="cycle_3" refType="w" fact="0.5"/>
+                      <dgm:constr type="primFontSz" for="ch" forName="textCenter" val="65"/>
+                      <dgm:constr type="primFontSz" for="des" forName="childCenter1" val="65"/>
+                      <dgm:constr type="primFontSz" for="des" forName="text1" op="equ" val="65"/>
+                      <dgm:constr type="primFontSz" for="des" forName="childCenter2" refType="primFontSz" refFor="des" refForName="childCenter1" op="equ"/>
+                      <dgm:constr type="primFontSz" for="des" forName="text2" refType="primFontSz" refFor="des" refForName="text1" op="equ"/>
+                      <dgm:constr type="primFontSz" for="des" forName="childCenter3" refType="primFontSz" refFor="des" refForName="childCenter1" op="equ"/>
+                      <dgm:constr type="primFontSz" for="des" forName="text3" refType="primFontSz" refFor="des" refForName="text1" op="equ"/>
+                      <dgm:constr type="userS" for="des" ptType="node" refType="w" refFor="ch" refForName="textCenter" fact="0.67"/>
+                    </dgm:constrLst>
+                  </dgm:else>
+                </dgm:choose>
+              </dgm:else>
+            </dgm:choose>
+          </dgm:if>
+          <dgm:if name="Name34" axis="ch ch" ptType="node node" func="cnt" op="equ" val="4">
+            <dgm:constrLst>
+              <dgm:constr type="ctrX" for="ch" forName="textCenter" refType="w" fact="0.5"/>
+              <dgm:constr type="ctrY" for="ch" forName="textCenter" refType="h" fact="0.5"/>
+              <dgm:constr type="w" for="ch" forName="textCenter" refType="w" fact="0.2"/>
+              <dgm:constr type="h" for="ch" forName="textCenter" refType="w" refFor="ch" refForName="textCenter"/>
+              <dgm:constr type="ctrX" for="ch" forName="cycle_1" refType="w" fact="0.5"/>
+              <dgm:constr type="t" for="ch" forName="cycle_1"/>
+              <dgm:constr type="w" for="ch" forName="cycle_1" refType="w" fact="0.5"/>
+              <dgm:constr type="h" for="ch" forName="cycle_1" refType="h" fact="0.33"/>
+              <dgm:constr type="l" for="ch" forName="cycle_2"/>
+              <dgm:constr type="ctrY" for="ch" forName="cycle_2" refType="h" fact="0.5"/>
+              <dgm:constr type="w" for="ch" forName="cycle_2" refType="w" fact="0.33"/>
+              <dgm:constr type="h" for="ch" forName="cycle_2" refType="h" fact="0.5"/>
+              <dgm:constr type="ctrX" for="ch" forName="cycle_3" refType="w" fact="0.5"/>
+              <dgm:constr type="b" for="ch" forName="cycle_3" refType="h"/>
+              <dgm:constr type="w" for="ch" forName="cycle_3" refType="w" fact="0.5"/>
+              <dgm:constr type="h" for="ch" forName="cycle_3" refType="h" fact="0.33"/>
+              <dgm:constr type="r" for="ch" forName="cycle_4" refType="w"/>
+              <dgm:constr type="ctrY" for="ch" forName="cycle_4" refType="h" fact="0.5"/>
+              <dgm:constr type="w" for="ch" forName="cycle_4" refType="w" fact="0.33"/>
+              <dgm:constr type="h" for="ch" forName="cycle_4" refType="h" fact="0.5"/>
+              <dgm:constr type="primFontSz" for="ch" forName="textCenter" val="65"/>
+              <dgm:constr type="primFontSz" for="des" forName="childCenter1" val="65"/>
+              <dgm:constr type="primFontSz" for="des" forName="text1" op="equ" val="65"/>
+              <dgm:constr type="primFontSz" for="des" forName="childCenter2" refType="primFontSz" refFor="des" refForName="childCenter1" op="equ"/>
+              <dgm:constr type="primFontSz" for="des" forName="text2" refType="primFontSz" refFor="des" refForName="text1" op="equ"/>
+              <dgm:constr type="primFontSz" for="des" forName="childCenter3" refType="primFontSz" refFor="des" refForName="childCenter1" op="equ"/>
+              <dgm:constr type="primFontSz" for="des" forName="text3" refType="primFontSz" refFor="des" refForName="text1" op="equ"/>
+              <dgm:constr type="primFontSz" for="des" forName="childCenter4" refType="primFontSz" refFor="des" refForName="childCenter1" op="equ"/>
+              <dgm:constr type="primFontSz" for="des" forName="text4" refType="primFontSz" refFor="des" refForName="text1" op="equ"/>
+              <dgm:constr type="userS" for="des" ptType="node" refType="w" refFor="ch" refForName="textCenter" fact="0.67"/>
+            </dgm:constrLst>
+          </dgm:if>
+          <dgm:if name="Name35" axis="ch ch" ptType="node node" func="cnt" op="equ" val="5">
+            <dgm:constrLst>
+              <dgm:constr type="ctrX" for="ch" forName="textCenter" refType="w" fact="0.5"/>
+              <dgm:constr type="t" for="ch" forName="textCenter" refType="h" fact="0.42"/>
+              <dgm:constr type="w" for="ch" forName="textCenter" refType="w" fact="0.2"/>
+              <dgm:constr type="h" for="ch" forName="textCenter" refType="w" refFor="ch" refForName="textCenter"/>
+              <dgm:constr type="ctrX" for="ch" forName="cycle_1" refType="w" fact="0.5"/>
+              <dgm:constr type="t" for="ch" forName="cycle_1"/>
+              <dgm:constr type="w" for="ch" forName="cycle_1" refType="w" fact="0.33"/>
+              <dgm:constr type="h" for="ch" forName="cycle_1" refType="w" refFor="ch" refForName="cycle_1"/>
+              <dgm:constr type="l" for="ch" forName="cycle_2"/>
+              <dgm:constr type="t" for="ch" forName="cycle_2" refType="h" fact="0.24"/>
+              <dgm:constr type="w" for="ch" forName="cycle_2" refType="w" fact="0.33"/>
+              <dgm:constr type="h" for="ch" forName="cycle_2" refType="w" refFor="ch" refForName="cycle_2"/>
+              <dgm:constr type="l" for="ch" forName="cycle_3" refType="w" fact="0.11"/>
+              <dgm:constr type="b" for="ch" forName="cycle_3" refType="h"/>
+              <dgm:constr type="w" for="ch" forName="cycle_3" refType="w" fact="0.33"/>
+              <dgm:constr type="h" for="ch" forName="cycle_3" refType="w" refFor="ch" refForName="cycle_3"/>
+              <dgm:constr type="r" for="ch" forName="cycle_4" refType="w" fact="0.89"/>
+              <dgm:constr type="b" for="ch" forName="cycle_4" refType="h"/>
+              <dgm:constr type="w" for="ch" forName="cycle_4" refType="w" fact="0.33"/>
+              <dgm:constr type="h" for="ch" forName="cycle_4" refType="w" refFor="ch" refForName="cycle_4"/>
+              <dgm:constr type="r" for="ch" forName="cycle_5" refType="w"/>
+              <dgm:constr type="t" for="ch" forName="cycle_5" refType="h" fact="0.24"/>
+              <dgm:constr type="w" for="ch" forName="cycle_5" refType="w" fact="0.33"/>
+              <dgm:constr type="h" for="ch" forName="cycle_5" refType="w" refFor="ch" refForName="cycle_5"/>
+              <dgm:constr type="primFontSz" for="ch" forName="textCenter" val="65"/>
+              <dgm:constr type="primFontSz" for="des" forName="childCenter1" val="65"/>
+              <dgm:constr type="primFontSz" for="des" forName="text1" op="equ" val="65"/>
+              <dgm:constr type="primFontSz" for="des" forName="childCenter2" refType="primFontSz" refFor="des" refForName="childCenter1" op="equ"/>
+              <dgm:constr type="primFontSz" for="des" forName="text2" refType="primFontSz" refFor="des" refForName="text1" op="equ"/>
+              <dgm:constr type="primFontSz" for="des" forName="childCenter3" refType="primFontSz" refFor="des" refForName="childCenter1" op="equ"/>
+              <dgm:constr type="primFontSz" for="des" forName="text3" refType="primFontSz" refFor="des" refForName="text1" op="equ"/>
+              <dgm:constr type="primFontSz" for="des" forName="childCenter4" refType="primFontSz" refFor="des" refForName="childCenter1" op="equ"/>
+              <dgm:constr type="primFontSz" for="des" forName="text4" refType="primFontSz" refFor="des" refForName="text1" op="equ"/>
+              <dgm:constr type="primFontSz" for="des" forName="childCenter5" refType="primFontSz" refFor="des" refForName="childCenter1" op="equ"/>
+              <dgm:constr type="primFontSz" for="des" forName="text5" refType="primFontSz" refFor="des" refForName="text1" op="equ"/>
+              <dgm:constr type="userS" for="des" ptType="node" refType="w" refFor="ch" refForName="textCenter" fact="0.67"/>
+            </dgm:constrLst>
+          </dgm:if>
+          <dgm:if name="Name36" axis="ch ch" ptType="node node" func="cnt" op="equ" val="6">
+            <dgm:constrLst>
+              <dgm:constr type="ctrX" for="ch" forName="textCenter" refType="w" fact="0.5"/>
+              <dgm:constr type="ctrY" for="ch" forName="textCenter" refType="h" fact="0.5"/>
+              <dgm:constr type="w" for="ch" forName="textCenter" refType="w" fact="0.2"/>
+              <dgm:constr type="h" for="ch" forName="textCenter" refType="w" refFor="ch" refForName="textCenter"/>
+              <dgm:constr type="ctrX" for="ch" forName="cycle_1" refType="w" fact="0.5"/>
+              <dgm:constr type="t" for="ch" forName="cycle_1"/>
+              <dgm:constr type="w" for="ch" forName="cycle_1" refType="w" fact="0.33"/>
+              <dgm:constr type="h" for="ch" forName="cycle_1" refType="w" refFor="ch" refForName="cycle_1"/>
+              <dgm:constr type="l" for="ch" forName="cycle_2"/>
+              <dgm:constr type="t" for="ch" forName="cycle_2" refType="h" fact="0.17"/>
+              <dgm:constr type="w" for="ch" forName="cycle_2" refType="w" fact="0.33"/>
+              <dgm:constr type="h" for="ch" forName="cycle_2" refType="w" refFor="ch" refForName="cycle_2"/>
+              <dgm:constr type="l" for="ch" forName="cycle_3"/>
+              <dgm:constr type="b" for="ch" forName="cycle_3" refType="h" fact="0.83"/>
+              <dgm:constr type="w" for="ch" forName="cycle_3" refType="w" fact="0.33"/>
+              <dgm:constr type="h" for="ch" forName="cycle_3" refType="w" refFor="ch" refForName="cycle_3"/>
+              <dgm:constr type="ctrX" for="ch" forName="cycle_4" refType="w" fact="0.5"/>
+              <dgm:constr type="b" for="ch" forName="cycle_4" refType="h"/>
+              <dgm:constr type="w" for="ch" forName="cycle_4" refType="w" fact="0.33"/>
+              <dgm:constr type="h" for="ch" forName="cycle_4" refType="w" refFor="ch" refForName="cycle_4"/>
+              <dgm:constr type="r" for="ch" forName="cycle_5" refType="w"/>
+              <dgm:constr type="b" for="ch" forName="cycle_5" refType="h" fact="0.83"/>
+              <dgm:constr type="w" for="ch" forName="cycle_5" refType="w" fact="0.33"/>
+              <dgm:constr type="h" for="ch" forName="cycle_5" refType="w" refFor="ch" refForName="cycle_5"/>
+              <dgm:constr type="r" for="ch" forName="cycle_6" refType="w"/>
+              <dgm:constr type="t" for="ch" forName="cycle_6" refType="h" fact="0.17"/>
+              <dgm:constr type="w" for="ch" forName="cycle_6" refType="w" fact="0.33"/>
+              <dgm:constr type="h" for="ch" forName="cycle_6" refType="w" refFor="ch" refForName="cycle_6"/>
+              <dgm:constr type="primFontSz" for="ch" forName="textCenter" val="65"/>
+              <dgm:constr type="primFontSz" for="des" forName="childCenter1" val="65"/>
+              <dgm:constr type="primFontSz" for="des" forName="text1" op="equ" val="65"/>
+              <dgm:constr type="primFontSz" for="des" forName="childCenter2" refType="primFontSz" refFor="des" refForName="childCenter1" op="equ"/>
+              <dgm:constr type="primFontSz" for="des" forName="text2" refType="primFontSz" refFor="des" refForName="text1" op="equ"/>
+              <dgm:constr type="primFontSz" for="des" forName="childCenter3" refType="primFontSz" refFor="des" refForName="childCenter1" op="equ"/>
+              <dgm:constr type="primFontSz" for="des" forName="text3" refType="primFontSz" refFor="des" refForName="text1" op="equ"/>
+              <dgm:constr type="primFontSz" for="des" forName="childCenter4" refType="primFontSz" refFor="des" refForName="childCenter1" op="equ"/>
+              <dgm:constr type="primFontSz" for="des" forName="text4" refType="primFontSz" refFor="des" refForName="text1" op="equ"/>
+              <dgm:constr type="primFontSz" for="des" forName="childCenter5" refType="primFontSz" refFor="des" refForName="childCenter1" op="equ"/>
+              <dgm:constr type="primFontSz" for="des" forName="text5" refType="primFontSz" refFor="des" refForName="text1" op="equ"/>
+              <dgm:constr type="primFontSz" for="des" forName="childCenter6" refType="primFontSz" refFor="des" refForName="childCenter1" op="equ"/>
+              <dgm:constr type="primFontSz" for="des" forName="text6" refType="primFontSz" refFor="des" refForName="text1" op="equ"/>
+              <dgm:constr type="userS" for="des" ptType="node" refType="w" refFor="ch" refForName="textCenter" fact="0.67"/>
+            </dgm:constrLst>
+          </dgm:if>
+          <dgm:else name="Name37">
+            <dgm:constrLst>
+              <dgm:constr type="ctrX" for="ch" forName="textCenter" refType="w" fact="0.5"/>
+              <dgm:constr type="t" for="ch" forName="textCenter" refType="h" fact="0.444"/>
+              <dgm:constr type="w" for="ch" forName="textCenter" refType="w" fact="0.167"/>
+              <dgm:constr type="h" for="ch" forName="textCenter" refType="w" refFor="ch" refForName="textCenter"/>
+              <dgm:constr type="ctrX" for="ch" forName="cycle_1" refType="w" fact="0.5"/>
+              <dgm:constr type="t" for="ch" forName="cycle_1"/>
+              <dgm:constr type="w" for="ch" forName="cycle_1" refType="w" fact="0.263"/>
+              <dgm:constr type="h" for="ch" forName="cycle_1" refType="w" refFor="ch" refForName="cycle_1"/>
+              <dgm:constr type="l" for="ch" forName="cycle_2" refType="w" fact="0.062"/>
+              <dgm:constr type="t" for="ch" forName="cycle_2" refType="h" fact="0.141"/>
+              <dgm:constr type="w" for="ch" forName="cycle_2" refType="w" fact="0.263"/>
+              <dgm:constr type="h" for="ch" forName="cycle_2" refType="w" refFor="ch" refForName="cycle_2"/>
+              <dgm:constr type="l" for="ch" forName="cycle_3"/>
+              <dgm:constr type="b" for="ch" forName="cycle_3" refType="h" fact="0.74"/>
+              <dgm:constr type="w" for="ch" forName="cycle_3" refType="w" fact="0.263"/>
+              <dgm:constr type="h" for="ch" forName="cycle_3" refType="w" refFor="ch" refForName="cycle_3"/>
+              <dgm:constr type="l" for="ch" forName="cycle_4" refType="w" fact="0.2"/>
+              <dgm:constr type="b" for="ch" forName="cycle_4" refType="h"/>
+              <dgm:constr type="w" for="ch" forName="cycle_4" refType="w" fact="0.263"/>
+              <dgm:constr type="h" for="ch" forName="cycle_4" refType="w" refFor="ch" refForName="cycle_4"/>
+              <dgm:constr type="r" for="ch" forName="cycle_5" refType="w" fact="0.8"/>
+              <dgm:constr type="b" for="ch" forName="cycle_5" refType="h"/>
+              <dgm:constr type="w" for="ch" forName="cycle_5" refType="w" fact="0.263"/>
+              <dgm:constr type="h" for="ch" forName="cycle_5" refType="w" refFor="ch" refForName="cycle_5"/>
+              <dgm:constr type="r" for="ch" forName="cycle_6" refType="w"/>
+              <dgm:constr type="b" for="ch" forName="cycle_6" refType="h" fact="0.74"/>
+              <dgm:constr type="w" for="ch" forName="cycle_6" refType="w" fact="0.263"/>
+              <dgm:constr type="h" for="ch" forName="cycle_6" refType="w" refFor="ch" refForName="cycle_6"/>
+              <dgm:constr type="r" for="ch" forName="cycle_7" refType="w" fact="0.938"/>
+              <dgm:constr type="t" for="ch" forName="cycle_7" refType="h" fact="0.141"/>
+              <dgm:constr type="w" for="ch" forName="cycle_7" refType="w" fact="0.263"/>
+              <dgm:constr type="h" for="ch" forName="cycle_7" refType="w" refFor="ch" refForName="cycle_7"/>
+              <dgm:constr type="primFontSz" for="ch" forName="textCenter" val="65"/>
+              <dgm:constr type="primFontSz" for="des" forName="childCenter1" val="65"/>
+              <dgm:constr type="primFontSz" for="des" forName="text1" op="equ" val="65"/>
+              <dgm:constr type="primFontSz" for="des" forName="childCenter2" refType="primFontSz" refFor="des" refForName="childCenter1" op="equ"/>
+              <dgm:constr type="primFontSz" for="des" forName="text2" refType="primFontSz" refFor="des" refForName="text1" op="equ"/>
+              <dgm:constr type="primFontSz" for="des" forName="childCenter3" refType="primFontSz" refFor="des" refForName="childCenter1" op="equ"/>
+              <dgm:constr type="primFontSz" for="des" forName="text3" refType="primFontSz" refFor="des" refForName="text1" op="equ"/>
+              <dgm:constr type="primFontSz" for="des" forName="childCenter4" refType="primFontSz" refFor="des" refForName="childCenter1" op="equ"/>
+              <dgm:constr type="primFontSz" for="des" forName="text4" refType="primFontSz" refFor="des" refForName="text1" op="equ"/>
+              <dgm:constr type="primFontSz" for="des" forName="childCenter5" refType="primFontSz" refFor="des" refForName="childCenter1" op="equ"/>
+              <dgm:constr type="primFontSz" for="des" forName="text5" refType="primFontSz" refFor="des" refForName="text1" op="equ"/>
+              <dgm:constr type="primFontSz" for="des" forName="childCenter6" refType="primFontSz" refFor="des" refForName="childCenter1" op="equ"/>
+              <dgm:constr type="primFontSz" for="des" forName="text6" refType="primFontSz" refFor="des" refForName="text1" op="equ"/>
+              <dgm:constr type="primFontSz" for="des" forName="childCenter7" refType="primFontSz" refFor="des" refForName="childCenter1" op="equ"/>
+              <dgm:constr type="primFontSz" for="des" forName="text7" refType="primFontSz" refFor="des" refForName="text1" op="equ"/>
+              <dgm:constr type="userS" for="des" ptType="node" refType="w" refFor="ch" refForName="textCenter" fact="0.67"/>
+            </dgm:constrLst>
+          </dgm:else>
+        </dgm:choose>
+      </dgm:else>
+    </dgm:choose>
+    <dgm:forEach name="Name38" axis="ch" ptType="node" cnt="1">
+      <dgm:choose name="Name39">
+        <dgm:if name="Name40" axis="des" func="maxDepth" op="lte" val="1">
+          <dgm:layoutNode name="singleCycle">
+            <dgm:choose name="Name41">
+              <dgm:if name="Name42" axis="ch" ptType="node" func="cnt" op="equ" val="1">
+                <dgm:choose name="Name43">
+                  <dgm:if name="Name44" func="var" arg="dir" op="equ" val="norm">
+                    <dgm:alg type="cycle">
+                      <dgm:param type="stAng" val="90"/>
+                      <dgm:param type="ctrShpMap" val="fNode"/>
+                    </dgm:alg>
+                  </dgm:if>
+                  <dgm:else name="Name45">
+                    <dgm:alg type="cycle">
+                      <dgm:param type="stAng" val="-90"/>
+                      <dgm:param type="spanAng" val="-360"/>
+                      <dgm:param type="ctrShpMap" val="fNode"/>
+                    </dgm:alg>
+                  </dgm:else>
+                </dgm:choose>
+              </dgm:if>
+              <dgm:else name="Name46">
+                <dgm:choose name="Name47">
+                  <dgm:if name="Name48" func="var" arg="dir" op="equ" val="norm">
+                    <dgm:alg type="cycle">
+                      <dgm:param type="ctrShpMap" val="fNode"/>
+                    </dgm:alg>
+                  </dgm:if>
+                  <dgm:else name="Name49">
+                    <dgm:alg type="cycle">
+                      <dgm:param type="spanAng" val="-360"/>
+                      <dgm:param type="ctrShpMap" val="fNode"/>
+                    </dgm:alg>
+                  </dgm:else>
+                </dgm:choose>
+              </dgm:else>
+            </dgm:choose>
+            <dgm:shape xmlns:r="http://schemas.openxmlformats.org/officeDocument/2006/relationships" r:blip="">
+              <dgm:adjLst/>
+            </dgm:shape>
+            <dgm:presOf/>
+            <dgm:choose name="Name50">
+              <dgm:if name="Name51" axis="ch" ptType="node" func="cnt" op="equ" val="0">
+                <dgm:constrLst>
+                  <dgm:constr type="w" for="ch" forName="singleCenter" refType="w"/>
+                  <dgm:constr type="h" for="ch" forName="singleCenter" refType="w" refFor="ch" refForName="singleCenter"/>
+                </dgm:constrLst>
+              </dgm:if>
+              <dgm:if name="Name52" axis="ch" ptType="node" func="cnt" op="equ" val="1">
+                <dgm:constrLst>
+                  <dgm:constr type="w" for="ch" forName="singleCenter" refType="w" fact="0.5"/>
+                  <dgm:constr type="h" for="ch" forName="singleCenter" refType="w" refFor="ch" refForName="singleCenter"/>
+                  <dgm:constr type="userS" for="ch" ptType="node" refType="w" refFor="ch" refForName="singleCenter" fact="0.67"/>
+                </dgm:constrLst>
+              </dgm:if>
+              <dgm:else name="Name53">
+                <dgm:constrLst>
+                  <dgm:constr type="w" for="ch" forName="singleCenter" refType="w" fact="0.3"/>
+                  <dgm:constr type="h" for="ch" forName="singleCenter" refType="w" refFor="ch" refForName="singleCenter"/>
+                  <dgm:constr type="userS" for="ch" ptType="node" refType="w" refFor="ch" refForName="singleCenter" fact="0.67"/>
+                </dgm:constrLst>
+              </dgm:else>
+            </dgm:choose>
+            <dgm:layoutNode name="singleCenter" styleLbl="node1">
+              <dgm:varLst>
+                <dgm:chMax val="7"/>
+                <dgm:chPref val="7"/>
+              </dgm:varLst>
+              <dgm:alg type="tx"/>
+              <dgm:shape xmlns:r="http://schemas.openxmlformats.org/officeDocument/2006/relationships" type="roundRect" r:blip="">
+                <dgm:adjLst/>
+              </dgm:shape>
+              <dgm:presOf axis="self" ptType="node"/>
+              <dgm:constrLst>
+                <dgm:constr type="tMarg" refType="primFontSz" fact="0.2"/>
+                <dgm:constr type="bMarg" refType="primFontSz" fact="0.2"/>
+                <dgm:constr type="lMarg" refType="primFontSz" fact="0.2"/>
+                <dgm:constr type="rMarg" refType="primFontSz" fact="0.2"/>
+              </dgm:constrLst>
+              <dgm:ruleLst>
+                <dgm:rule type="primFontSz" val="5" fact="NaN" max="NaN"/>
+              </dgm:ruleLst>
+            </dgm:layoutNode>
+            <dgm:forEach name="Name54" axis="ch" cnt="21">
+              <dgm:forEach name="Name55" axis="self" ptType="parTrans">
+                <dgm:layoutNode name="Name56">
+                  <dgm:alg type="conn">
+                    <dgm:param type="dim" val="1D"/>
+                    <dgm:param type="begPts" val="auto"/>
+                    <dgm:param type="endPts" val="auto"/>
+                    <dgm:param type="begSty" val="noArr"/>
+                    <dgm:param type="endSty" val="noArr"/>
+                  </dgm:alg>
+                  <dgm:shape xmlns:r="http://schemas.openxmlformats.org/officeDocument/2006/relationships" type="conn" r:blip="">
+                    <dgm:adjLst/>
+                  </dgm:shape>
+                  <dgm:presOf axis="self"/>
+                  <dgm:constrLst>
+                    <dgm:constr type="begPad"/>
+                    <dgm:constr type="endPad"/>
+                  </dgm:constrLst>
+                </dgm:layoutNode>
+              </dgm:forEach>
+              <dgm:forEach name="Name57" axis="self" ptType="node">
+                <dgm:layoutNode name="text0" styleLbl="node1">
+                  <dgm:varLst>
+                    <dgm:bulletEnabled val="1"/>
+                  </dgm:varLst>
+                  <dgm:alg type="tx"/>
+                  <dgm:shape xmlns:r="http://schemas.openxmlformats.org/officeDocument/2006/relationships" type="roundRect" r:blip="">
+                    <dgm:adjLst/>
+                  </dgm:shape>
+                  <dgm:presOf axis="desOrSelf" ptType="node"/>
+                  <dgm:constrLst>
+                    <dgm:constr type="userS"/>
+                    <dgm:constr type="w" refType="userS"/>
+                    <dgm:constr type="h" refType="w"/>
+                    <dgm:constr type="tMarg" refType="primFontSz" fact="0.2"/>
+                    <dgm:constr type="bMarg" refType="primFontSz" fact="0.2"/>
+                    <dgm:constr type="lMarg" refType="primFontSz" fact="0.2"/>
+                    <dgm:constr type="rMarg" refType="primFontSz" fact="0.2"/>
+                  </dgm:constrLst>
+                  <dgm:ruleLst>
+                    <dgm:rule type="primFontSz" val="5" fact="NaN" max="NaN"/>
+                  </dgm:ruleLst>
+                </dgm:layoutNode>
+              </dgm:forEach>
+            </dgm:forEach>
+          </dgm:layoutNode>
+        </dgm:if>
+        <dgm:else name="Name58">
+          <dgm:layoutNode name="textCenter" styleLbl="node1">
+            <dgm:alg type="tx"/>
+            <dgm:shape xmlns:r="http://schemas.openxmlformats.org/officeDocument/2006/relationships" type="roundRect" r:blip="">
+              <dgm:adjLst/>
+            </dgm:shape>
+            <dgm:presOf axis="self" ptType="node"/>
+            <dgm:constrLst>
+              <dgm:constr type="tMarg" refType="primFontSz" fact="0.2"/>
+              <dgm:constr type="bMarg" refType="primFontSz" fact="0.2"/>
+              <dgm:constr type="lMarg" refType="primFontSz" fact="0.2"/>
+              <dgm:constr type="rMarg" refType="primFontSz" fact="0.2"/>
+            </dgm:constrLst>
+            <dgm:ruleLst>
+              <dgm:rule type="primFontSz" val="5" fact="NaN" max="NaN"/>
+            </dgm:ruleLst>
+          </dgm:layoutNode>
+          <dgm:choose name="Name59">
+            <dgm:if name="Name60" axis="ch" ptType="node" func="cnt" op="gte" val="1">
+              <dgm:layoutNode name="cycle_1">
+                <dgm:choose name="Name61">
+                  <dgm:if name="Name62" func="var" arg="dir" op="equ" val="norm">
+                    <dgm:choose name="Name63">
+                      <dgm:if name="Name64" axis="ch" ptType="node" func="cnt" op="equ" val="1">
+                        <dgm:choose name="Name65">
+                          <dgm:if name="Name66" axis="ch ch" ptType="node node" st="1 1" cnt="1 0" func="cnt" op="equ" val="1">
+                            <dgm:alg type="cycle">
+                              <dgm:param type="ctrShpMap" val="fNode"/>
+                              <dgm:param type="stAng" val="90"/>
+                            </dgm:alg>
+                          </dgm:if>
+                          <dgm:if name="Name67" axis="ch ch" ptType="node node" st="1 1" cnt="1 0" func="cnt" op="equ" val="2">
+                            <dgm:alg type="cycle">
+                              <dgm:param type="ctrShpMap" val="fNode"/>
+                              <dgm:param type="stAng" val="45"/>
+                              <dgm:param type="spanAng" val="90"/>
+                            </dgm:alg>
+                          </dgm:if>
+                          <dgm:else name="Name68">
+                            <dgm:alg type="cycle">
+                              <dgm:param type="ctrShpMap" val="fNode"/>
+                              <dgm:param type="stAng" val="0"/>
+                              <dgm:param type="spanAng" val="180"/>
+                            </dgm:alg>
+                          </dgm:else>
+                        </dgm:choose>
+                      </dgm:if>
+                      <dgm:if name="Name69" axis="ch" ptType="node" func="cnt" op="equ" val="2">
+                        <dgm:choose name="Name70">
+                          <dgm:if name="Name71" axis="ch ch" ptType="node node" st="1 1" cnt="1 0" func="cnt" op="equ" val="1">
+                            <dgm:alg type="cycle">
+                              <dgm:param type="ctrShpMap" val="fNode"/>
+                              <dgm:param type="stAng" val="0"/>
+                            </dgm:alg>
+                          </dgm:if>
+                          <dgm:if name="Name72" axis="ch ch" ptType="node node" st="1 1" cnt="1 0" func="cnt" op="equ" val="2">
+                            <dgm:alg type="cycle">
+                              <dgm:param type="ctrShpMap" val="fNode"/>
+                              <dgm:param type="stAng" val="315"/>
+                              <dgm:param type="spanAng" val="90"/>
+                            </dgm:alg>
+                          </dgm:if>
+                          <dgm:else name="Name73">
+                            <dgm:alg type="cycle">
+                              <dgm:param type="ctrShpMap" val="fNode"/>
+                              <dgm:param type="stAng" val="270"/>
+                              <dgm:param type="spanAng" val="180"/>
+                            </dgm:alg>
+                          </dgm:else>
+                        </dgm:choose>
+                      </dgm:if>
+                      <dgm:if name="Name74" axis="ch" ptType="node" func="cnt" op="equ" val="3">
+                        <dgm:choose name="Name75">
+                          <dgm:if name="Name76" axis="ch ch" ptType="node node" st="1 1" cnt="1 0" func="cnt" op="equ" val="1">
+                            <dgm:alg type="cycle">
+                              <dgm:param type="ctrShpMap" val="fNode"/>
+                              <dgm:param type="stAng" val="0"/>
+                            </dgm:alg>
+                          </dgm:if>
+                          <dgm:if name="Name77" axis="ch ch" ptType="node node" st="1 1" cnt="1 0" func="cnt" op="equ" val="2">
+                            <dgm:alg type="cycle">
+                              <dgm:param type="ctrShpMap" val="fNode"/>
+                              <dgm:param type="stAng" val="315"/>
+                              <dgm:param type="spanAng" val="90"/>
+                            </dgm:alg>
+                          </dgm:if>
+                          <dgm:else name="Name78">
+                            <dgm:alg type="cycle">
+                              <dgm:param type="ctrShpMap" val="fNode"/>
+                              <dgm:param type="stAng" val="270"/>
+                              <dgm:param type="spanAng" val="180"/>
+                            </dgm:alg>
+                          </dgm:else>
+                        </dgm:choose>
+                      </dgm:if>
+                      <dgm:if name="Name79" axis="ch" ptType="node" func="cnt" op="equ" val="4">
+                        <dgm:choose name="Name80">
+                          <dgm:if name="Name81" axis="ch ch" ptType="node node" st="1 1" cnt="1 0" func="cnt" op="equ" val="1">
+                            <dgm:alg type="cycle">
+                              <dgm:param type="ctrShpMap" val="fNode"/>
+                              <dgm:param type="stAng" val="0"/>
+                            </dgm:alg>
+                          </dgm:if>
+                          <dgm:if name="Name82" axis="ch ch" ptType="node node" st="1 1" cnt="1 0" func="cnt" op="equ" val="2">
+                            <dgm:alg type="cycle">
+                              <dgm:param type="ctrShpMap" val="fNode"/>
+                              <dgm:param type="stAng" val="315"/>
+                              <dgm:param type="spanAng" val="90"/>
+                            </dgm:alg>
+                          </dgm:if>
+                          <dgm:else name="Name83">
+                            <dgm:alg type="cycle">
+                              <dgm:param type="ctrShpMap" val="fNode"/>
+                              <dgm:param type="stAng" val="292.5"/>
+                              <dgm:param type="spanAng" val="135"/>
+                            </dgm:alg>
+                          </dgm:else>
+                        </dgm:choose>
+                      </dgm:if>
+                      <dgm:if name="Name84" axis="ch" ptType="node" func="cnt" op="equ" val="5">
+                        <dgm:choose name="Name85">
+                          <dgm:if name="Name86" axis="ch ch" ptType="node node" st="1 1" cnt="1 0" func="cnt" op="equ" val="1">
+                            <dgm:alg type="cycle">
+                              <dgm:param type="ctrShpMap" val="fNode"/>
+                              <dgm:param type="stAng" val="0"/>
+                            </dgm:alg>
+                          </dgm:if>
+                          <dgm:if name="Name87" axis="ch ch" ptType="node node" st="1 1" cnt="1 0" func="cnt" op="equ" val="2">
+                            <dgm:alg type="cycle">
+                              <dgm:param type="ctrShpMap" val="fNode"/>
+                              <dgm:param type="stAng" val="315"/>
+                              <dgm:param type="spanAng" val="90"/>
+                            </dgm:alg>
+                          </dgm:if>
+                          <dgm:else name="Name88">
+                            <dgm:alg type="cycle">
+                              <dgm:param type="ctrShpMap" val="fNode"/>
+                              <dgm:param type="stAng" val="0"/>
+                              <dgm:param type="spanAng" val="360"/>
+                            </dgm:alg>
+                          </dgm:else>
+                        </dgm:choose>
+                      </dgm:if>
+                      <dgm:if name="Name89" axis="ch" ptType="node" func="cnt" op="equ" val="6">
+                        <dgm:choose name="Name90">
+                          <dgm:if name="Name91" axis="ch ch" ptType="node node" st="1 1" cnt="1 0" func="cnt" op="equ" val="1">
+                            <dgm:alg type="cycle">
+                              <dgm:param type="ctrShpMap" val="fNode"/>
+                              <dgm:param type="stAng" val="0"/>
+                            </dgm:alg>
+                          </dgm:if>
+                          <dgm:if name="Name92" axis="ch ch" ptType="node node" st="1 1" cnt="1 0" func="cnt" op="equ" val="2">
+                            <dgm:alg type="cycle">
+                              <dgm:param type="ctrShpMap" val="fNode"/>
+                              <dgm:param type="stAng" val="315"/>
+                              <dgm:param type="spanAng" val="90"/>
+                            </dgm:alg>
+                          </dgm:if>
+                          <dgm:else name="Name93">
+                            <dgm:alg type="cycle">
+                              <dgm:param type="ctrShpMap" val="fNode"/>
+                              <dgm:param type="stAng" val="0"/>
+                              <dgm:param type="spanAng" val="360"/>
+                            </dgm:alg>
+                          </dgm:else>
+                        </dgm:choose>
+                      </dgm:if>
+                      <dgm:if name="Name94" axis="ch" ptType="node" func="cnt" op="gte" val="7">
+                        <dgm:choose name="Name95">
+                          <dgm:if name="Name96" axis="ch ch" ptType="node node" st="1 1" cnt="1 0" func="cnt" op="equ" val="1">
+                            <dgm:alg type="cycle">
+                              <dgm:param type="ctrShpMap" val="fNode"/>
+                              <dgm:param type="stAng" val="0"/>
+                            </dgm:alg>
+                          </dgm:if>
+                          <dgm:if name="Name97" axis="ch ch" ptType="node node" st="1 1" cnt="1 0" func="cnt" op="equ" val="2">
+                            <dgm:alg type="cycle">
+                              <dgm:param type="ctrShpMap" val="fNode"/>
+                              <dgm:param type="stAng" val="315"/>
+                              <dgm:param type="spanAng" val="90"/>
+                            </dgm:alg>
+                          </dgm:if>
+                          <dgm:else name="Name98">
+                            <dgm:alg type="cycle">
+                              <dgm:param type="ctrShpMap" val="fNode"/>
+                              <dgm:param type="stAng" val="0"/>
+                              <dgm:param type="spanAng" val="360"/>
+                            </dgm:alg>
+                          </dgm:else>
+                        </dgm:choose>
+                      </dgm:if>
+                      <dgm:else name="Name99"/>
+                    </dgm:choose>
+                  </dgm:if>
+                  <dgm:else name="Name100">
+                    <dgm:choose name="Name101">
+                      <dgm:if name="Name102" axis="ch" ptType="node" func="cnt" op="equ" val="1">
+                        <dgm:choose name="Name103">
+                          <dgm:if name="Name104" axis="ch ch" ptType="node node" st="1 1" cnt="1 0" func="cnt" op="equ" val="1">
+                            <dgm:alg type="cycle">
+                              <dgm:param type="ctrShpMap" val="fNode"/>
+                              <dgm:param type="stAng" val="270"/>
+                            </dgm:alg>
+                          </dgm:if>
+                          <dgm:if name="Name105" axis="ch ch" ptType="node node" st="1 1" cnt="1 0" func="cnt" op="equ" val="2">
+                            <dgm:alg type="cycle">
+                              <dgm:param type="ctrShpMap" val="fNode"/>
+                              <dgm:param type="stAng" val="315"/>
+                              <dgm:param type="spanAng" val="-90"/>
+                            </dgm:alg>
+                          </dgm:if>
+                          <dgm:else name="Name106">
+                            <dgm:alg type="cycle">
+                              <dgm:param type="ctrShpMap" val="fNode"/>
+                              <dgm:param type="stAng" val="0"/>
+                              <dgm:param type="spanAng" val="-180"/>
+                            </dgm:alg>
+                          </dgm:else>
+                        </dgm:choose>
+                      </dgm:if>
+                      <dgm:if name="Name107" axis="ch" ptType="node" func="cnt" op="equ" val="2">
+                        <dgm:choose name="Name108">
+                          <dgm:if name="Name109" axis="ch ch" ptType="node node" st="1 1" cnt="1 0" func="cnt" op="equ" val="1">
+                            <dgm:alg type="cycle">
+                              <dgm:param type="ctrShpMap" val="fNode"/>
+                              <dgm:param type="stAng" val="0"/>
+                            </dgm:alg>
+                          </dgm:if>
+                          <dgm:if name="Name110" axis="ch ch" ptType="node node" st="1 1" cnt="1 0" func="cnt" op="equ" val="2">
+                            <dgm:alg type="cycle">
+                              <dgm:param type="ctrShpMap" val="fNode"/>
+                              <dgm:param type="stAng" val="45"/>
+                              <dgm:param type="spanAng" val="-90"/>
+                            </dgm:alg>
+                          </dgm:if>
+                          <dgm:else name="Name111">
+                            <dgm:alg type="cycle">
+                              <dgm:param type="ctrShpMap" val="fNode"/>
+                              <dgm:param type="stAng" val="90"/>
+                              <dgm:param type="spanAng" val="-180"/>
+                            </dgm:alg>
+                          </dgm:else>
+                        </dgm:choose>
+                      </dgm:if>
+                      <dgm:if name="Name112" axis="ch" ptType="node" func="cnt" op="equ" val="3">
+                        <dgm:choose name="Name113">
+                          <dgm:if name="Name114" axis="ch ch" ptType="node node" st="1 1" cnt="1 0" func="cnt" op="equ" val="1">
+                            <dgm:alg type="cycle">
+                              <dgm:param type="ctrShpMap" val="fNode"/>
+                              <dgm:param type="stAng" val="0"/>
+                            </dgm:alg>
+                          </dgm:if>
+                          <dgm:if name="Name115" axis="ch ch" ptType="node node" st="1 1" cnt="1 0" func="cnt" op="equ" val="2">
+                            <dgm:alg type="cycle">
+                              <dgm:param type="ctrShpMap" val="fNode"/>
+                              <dgm:param type="stAng" val="45"/>
+                              <dgm:param type="spanAng" val="-90"/>
+                            </dgm:alg>
+                          </dgm:if>
+                          <dgm:else name="Name116">
+                            <dgm:alg type="cycle">
+                              <dgm:param type="ctrShpMap" val="fNode"/>
+                              <dgm:param type="stAng" val="90"/>
+                              <dgm:param type="spanAng" val="-180"/>
+                            </dgm:alg>
+                          </dgm:else>
+                        </dgm:choose>
+                      </dgm:if>
+                      <dgm:if name="Name117" axis="ch" ptType="node" func="cnt" op="equ" val="4">
+                        <dgm:choose name="Name118">
+                          <dgm:if name="Name119" axis="ch ch" ptType="node node" st="1 1" cnt="1 0" func="cnt" op="equ" val="1">
+                            <dgm:alg type="cycle">
+                              <dgm:param type="ctrShpMap" val="fNode"/>
+                              <dgm:param type="stAng" val="0"/>
+                            </dgm:alg>
+                          </dgm:if>
+                          <dgm:if name="Name120" axis="ch ch" ptType="node node" st="1 1" cnt="1 0" func="cnt" op="equ" val="2">
+                            <dgm:alg type="cycle">
+                              <dgm:param type="ctrShpMap" val="fNode"/>
+                              <dgm:param type="stAng" val="45"/>
+                              <dgm:param type="spanAng" val="-90"/>
+                            </dgm:alg>
+                          </dgm:if>
+                          <dgm:else name="Name121">
+                            <dgm:alg type="cycle">
+                              <dgm:param type="ctrShpMap" val="fNode"/>
+                              <dgm:param type="stAng" val="67.5"/>
+                              <dgm:param type="spanAng" val="-135"/>
+                            </dgm:alg>
+                          </dgm:else>
+                        </dgm:choose>
+                      </dgm:if>
+                      <dgm:if name="Name122" axis="ch" ptType="node" func="cnt" op="equ" val="5">
+                        <dgm:choose name="Name123">
+                          <dgm:if name="Name124" axis="ch ch" ptType="node node" st="1 1" cnt="1 0" func="cnt" op="equ" val="1">
+                            <dgm:alg type="cycle">
+                              <dgm:param type="ctrShpMap" val="fNode"/>
+                              <dgm:param type="stAng" val="0"/>
+                            </dgm:alg>
+                          </dgm:if>
+                          <dgm:if name="Name125" axis="ch ch" ptType="node node" st="1 1" cnt="1 0" func="cnt" op="equ" val="2">
+                            <dgm:alg type="cycle">
+                              <dgm:param type="ctrShpMap" val="fNode"/>
+                              <dgm:param type="stAng" val="45"/>
+                              <dgm:param type="spanAng" val="-90"/>
+                            </dgm:alg>
+                          </dgm:if>
+                          <dgm:else name="Name126">
+                            <dgm:alg type="cycle">
+                              <dgm:param type="ctrShpMap" val="fNode"/>
+                              <dgm:param type="stAng" val="0"/>
+                              <dgm:param type="spanAng" val="-360"/>
+                            </dgm:alg>
+                          </dgm:else>
+                        </dgm:choose>
+                      </dgm:if>
+                      <dgm:if name="Name127" axis="ch" ptType="node" func="cnt" op="equ" val="6">
+                        <dgm:choose name="Name128">
+                          <dgm:if name="Name129" axis="ch ch" ptType="node node" st="1 1" cnt="1 0" func="cnt" op="equ" val="1">
+                            <dgm:alg type="cycle">
+                              <dgm:param type="ctrShpMap" val="fNode"/>
+                              <dgm:param type="stAng" val="0"/>
+                            </dgm:alg>
+                          </dgm:if>
+                          <dgm:if name="Name130" axis="ch ch" ptType="node node" st="1 1" cnt="1 0" func="cnt" op="equ" val="2">
+                            <dgm:alg type="cycle">
+                              <dgm:param type="ctrShpMap" val="fNode"/>
+                              <dgm:param type="stAng" val="45"/>
+                              <dgm:param type="spanAng" val="-90"/>
+                            </dgm:alg>
+                          </dgm:if>
+                          <dgm:else name="Name131">
+                            <dgm:alg type="cycle">
+                              <dgm:param type="ctrShpMap" val="fNode"/>
+                              <dgm:param type="stAng" val="0"/>
+                              <dgm:param type="spanAng" val="-360"/>
+                            </dgm:alg>
+                          </dgm:else>
+                        </dgm:choose>
+                      </dgm:if>
+                      <dgm:if name="Name132" axis="ch" ptType="node" func="cnt" op="gte" val="7">
+                        <dgm:choose name="Name133">
+                          <dgm:if name="Name134" axis="ch ch" ptType="node node" st="1 1" cnt="1 0" func="cnt" op="equ" val="1">
+                            <dgm:alg type="cycle">
+                              <dgm:param type="ctrShpMap" val="fNode"/>
+                              <dgm:param type="stAng" val="0"/>
+                            </dgm:alg>
+                          </dgm:if>
+                          <dgm:if name="Name135" axis="ch ch" ptType="node node" st="1 1" cnt="1 0" func="cnt" op="equ" val="2">
+                            <dgm:alg type="cycle">
+                              <dgm:param type="ctrShpMap" val="fNode"/>
+                              <dgm:param type="stAng" val="45"/>
+                              <dgm:param type="spanAng" val="-90"/>
+                            </dgm:alg>
+                          </dgm:if>
+                          <dgm:else name="Name136">
+                            <dgm:alg type="cycle">
+                              <dgm:param type="ctrShpMap" val="fNode"/>
+                              <dgm:param type="stAng" val="0"/>
+                              <dgm:param type="spanAng" val="-360"/>
+                            </dgm:alg>
+                          </dgm:else>
+                        </dgm:choose>
+                      </dgm:if>
+                      <dgm:else name="Name137"/>
+                    </dgm:choose>
+                  </dgm:else>
+                </dgm:choose>
+                <dgm:shape xmlns:r="http://schemas.openxmlformats.org/officeDocument/2006/relationships" r:blip="">
+                  <dgm:adjLst/>
+                </dgm:shape>
+                <dgm:presOf/>
+                <dgm:constrLst>
+                  <dgm:constr type="sp" refType="w" fact="0.1"/>
+                  <dgm:constr type="sibSp" refType="w" fact="0.1"/>
+                </dgm:constrLst>
+                <dgm:forEach name="Name138" axis="ch" ptType="node" cnt="1">
+                  <dgm:layoutNode name="childCenter1" styleLbl="node1">
+                    <dgm:alg type="tx"/>
+                    <dgm:shape xmlns:r="http://schemas.openxmlformats.org/officeDocument/2006/relationships" type="roundRect" r:blip="">
+                      <dgm:adjLst/>
+                    </dgm:shape>
+                    <dgm:presOf axis="self" ptType="node"/>
+                    <dgm:constrLst>
+                      <dgm:constr type="userS"/>
+                      <dgm:constr type="w" refType="userS"/>
+                      <dgm:constr type="h" refType="w"/>
+                      <dgm:constr type="tMarg" refType="primFontSz" fact="0.2"/>
+                      <dgm:constr type="bMarg" refType="primFontSz" fact="0.2"/>
+                      <dgm:constr type="lMarg" refType="primFontSz" fact="0.2"/>
+                      <dgm:constr type="rMarg" refType="primFontSz" fact="0.2"/>
+                    </dgm:constrLst>
+                    <dgm:ruleLst>
+                      <dgm:rule type="primFontSz" val="5" fact="NaN" max="NaN"/>
+                    </dgm:ruleLst>
+                  </dgm:layoutNode>
+                  <dgm:forEach name="Name139" axis="ch">
+                    <dgm:forEach name="Name140" axis="self" ptType="parTrans">
+                      <dgm:layoutNode name="Name141">
+                        <dgm:alg type="conn">
+                          <dgm:param type="dim" val="1D"/>
+                          <dgm:param type="begPts" val="auto"/>
+                          <dgm:param type="endPts" val="auto"/>
+                          <dgm:param type="begSty" val="noArr"/>
+                          <dgm:param type="endSty" val="noArr"/>
+                        </dgm:alg>
+                        <dgm:shape xmlns:r="http://schemas.openxmlformats.org/officeDocument/2006/relationships" type="conn" r:blip="">
+                          <dgm:adjLst/>
+                        </dgm:shape>
+                        <dgm:presOf axis="self"/>
+                        <dgm:constrLst>
+                          <dgm:constr type="begPad"/>
+                          <dgm:constr type="endPad"/>
+                        </dgm:constrLst>
+                      </dgm:layoutNode>
+                    </dgm:forEach>
+                    <dgm:forEach name="Name142" axis="self" ptType="node">
+                      <dgm:layoutNode name="text1" styleLbl="node1">
+                        <dgm:varLst>
+                          <dgm:bulletEnabled val="1"/>
+                        </dgm:varLst>
+                        <dgm:alg type="tx"/>
+                        <dgm:shape xmlns:r="http://schemas.openxmlformats.org/officeDocument/2006/relationships" type="roundRect" r:blip="">
+                          <dgm:adjLst/>
+                        </dgm:shape>
+                        <dgm:presOf axis="desOrSelf" ptType="node"/>
+                        <dgm:constrLst>
+                          <dgm:constr type="userS"/>
+                          <dgm:constr type="w" refType="userS"/>
+                          <dgm:constr type="h" refType="w"/>
+                          <dgm:constr type="tMarg" refType="primFontSz" fact="0.2"/>
+                          <dgm:constr type="bMarg" refType="primFontSz" fact="0.2"/>
+                          <dgm:constr type="lMarg" refType="primFontSz" fact="0.2"/>
+                          <dgm:constr type="rMarg" refType="primFontSz" fact="0.2"/>
+                        </dgm:constrLst>
+                        <dgm:ruleLst>
+                          <dgm:rule type="primFontSz" val="5" fact="NaN" max="NaN"/>
+                        </dgm:ruleLst>
+                      </dgm:layoutNode>
+                    </dgm:forEach>
+                  </dgm:forEach>
+                </dgm:forEach>
+              </dgm:layoutNode>
+              <dgm:forEach name="Name143" axis="ch" ptType="parTrans" cnt="1">
+                <dgm:layoutNode name="Name144">
+                  <dgm:alg type="conn">
+                    <dgm:param type="dim" val="1D"/>
+                    <dgm:param type="begPts" val="auto"/>
+                    <dgm:param type="endPts" val="auto"/>
+                    <dgm:param type="endSty" val="noArr"/>
+                    <dgm:param type="srcNode" val="textCenter"/>
+                    <dgm:param type="dstNode" val="childCenter1"/>
+                  </dgm:alg>
+                  <dgm:shape xmlns:r="http://schemas.openxmlformats.org/officeDocument/2006/relationships" type="conn" r:blip="" zOrderOff="-999">
+                    <dgm:adjLst/>
+                  </dgm:shape>
+                  <dgm:presOf axis="self"/>
+                  <dgm:constrLst>
+                    <dgm:constr type="h"/>
+                    <dgm:constr type="begPad"/>
+                    <dgm:constr type="endPad"/>
+                  </dgm:constrLst>
+                </dgm:layoutNode>
+              </dgm:forEach>
+            </dgm:if>
+            <dgm:else name="Name145"/>
+          </dgm:choose>
+          <dgm:choose name="Name146">
+            <dgm:if name="Name147" axis="ch" ptType="node" func="cnt" op="gte" val="2">
+              <dgm:layoutNode name="cycle_2">
+                <dgm:choose name="Name148">
+                  <dgm:if name="Name149" func="var" arg="dir" op="equ" val="norm">
+                    <dgm:choose name="Name150">
+                      <dgm:if name="Name151" axis="ch" ptType="node" func="cnt" op="equ" val="2">
+                        <dgm:choose name="Name152">
+                          <dgm:if name="Name153" axis="ch ch" ptType="node node" st="2 1" cnt="1 0" func="cnt" op="equ" val="1">
+                            <dgm:alg type="cycle">
+                              <dgm:param type="ctrShpMap" val="fNode"/>
+                              <dgm:param type="stAng" val="180"/>
+                            </dgm:alg>
+                          </dgm:if>
+                          <dgm:if name="Name154" axis="ch ch" ptType="node node" st="2 1" cnt="1 0" func="cnt" op="equ" val="2">
+                            <dgm:alg type="cycle">
+                              <dgm:param type="ctrShpMap" val="fNode"/>
+                              <dgm:param type="stAng" val="135"/>
+                              <dgm:param type="spanAng" val="90"/>
+                            </dgm:alg>
+                          </dgm:if>
+                          <dgm:else name="Name155">
+                            <dgm:alg type="cycle">
+                              <dgm:param type="ctrShpMap" val="fNode"/>
+                              <dgm:param type="stAng" val="90"/>
+                              <dgm:param type="spanAng" val="180"/>
+                            </dgm:alg>
+                          </dgm:else>
+                        </dgm:choose>
+                      </dgm:if>
+                      <dgm:if name="Name156" axis="ch" ptType="node" func="cnt" op="equ" val="3">
+                        <dgm:choose name="Name157">
+                          <dgm:if name="Name158" axis="ch ch" ptType="node node" st="2 1" cnt="1 0" func="cnt" op="equ" val="1">
+                            <dgm:alg type="cycle">
+                              <dgm:param type="ctrShpMap" val="fNode"/>
+                              <dgm:param type="stAng" val="120"/>
+                              <dgm:param type="horzAlign" val="r"/>
+                              <dgm:param type="vertAlign" val="b"/>
+                            </dgm:alg>
+                          </dgm:if>
+                          <dgm:if name="Name159" axis="ch ch" ptType="node node" st="2 1" cnt="1 0" func="cnt" op="equ" val="2">
+                            <dgm:alg type="cycle">
+                              <dgm:param type="ctrShpMap" val="fNode"/>
+                              <dgm:param type="stAng" val="75"/>
+                              <dgm:param type="spanAng" val="90"/>
+                              <dgm:param type="horzAlign" val="r"/>
+                              <dgm:param type="vertAlign" val="b"/>
+                            </dgm:alg>
+                          </dgm:if>
+                          <dgm:else name="Name160">
+                            <dgm:alg type="cycle">
+                              <dgm:param type="ctrShpMap" val="fNode"/>
+                              <dgm:param type="stAng" val="30"/>
+                              <dgm:param type="spanAng" val="180"/>
+                            </dgm:alg>
+                          </dgm:else>
+                        </dgm:choose>
+                      </dgm:if>
+                      <dgm:if name="Name161" axis="ch" ptType="node" func="cnt" op="equ" val="4">
+                        <dgm:choose name="Name162">
+                          <dgm:if name="Name163" axis="ch ch" ptType="node node" st="2 1" cnt="1 0" func="cnt" op="equ" val="1">
+                            <dgm:alg type="cycle">
+                              <dgm:param type="ctrShpMap" val="fNode"/>
+                              <dgm:param type="stAng" val="90"/>
+                            </dgm:alg>
+                          </dgm:if>
+                          <dgm:if name="Name164" axis="ch ch" ptType="node node" st="2 1" cnt="1 0" func="cnt" op="equ" val="2">
+                            <dgm:alg type="cycle">
+                              <dgm:param type="ctrShpMap" val="fNode"/>
+                              <dgm:param type="stAng" val="45"/>
+                              <dgm:param type="spanAng" val="90"/>
+                            </dgm:alg>
+                          </dgm:if>
+                          <dgm:else name="Name165">
+                            <dgm:alg type="cycle">
+                              <dgm:param type="ctrShpMap" val="fNode"/>
+                              <dgm:param type="stAng" val="22.5"/>
+                              <dgm:param type="spanAng" val="135"/>
+                            </dgm:alg>
+                          </dgm:else>
+                        </dgm:choose>
+                      </dgm:if>
+                      <dgm:if name="Name166" axis="ch" ptType="node" func="cnt" op="equ" val="5">
+                        <dgm:choose name="Name167">
+                          <dgm:if name="Name168" axis="ch ch" ptType="node node" st="2 1" cnt="1 0" func="cnt" op="equ" val="1">
+                            <dgm:alg type="cycle">
+                              <dgm:param type="ctrShpMap" val="fNode"/>
+                              <dgm:param type="stAng" val="72"/>
+                            </dgm:alg>
+                          </dgm:if>
+                          <dgm:if name="Name169" axis="ch ch" ptType="node node" st="2 1" cnt="1 0" func="cnt" op="equ" val="2">
+                            <dgm:alg type="cycle">
+                              <dgm:param type="ctrShpMap" val="fNode"/>
+                              <dgm:param type="stAng" val="27"/>
+                              <dgm:param type="spanAng" val="90"/>
+                            </dgm:alg>
+                          </dgm:if>
+                          <dgm:else name="Name170">
+                            <dgm:alg type="cycle">
+                              <dgm:param type="ctrShpMap" val="fNode"/>
+                              <dgm:param type="stAng" val="0"/>
+                              <dgm:param type="spanAng" val="360"/>
+                            </dgm:alg>
+                          </dgm:else>
+                        </dgm:choose>
+                      </dgm:if>
+                      <dgm:if name="Name171" axis="ch" ptType="node" func="cnt" op="equ" val="6">
+                        <dgm:choose name="Name172">
+                          <dgm:if name="Name173" axis="ch ch" ptType="node node" st="2 1" cnt="1 0" func="cnt" op="equ" val="1">
+                            <dgm:alg type="cycle">
+                              <dgm:param type="ctrShpMap" val="fNode"/>
+                              <dgm:param type="stAng" val="60"/>
+                            </dgm:alg>
+                          </dgm:if>
+                          <dgm:if name="Name174" axis="ch ch" ptType="node node" st="2 1" cnt="1 0" func="cnt" op="equ" val="2">
+                            <dgm:alg type="cycle">
+                              <dgm:param type="ctrShpMap" val="fNode"/>
+                              <dgm:param type="stAng" val="15"/>
+                              <dgm:param type="spanAng" val="90"/>
+                            </dgm:alg>
+                          </dgm:if>
+                          <dgm:else name="Name175">
+                            <dgm:alg type="cycle">
+                              <dgm:param type="ctrShpMap" val="fNode"/>
+                              <dgm:param type="stAng" val="0"/>
+                              <dgm:param type="spanAng" val="360"/>
+                            </dgm:alg>
+                          </dgm:else>
+                        </dgm:choose>
+                      </dgm:if>
+                      <dgm:if name="Name176" axis="ch" ptType="node" func="cnt" op="gte" val="7">
+                        <dgm:choose name="Name177">
+                          <dgm:if name="Name178" axis="ch ch" ptType="node node" st="2 1" cnt="1 0" func="cnt" op="equ" val="1">
+                            <dgm:alg type="cycle">
+                              <dgm:param type="ctrShpMap" val="fNode"/>
+                              <dgm:param type="stAng" val="51"/>
+                            </dgm:alg>
+                          </dgm:if>
+                          <dgm:if name="Name179" axis="ch ch" ptType="node node" st="2 1" cnt="1 0" func="cnt" op="equ" val="2">
+                            <dgm:alg type="cycle">
+                              <dgm:param type="ctrShpMap" val="fNode"/>
+                              <dgm:param type="stAng" val="6"/>
+                              <dgm:param type="spanAng" val="90"/>
+                            </dgm:alg>
+                          </dgm:if>
+                          <dgm:else name="Name180">
+                            <dgm:alg type="cycle">
+                              <dgm:param type="ctrShpMap" val="fNode"/>
+                              <dgm:param type="stAng" val="0"/>
+                              <dgm:param type="spanAng" val="360"/>
+                            </dgm:alg>
+                          </dgm:else>
+                        </dgm:choose>
+                      </dgm:if>
+                      <dgm:else name="Name181"/>
+                    </dgm:choose>
+                  </dgm:if>
+                  <dgm:else name="Name182">
+                    <dgm:choose name="Name183">
+                      <dgm:if name="Name184" axis="ch" ptType="node" func="cnt" op="equ" val="2">
+                        <dgm:choose name="Name185">
+                          <dgm:if name="Name186" axis="ch ch" ptType="node node" st="2 1" cnt="1 0" func="cnt" op="equ" val="1">
+                            <dgm:alg type="cycle">
+                              <dgm:param type="ctrShpMap" val="fNode"/>
+                              <dgm:param type="stAng" val="180"/>
+                            </dgm:alg>
+                          </dgm:if>
+                          <dgm:if name="Name187" axis="ch ch" ptType="node node" st="2 1" cnt="1 0" func="cnt" op="equ" val="2">
+                            <dgm:alg type="cycle">
+                              <dgm:param type="ctrShpMap" val="fNode"/>
+                              <dgm:param type="stAng" val="225"/>
+                              <dgm:param type="spanAng" val="-90"/>
+                            </dgm:alg>
+                          </dgm:if>
+                          <dgm:else name="Name188">
+                            <dgm:alg type="cycle">
+                              <dgm:param type="ctrShpMap" val="fNode"/>
+                              <dgm:param type="stAng" val="270"/>
+                              <dgm:param type="spanAng" val="-180"/>
+                            </dgm:alg>
+                          </dgm:else>
+                        </dgm:choose>
+                      </dgm:if>
+                      <dgm:if name="Name189" axis="ch" ptType="node" func="cnt" op="equ" val="3">
+                        <dgm:choose name="Name190">
+                          <dgm:if name="Name191" axis="ch ch" ptType="node node" st="2 1" cnt="1 0" func="cnt" op="equ" val="1">
+                            <dgm:alg type="cycle">
+                              <dgm:param type="ctrShpMap" val="fNode"/>
+                              <dgm:param type="stAng" val="240"/>
+                              <dgm:param type="horzAlign" val="l"/>
+                              <dgm:param type="vertAlign" val="b"/>
+                            </dgm:alg>
+                          </dgm:if>
+                          <dgm:if name="Name192" axis="ch ch" ptType="node node" st="2 1" cnt="1 0" func="cnt" op="equ" val="2">
+                            <dgm:alg type="cycle">
+                              <dgm:param type="ctrShpMap" val="fNode"/>
+                              <dgm:param type="stAng" val="285"/>
+                              <dgm:param type="spanAng" val="-90"/>
+                              <dgm:param type="horzAlign" val="l"/>
+                              <dgm:param type="vertAlign" val="b"/>
+                            </dgm:alg>
+                          </dgm:if>
+                          <dgm:else name="Name193">
+                            <dgm:alg type="cycle">
+                              <dgm:param type="ctrShpMap" val="fNode"/>
+                              <dgm:param type="stAng" val="330"/>
+                              <dgm:param type="spanAng" val="-180"/>
+                            </dgm:alg>
+                          </dgm:else>
+                        </dgm:choose>
+                      </dgm:if>
+                      <dgm:if name="Name194" axis="ch" ptType="node" func="cnt" op="equ" val="4">
+                        <dgm:choose name="Name195">
+                          <dgm:if name="Name196" axis="ch ch" ptType="node node" st="2 1" cnt="1 0" func="cnt" op="equ" val="1">
+                            <dgm:alg type="cycle">
+                              <dgm:param type="ctrShpMap" val="fNode"/>
+                              <dgm:param type="stAng" val="270"/>
+                            </dgm:alg>
+                          </dgm:if>
+                          <dgm:if name="Name197" axis="ch ch" ptType="node node" st="2 1" cnt="1 0" func="cnt" op="equ" val="2">
+                            <dgm:alg type="cycle">
+                              <dgm:param type="ctrShpMap" val="fNode"/>
+                              <dgm:param type="stAng" val="315"/>
+                              <dgm:param type="spanAng" val="-90"/>
+                            </dgm:alg>
+                          </dgm:if>
+                          <dgm:else name="Name198">
+                            <dgm:alg type="cycle">
+                              <dgm:param type="ctrShpMap" val="fNode"/>
+                              <dgm:param type="stAng" val="337.5"/>
+                              <dgm:param type="spanAng" val="-135"/>
+                            </dgm:alg>
+                          </dgm:else>
+                        </dgm:choose>
+                      </dgm:if>
+                      <dgm:if name="Name199" axis="ch" ptType="node" func="cnt" op="equ" val="5">
+                        <dgm:choose name="Name200">
+                          <dgm:if name="Name201" axis="ch ch" ptType="node node" st="2 1" cnt="1 0" func="cnt" op="equ" val="1">
+                            <dgm:alg type="cycle">
+                              <dgm:param type="ctrShpMap" val="fNode"/>
+                              <dgm:param type="stAng" val="288"/>
+                            </dgm:alg>
+                          </dgm:if>
+                          <dgm:if name="Name202" axis="ch ch" ptType="node node" st="2 1" cnt="1 0" func="cnt" op="equ" val="2">
+                            <dgm:alg type="cycle">
+                              <dgm:param type="ctrShpMap" val="fNode"/>
+                              <dgm:param type="stAng" val="333"/>
+                              <dgm:param type="spanAng" val="-90"/>
+                            </dgm:alg>
+                          </dgm:if>
+                          <dgm:else name="Name203">
+                            <dgm:alg type="cycle">
+                              <dgm:param type="ctrShpMap" val="fNode"/>
+                              <dgm:param type="stAng" val="0"/>
+                              <dgm:param type="spanAng" val="-360"/>
+                            </dgm:alg>
+                          </dgm:else>
+                        </dgm:choose>
+                      </dgm:if>
+                      <dgm:if name="Name204" axis="ch" ptType="node" func="cnt" op="equ" val="6">
+                        <dgm:choose name="Name205">
+                          <dgm:if name="Name206" axis="ch ch" ptType="node node" st="2 1" cnt="1 0" func="cnt" op="equ" val="1">
+                            <dgm:alg type="cycle">
+                              <dgm:param type="ctrShpMap" val="fNode"/>
+                              <dgm:param type="stAng" val="300"/>
+                            </dgm:alg>
+                          </dgm:if>
+                          <dgm:if name="Name207" axis="ch ch" ptType="node node" st="2 1" cnt="1 0" func="cnt" op="equ" val="2">
+                            <dgm:alg type="cycle">
+                              <dgm:param type="ctrShpMap" val="fNode"/>
+                              <dgm:param type="stAng" val="345"/>
+                              <dgm:param type="spanAng" val="-90"/>
+                            </dgm:alg>
+                          </dgm:if>
+                          <dgm:else name="Name208">
+                            <dgm:alg type="cycle">
+                              <dgm:param type="ctrShpMap" val="fNode"/>
+                              <dgm:param type="stAng" val="0"/>
+                              <dgm:param type="spanAng" val="-360"/>
+                            </dgm:alg>
+                          </dgm:else>
+                        </dgm:choose>
+                      </dgm:if>
+                      <dgm:if name="Name209" axis="ch" ptType="node" func="cnt" op="gte" val="7">
+                        <dgm:choose name="Name210">
+                          <dgm:if name="Name211" axis="ch ch" ptType="node node" st="2 1" cnt="1 0" func="cnt" op="equ" val="1">
+                            <dgm:alg type="cycle">
+                              <dgm:param type="ctrShpMap" val="fNode"/>
+                              <dgm:param type="stAng" val="308"/>
+                            </dgm:alg>
+                          </dgm:if>
+                          <dgm:if name="Name212" axis="ch ch" ptType="node node" st="2 1" cnt="1 0" func="cnt" op="equ" val="2">
+                            <dgm:alg type="cycle">
+                              <dgm:param type="ctrShpMap" val="fNode"/>
+                              <dgm:param type="stAng" val="353"/>
+                              <dgm:param type="spanAng" val="-90"/>
+                            </dgm:alg>
+                          </dgm:if>
+                          <dgm:else name="Name213">
+                            <dgm:alg type="cycle">
+                              <dgm:param type="ctrShpMap" val="fNode"/>
+                              <dgm:param type="stAng" val="0"/>
+                              <dgm:param type="spanAng" val="-360"/>
+                            </dgm:alg>
+                          </dgm:else>
+                        </dgm:choose>
+                      </dgm:if>
+                      <dgm:else name="Name214"/>
+                    </dgm:choose>
+                  </dgm:else>
+                </dgm:choose>
+                <dgm:shape xmlns:r="http://schemas.openxmlformats.org/officeDocument/2006/relationships" r:blip="">
+                  <dgm:adjLst/>
+                </dgm:shape>
+                <dgm:presOf/>
+                <dgm:constrLst>
+                  <dgm:constr type="sp" refType="w" fact="0.1"/>
+                  <dgm:constr type="sibSp" refType="w" fact="0.1"/>
+                </dgm:constrLst>
+                <dgm:forEach name="Name215" axis="ch" ptType="node" st="2" cnt="1">
+                  <dgm:layoutNode name="childCenter2" styleLbl="node1">
+                    <dgm:alg type="tx"/>
+                    <dgm:shape xmlns:r="http://schemas.openxmlformats.org/officeDocument/2006/relationships" type="roundRect" r:blip="">
+                      <dgm:adjLst/>
+                    </dgm:shape>
+                    <dgm:presOf axis="self" ptType="node"/>
+                    <dgm:constrLst>
+                      <dgm:constr type="userS"/>
+                      <dgm:constr type="w" refType="userS"/>
+                      <dgm:constr type="h" refType="w"/>
+                      <dgm:constr type="tMarg" refType="primFontSz" fact="0.2"/>
+                      <dgm:constr type="bMarg" refType="primFontSz" fact="0.2"/>
+                      <dgm:constr type="lMarg" refType="primFontSz" fact="0.2"/>
+                      <dgm:constr type="rMarg" refType="primFontSz" fact="0.2"/>
+                    </dgm:constrLst>
+                    <dgm:ruleLst>
+                      <dgm:rule type="primFontSz" val="5" fact="NaN" max="NaN"/>
+                    </dgm:ruleLst>
+                  </dgm:layoutNode>
+                  <dgm:forEach name="Name216" axis="ch">
+                    <dgm:forEach name="Name217" axis="self" ptType="parTrans">
+                      <dgm:layoutNode name="Name218">
+                        <dgm:alg type="conn">
+                          <dgm:param type="dim" val="1D"/>
+                          <dgm:param type="begPts" val="auto"/>
+                          <dgm:param type="endPts" val="auto"/>
+                          <dgm:param type="begSty" val="noArr"/>
+                          <dgm:param type="endSty" val="noArr"/>
+                        </dgm:alg>
+                        <dgm:shape xmlns:r="http://schemas.openxmlformats.org/officeDocument/2006/relationships" type="conn" r:blip="">
+                          <dgm:adjLst/>
+                        </dgm:shape>
+                        <dgm:presOf axis="self"/>
+                        <dgm:constrLst>
+                          <dgm:constr type="begPad"/>
+                          <dgm:constr type="endPad"/>
+                        </dgm:constrLst>
+                      </dgm:layoutNode>
+                    </dgm:forEach>
+                    <dgm:forEach name="Name219" axis="self" ptType="node">
+                      <dgm:layoutNode name="text2" styleLbl="node1">
+                        <dgm:varLst>
+                          <dgm:bulletEnabled val="1"/>
+                        </dgm:varLst>
+                        <dgm:alg type="tx"/>
+                        <dgm:shape xmlns:r="http://schemas.openxmlformats.org/officeDocument/2006/relationships" type="roundRect" r:blip="">
+                          <dgm:adjLst/>
+                        </dgm:shape>
+                        <dgm:presOf axis="desOrSelf" ptType="node"/>
+                        <dgm:constrLst>
+                          <dgm:constr type="userS"/>
+                          <dgm:constr type="w" refType="userS"/>
+                          <dgm:constr type="h" refType="w"/>
+                          <dgm:constr type="tMarg" refType="primFontSz" fact="0.2"/>
+                          <dgm:constr type="bMarg" refType="primFontSz" fact="0.2"/>
+                          <dgm:constr type="lMarg" refType="primFontSz" fact="0.2"/>
+                          <dgm:constr type="rMarg" refType="primFontSz" fact="0.2"/>
+                        </dgm:constrLst>
+                        <dgm:ruleLst>
+                          <dgm:rule type="primFontSz" val="5" fact="NaN" max="NaN"/>
+                        </dgm:ruleLst>
+                      </dgm:layoutNode>
+                    </dgm:forEach>
+                  </dgm:forEach>
+                </dgm:forEach>
+              </dgm:layoutNode>
+              <dgm:forEach name="Name220" axis="ch" ptType="parTrans" st="2" cnt="1">
+                <dgm:layoutNode name="Name221">
+                  <dgm:alg type="conn">
+                    <dgm:param type="dim" val="1D"/>
+                    <dgm:param type="begPts" val="auto"/>
+                    <dgm:param type="endPts" val="auto"/>
+                    <dgm:param type="endSty" val="noArr"/>
+                    <dgm:param type="srcNode" val="textCenter"/>
+                    <dgm:param type="dstNode" val="childCenter2"/>
+                  </dgm:alg>
+                  <dgm:shape xmlns:r="http://schemas.openxmlformats.org/officeDocument/2006/relationships" type="conn" r:blip="" zOrderOff="-999">
+                    <dgm:adjLst/>
+                  </dgm:shape>
+                  <dgm:presOf axis="self"/>
+                  <dgm:constrLst>
+                    <dgm:constr type="h"/>
+                    <dgm:constr type="begPad"/>
+                    <dgm:constr type="endPad"/>
+                  </dgm:constrLst>
+                </dgm:layoutNode>
+              </dgm:forEach>
+            </dgm:if>
+            <dgm:else name="Name222"/>
+          </dgm:choose>
+          <dgm:choose name="Name223">
+            <dgm:if name="Name224" axis="ch" ptType="node" func="cnt" op="gte" val="3">
+              <dgm:layoutNode name="cycle_3">
+                <dgm:choose name="Name225">
+                  <dgm:if name="Name226" func="var" arg="dir" op="equ" val="norm">
+                    <dgm:choose name="Name227">
+                      <dgm:if name="Name228" axis="ch" ptType="node" func="cnt" op="equ" val="3">
+                        <dgm:choose name="Name229">
+                          <dgm:if name="Name230" axis="ch ch" ptType="node node" st="3 1" cnt="1 0" func="cnt" op="equ" val="1">
+                            <dgm:alg type="cycle">
+                              <dgm:param type="ctrShpMap" val="fNode"/>
+                              <dgm:param type="stAng" val="240"/>
+                              <dgm:param type="horzAlign" val="l"/>
+                              <dgm:param type="vertAlign" val="b"/>
+                            </dgm:alg>
+                          </dgm:if>
+                          <dgm:if name="Name231" axis="ch ch" ptType="node node" st="3 1" cnt="1 0" func="cnt" op="equ" val="2">
+                            <dgm:alg type="cycle">
+                              <dgm:param type="ctrShpMap" val="fNode"/>
+                              <dgm:param type="stAng" val="195"/>
+                              <dgm:param type="spanAng" val="90"/>
+                              <dgm:param type="horzAlign" val="l"/>
+                              <dgm:param type="vertAlign" val="b"/>
+                            </dgm:alg>
+                          </dgm:if>
+                          <dgm:else name="Name232">
+                            <dgm:alg type="cycle">
+                              <dgm:param type="ctrShpMap" val="fNode"/>
+                              <dgm:param type="stAng" val="150"/>
+                              <dgm:param type="spanAng" val="180"/>
+                            </dgm:alg>
+                          </dgm:else>
+                        </dgm:choose>
+                      </dgm:if>
+                      <dgm:if name="Name233" axis="ch" ptType="node" func="cnt" op="equ" val="4">
+                        <dgm:choose name="Name234">
+                          <dgm:if name="Name235" axis="ch ch" ptType="node node" st="3 1" cnt="1 0" func="cnt" op="equ" val="1">
+                            <dgm:alg type="cycle">
+                              <dgm:param type="ctrShpMap" val="fNode"/>
+                              <dgm:param type="stAng" val="180"/>
+                            </dgm:alg>
+                          </dgm:if>
+                          <dgm:if name="Name236" axis="ch ch" ptType="node node" st="3 1" cnt="1 0" func="cnt" op="equ" val="2">
+                            <dgm:alg type="cycle">
+                              <dgm:param type="ctrShpMap" val="fNode"/>
+                              <dgm:param type="stAng" val="135"/>
+                              <dgm:param type="spanAng" val="90"/>
+                            </dgm:alg>
+                          </dgm:if>
+                          <dgm:else name="Name237">
+                            <dgm:alg type="cycle">
+                              <dgm:param type="ctrShpMap" val="fNode"/>
+                              <dgm:param type="stAng" val="112.5"/>
+                              <dgm:param type="spanAng" val="135"/>
+                            </dgm:alg>
+                          </dgm:else>
+                        </dgm:choose>
+                      </dgm:if>
+                      <dgm:if name="Name238" axis="ch" ptType="node" func="cnt" op="equ" val="5">
+                        <dgm:choose name="Name239">
+                          <dgm:if name="Name240" axis="ch ch" ptType="node node" st="3 1" cnt="1 0" func="cnt" op="equ" val="1">
+                            <dgm:alg type="cycle">
+                              <dgm:param type="ctrShpMap" val="fNode"/>
+                              <dgm:param type="stAng" val="144"/>
+                            </dgm:alg>
+                          </dgm:if>
+                          <dgm:if name="Name241" axis="ch ch" ptType="node node" st="3 1" cnt="1 0" func="cnt" op="equ" val="2">
+                            <dgm:alg type="cycle">
+                              <dgm:param type="ctrShpMap" val="fNode"/>
+                              <dgm:param type="stAng" val="99"/>
+                              <dgm:param type="spanAng" val="90"/>
+                            </dgm:alg>
+                          </dgm:if>
+                          <dgm:else name="Name242">
+                            <dgm:alg type="cycle">
+                              <dgm:param type="ctrShpMap" val="fNode"/>
+                              <dgm:param type="stAng" val="0"/>
+                              <dgm:param type="spanAng" val="360"/>
+                            </dgm:alg>
+                          </dgm:else>
+                        </dgm:choose>
+                      </dgm:if>
+                      <dgm:if name="Name243" axis="ch" ptType="node" func="cnt" op="equ" val="6">
+                        <dgm:choose name="Name244">
+                          <dgm:if name="Name245" axis="ch ch" ptType="node node" st="3 1" cnt="1 0" func="cnt" op="equ" val="1">
+                            <dgm:alg type="cycle">
+                              <dgm:param type="ctrShpMap" val="fNode"/>
+                              <dgm:param type="stAng" val="120"/>
+                            </dgm:alg>
+                          </dgm:if>
+                          <dgm:if name="Name246" axis="ch ch" ptType="node node" st="3 1" cnt="1 0" func="cnt" op="equ" val="2">
+                            <dgm:alg type="cycle">
+                              <dgm:param type="ctrShpMap" val="fNode"/>
+                              <dgm:param type="stAng" val="75"/>
+                              <dgm:param type="spanAng" val="90"/>
+                            </dgm:alg>
+                          </dgm:if>
+                          <dgm:else name="Name247">
+                            <dgm:alg type="cycle">
+                              <dgm:param type="ctrShpMap" val="fNode"/>
+                              <dgm:param type="stAng" val="0"/>
+                              <dgm:param type="spanAng" val="360"/>
+                            </dgm:alg>
+                          </dgm:else>
+                        </dgm:choose>
+                      </dgm:if>
+                      <dgm:if name="Name248" axis="ch" ptType="node" func="cnt" op="gte" val="7">
+                        <dgm:choose name="Name249">
+                          <dgm:if name="Name250" axis="ch ch" ptType="node node" st="3 1" cnt="1 0" func="cnt" op="equ" val="1">
+                            <dgm:alg type="cycle">
+                              <dgm:param type="ctrShpMap" val="fNode"/>
+                              <dgm:param type="stAng" val="102"/>
+                            </dgm:alg>
+                          </dgm:if>
+                          <dgm:if name="Name251" axis="ch ch" ptType="node node" st="3 1" cnt="1 0" func="cnt" op="equ" val="2">
+                            <dgm:alg type="cycle">
+                              <dgm:param type="ctrShpMap" val="fNode"/>
+                              <dgm:param type="stAng" val="57"/>
+                              <dgm:param type="spanAng" val="90"/>
+                            </dgm:alg>
+                          </dgm:if>
+                          <dgm:else name="Name252">
+                            <dgm:alg type="cycle">
+                              <dgm:param type="ctrShpMap" val="fNode"/>
+                              <dgm:param type="stAng" val="0"/>
+                              <dgm:param type="spanAng" val="360"/>
+                            </dgm:alg>
+                          </dgm:else>
+                        </dgm:choose>
+                      </dgm:if>
+                      <dgm:else name="Name253"/>
+                    </dgm:choose>
+                  </dgm:if>
+                  <dgm:else name="Name254">
+                    <dgm:choose name="Name255">
+                      <dgm:if name="Name256" axis="ch" ptType="node" func="cnt" op="equ" val="3">
+                        <dgm:choose name="Name257">
+                          <dgm:if name="Name258" axis="ch ch" ptType="node node" st="3 1" cnt="1 0" func="cnt" op="equ" val="1">
+                            <dgm:alg type="cycle">
+                              <dgm:param type="ctrShpMap" val="fNode"/>
+                              <dgm:param type="stAng" val="120"/>
+                              <dgm:param type="horzAlign" val="r"/>
+                              <dgm:param type="vertAlign" val="b"/>
+                            </dgm:alg>
+                          </dgm:if>
+                          <dgm:if name="Name259" axis="ch ch" ptType="node node" st="3 1" cnt="1 0" func="cnt" op="equ" val="2">
+                            <dgm:alg type="cycle">
+                              <dgm:param type="ctrShpMap" val="fNode"/>
+                              <dgm:param type="stAng" val="165"/>
+                              <dgm:param type="spanAng" val="-90"/>
+                              <dgm:param type="horzAlign" val="r"/>
+                              <dgm:param type="vertAlign" val="b"/>
+                            </dgm:alg>
+                          </dgm:if>
+                          <dgm:else name="Name260">
+                            <dgm:alg type="cycle">
+                              <dgm:param type="ctrShpMap" val="fNode"/>
+                              <dgm:param type="stAng" val="210"/>
+                              <dgm:param type="spanAng" val="-180"/>
+                            </dgm:alg>
+                          </dgm:else>
+                        </dgm:choose>
+                      </dgm:if>
+                      <dgm:if name="Name261" axis="ch" ptType="node" func="cnt" op="equ" val="4">
+                        <dgm:choose name="Name262">
+                          <dgm:if name="Name263" axis="ch ch" ptType="node node" st="3 1" cnt="1 0" func="cnt" op="equ" val="1">
+                            <dgm:alg type="cycle">
+                              <dgm:param type="ctrShpMap" val="fNode"/>
+                              <dgm:param type="stAng" val="180"/>
+                            </dgm:alg>
+                          </dgm:if>
+                          <dgm:if name="Name264" axis="ch ch" ptType="node node" st="3 1" cnt="1 0" func="cnt" op="equ" val="2">
+                            <dgm:alg type="cycle">
+                              <dgm:param type="ctrShpMap" val="fNode"/>
+                              <dgm:param type="stAng" val="225"/>
+                              <dgm:param type="spanAng" val="-90"/>
+                            </dgm:alg>
+                          </dgm:if>
+                          <dgm:else name="Name265">
+                            <dgm:alg type="cycle">
+                              <dgm:param type="ctrShpMap" val="fNode"/>
+                              <dgm:param type="stAng" val="247.5"/>
+                              <dgm:param type="spanAng" val="-135"/>
+                            </dgm:alg>
+                          </dgm:else>
+                        </dgm:choose>
+                      </dgm:if>
+                      <dgm:if name="Name266" axis="ch" ptType="node" func="cnt" op="equ" val="5">
+                        <dgm:choose name="Name267">
+                          <dgm:if name="Name268" axis="ch ch" ptType="node node" st="3 1" cnt="1 0" func="cnt" op="equ" val="1">
+                            <dgm:alg type="cycle">
+                              <dgm:param type="ctrShpMap" val="fNode"/>
+                              <dgm:param type="stAng" val="216"/>
+                            </dgm:alg>
+                          </dgm:if>
+                          <dgm:if name="Name269" axis="ch ch" ptType="node node" st="3 1" cnt="1 0" func="cnt" op="equ" val="2">
+                            <dgm:alg type="cycle">
+                              <dgm:param type="ctrShpMap" val="fNode"/>
+                              <dgm:param type="stAng" val="261"/>
+                              <dgm:param type="spanAng" val="-90"/>
+                            </dgm:alg>
+                          </dgm:if>
+                          <dgm:else name="Name270">
+                            <dgm:alg type="cycle">
+                              <dgm:param type="ctrShpMap" val="fNode"/>
+                              <dgm:param type="stAng" val="0"/>
+                              <dgm:param type="spanAng" val="-360"/>
+                            </dgm:alg>
+                          </dgm:else>
+                        </dgm:choose>
+                      </dgm:if>
+                      <dgm:if name="Name271" axis="ch" ptType="node" func="cnt" op="equ" val="6">
+                        <dgm:choose name="Name272">
+                          <dgm:if name="Name273" axis="ch ch" ptType="node node" st="3 1" cnt="1 0" func="cnt" op="equ" val="1">
+                            <dgm:alg type="cycle">
+                              <dgm:param type="ctrShpMap" val="fNode"/>
+                              <dgm:param type="stAng" val="240"/>
+                            </dgm:alg>
+                          </dgm:if>
+                          <dgm:if name="Name274" axis="ch ch" ptType="node node" st="3 1" cnt="1 0" func="cnt" op="equ" val="2">
+                            <dgm:alg type="cycle">
+                              <dgm:param type="ctrShpMap" val="fNode"/>
+                              <dgm:param type="stAng" val="285"/>
+                              <dgm:param type="spanAng" val="-90"/>
+                            </dgm:alg>
+                          </dgm:if>
+                          <dgm:else name="Name275">
+                            <dgm:alg type="cycle">
+                              <dgm:param type="ctrShpMap" val="fNode"/>
+                              <dgm:param type="stAng" val="0"/>
+                              <dgm:param type="spanAng" val="-360"/>
+                            </dgm:alg>
+                          </dgm:else>
+                        </dgm:choose>
+                      </dgm:if>
+                      <dgm:if name="Name276" axis="ch" ptType="node" func="cnt" op="gte" val="7">
+                        <dgm:choose name="Name277">
+                          <dgm:if name="Name278" axis="ch ch" ptType="node node" st="3 1" cnt="1 0" func="cnt" op="equ" val="1">
+                            <dgm:alg type="cycle">
+                              <dgm:param type="ctrShpMap" val="fNode"/>
+                              <dgm:param type="stAng" val="257"/>
+                            </dgm:alg>
+                          </dgm:if>
+                          <dgm:if name="Name279" axis="ch ch" ptType="node node" st="3 1" cnt="1 0" func="cnt" op="equ" val="2">
+                            <dgm:alg type="cycle">
+                              <dgm:param type="ctrShpMap" val="fNode"/>
+                              <dgm:param type="stAng" val="302"/>
+                              <dgm:param type="spanAng" val="-90"/>
+                            </dgm:alg>
+                          </dgm:if>
+                          <dgm:else name="Name280">
+                            <dgm:alg type="cycle">
+                              <dgm:param type="ctrShpMap" val="fNode"/>
+                              <dgm:param type="stAng" val="0"/>
+                              <dgm:param type="spanAng" val="-360"/>
+                            </dgm:alg>
+                          </dgm:else>
+                        </dgm:choose>
+                      </dgm:if>
+                      <dgm:else name="Name281"/>
+                    </dgm:choose>
+                  </dgm:else>
+                </dgm:choose>
+                <dgm:shape xmlns:r="http://schemas.openxmlformats.org/officeDocument/2006/relationships" r:blip="">
+                  <dgm:adjLst/>
+                </dgm:shape>
+                <dgm:presOf/>
+                <dgm:constrLst>
+                  <dgm:constr type="sp" refType="w" fact="0.1"/>
+                  <dgm:constr type="sibSp" refType="w" fact="0.1"/>
+                </dgm:constrLst>
+                <dgm:forEach name="Name282" axis="ch" ptType="node" st="3" cnt="1">
+                  <dgm:layoutNode name="childCenter3" styleLbl="node1">
+                    <dgm:alg type="tx"/>
+                    <dgm:shape xmlns:r="http://schemas.openxmlformats.org/officeDocument/2006/relationships" type="roundRect" r:blip="">
+                      <dgm:adjLst/>
+                    </dgm:shape>
+                    <dgm:presOf axis="self" ptType="node"/>
+                    <dgm:constrLst>
+                      <dgm:constr type="userS"/>
+                      <dgm:constr type="w" refType="userS"/>
+                      <dgm:constr type="h" refType="w"/>
+                      <dgm:constr type="tMarg" refType="primFontSz" fact="0.2"/>
+                      <dgm:constr type="bMarg" refType="primFontSz" fact="0.2"/>
+                      <dgm:constr type="lMarg" refType="primFontSz" fact="0.2"/>
+                      <dgm:constr type="rMarg" refType="primFontSz" fact="0.2"/>
+                    </dgm:constrLst>
+                    <dgm:ruleLst>
+                      <dgm:rule type="primFontSz" val="5" fact="NaN" max="NaN"/>
+                    </dgm:ruleLst>
+                  </dgm:layoutNode>
+                  <dgm:forEach name="Name283" axis="ch">
+                    <dgm:forEach name="Name284" axis="self" ptType="parTrans">
+                      <dgm:layoutNode name="Name285">
+                        <dgm:alg type="conn">
+                          <dgm:param type="dim" val="1D"/>
+                          <dgm:param type="begPts" val="auto"/>
+                          <dgm:param type="endPts" val="auto"/>
+                          <dgm:param type="begSty" val="noArr"/>
+                          <dgm:param type="endSty" val="noArr"/>
+                        </dgm:alg>
+                        <dgm:shape xmlns:r="http://schemas.openxmlformats.org/officeDocument/2006/relationships" type="conn" r:blip="">
+                          <dgm:adjLst/>
+                        </dgm:shape>
+                        <dgm:presOf axis="self"/>
+                        <dgm:constrLst>
+                          <dgm:constr type="begPad"/>
+                          <dgm:constr type="endPad"/>
+                        </dgm:constrLst>
+                      </dgm:layoutNode>
+                    </dgm:forEach>
+                    <dgm:forEach name="Name286" axis="self" ptType="node">
+                      <dgm:layoutNode name="text3" styleLbl="node1">
+                        <dgm:varLst>
+                          <dgm:bulletEnabled val="1"/>
+                        </dgm:varLst>
+                        <dgm:alg type="tx"/>
+                        <dgm:shape xmlns:r="http://schemas.openxmlformats.org/officeDocument/2006/relationships" type="roundRect" r:blip="">
+                          <dgm:adjLst/>
+                        </dgm:shape>
+                        <dgm:presOf axis="desOrSelf" ptType="node"/>
+                        <dgm:constrLst>
+                          <dgm:constr type="userS"/>
+                          <dgm:constr type="w" refType="userS"/>
+                          <dgm:constr type="h" refType="w"/>
+                          <dgm:constr type="tMarg" refType="primFontSz" fact="0.2"/>
+                          <dgm:constr type="bMarg" refType="primFontSz" fact="0.2"/>
+                          <dgm:constr type="lMarg" refType="primFontSz" fact="0.2"/>
+                          <dgm:constr type="rMarg" refType="primFontSz" fact="0.2"/>
+                        </dgm:constrLst>
+                        <dgm:ruleLst>
+                          <dgm:rule type="primFontSz" val="5" fact="NaN" max="NaN"/>
+                        </dgm:ruleLst>
+                      </dgm:layoutNode>
+                    </dgm:forEach>
+                  </dgm:forEach>
+                </dgm:forEach>
+              </dgm:layoutNode>
+              <dgm:forEach name="Name287" axis="ch" ptType="parTrans" st="3" cnt="1">
+                <dgm:layoutNode name="Name288">
+                  <dgm:alg type="conn">
+                    <dgm:param type="dim" val="1D"/>
+                    <dgm:param type="begPts" val="auto"/>
+                    <dgm:param type="endPts" val="auto"/>
+                    <dgm:param type="endSty" val="noArr"/>
+                    <dgm:param type="srcNode" val="textCenter"/>
+                    <dgm:param type="dstNode" val="childCenter3"/>
+                  </dgm:alg>
+                  <dgm:shape xmlns:r="http://schemas.openxmlformats.org/officeDocument/2006/relationships" type="conn" r:blip="" zOrderOff="-999">
+                    <dgm:adjLst/>
+                  </dgm:shape>
+                  <dgm:presOf axis="self"/>
+                  <dgm:constrLst>
+                    <dgm:constr type="h"/>
+                    <dgm:constr type="begPad"/>
+                    <dgm:constr type="endPad"/>
+                  </dgm:constrLst>
+                </dgm:layoutNode>
+              </dgm:forEach>
+            </dgm:if>
+            <dgm:else name="Name289"/>
+          </dgm:choose>
+          <dgm:choose name="Name290">
+            <dgm:if name="Name291" axis="ch" ptType="node" func="cnt" op="gte" val="4">
+              <dgm:layoutNode name="cycle_4">
+                <dgm:choose name="Name292">
+                  <dgm:if name="Name293" func="var" arg="dir" op="equ" val="norm">
+                    <dgm:choose name="Name294">
+                      <dgm:if name="Name295" axis="ch" ptType="node" func="cnt" op="equ" val="4">
+                        <dgm:choose name="Name296">
+                          <dgm:if name="Name297" axis="ch ch" ptType="node node" st="4 1" cnt="1 0" func="cnt" op="equ" val="1">
+                            <dgm:alg type="cycle">
+                              <dgm:param type="ctrShpMap" val="fNode"/>
+                              <dgm:param type="stAng" val="270"/>
+                            </dgm:alg>
+                          </dgm:if>
+                          <dgm:if name="Name298" axis="ch ch" ptType="node node" st="4 1" cnt="1 0" func="cnt" op="equ" val="2">
+                            <dgm:alg type="cycle">
+                              <dgm:param type="ctrShpMap" val="fNode"/>
+                              <dgm:param type="stAng" val="225"/>
+                              <dgm:param type="spanAng" val="90"/>
+                            </dgm:alg>
+                          </dgm:if>
+                          <dgm:else name="Name299">
+                            <dgm:alg type="cycle">
+                              <dgm:param type="ctrShpMap" val="fNode"/>
+                              <dgm:param type="stAng" val="202.5"/>
+                              <dgm:param type="spanAng" val="135"/>
+                            </dgm:alg>
+                          </dgm:else>
+                        </dgm:choose>
+                      </dgm:if>
+                      <dgm:if name="Name300" axis="ch" ptType="node" func="cnt" op="equ" val="5">
+                        <dgm:choose name="Name301">
+                          <dgm:if name="Name302" axis="ch ch" ptType="node node" st="4 1" cnt="1 0" func="cnt" op="equ" val="1">
+                            <dgm:alg type="cycle">
+                              <dgm:param type="ctrShpMap" val="fNode"/>
+                              <dgm:param type="stAng" val="216"/>
+                            </dgm:alg>
+                          </dgm:if>
+                          <dgm:if name="Name303" axis="ch ch" ptType="node node" st="4 1" cnt="1 0" func="cnt" op="equ" val="2">
+                            <dgm:alg type="cycle">
+                              <dgm:param type="ctrShpMap" val="fNode"/>
+                              <dgm:param type="stAng" val="171"/>
+                              <dgm:param type="spanAng" val="90"/>
+                            </dgm:alg>
+                          </dgm:if>
+                          <dgm:else name="Name304">
+                            <dgm:alg type="cycle">
+                              <dgm:param type="ctrShpMap" val="fNode"/>
+                              <dgm:param type="stAng" val="0"/>
+                              <dgm:param type="spanAng" val="360"/>
+                            </dgm:alg>
+                          </dgm:else>
+                        </dgm:choose>
+                      </dgm:if>
+                      <dgm:if name="Name305" axis="ch" ptType="node" func="cnt" op="equ" val="6">
+                        <dgm:choose name="Name306">
+                          <dgm:if name="Name307" axis="ch ch" ptType="node node" st="4 1" cnt="1 0" func="cnt" op="equ" val="1">
+                            <dgm:alg type="cycle">
+                              <dgm:param type="ctrShpMap" val="fNode"/>
+                              <dgm:param type="stAng" val="180"/>
+                            </dgm:alg>
+                          </dgm:if>
+                          <dgm:if name="Name308" axis="ch ch" ptType="node node" st="4 1" cnt="1 0" func="cnt" op="equ" val="2">
+                            <dgm:alg type="cycle">
+                              <dgm:param type="ctrShpMap" val="fNode"/>
+                              <dgm:param type="stAng" val="135"/>
+                              <dgm:param type="spanAng" val="90"/>
+                            </dgm:alg>
+                          </dgm:if>
+                          <dgm:else name="Name309">
+                            <dgm:alg type="cycle">
+                              <dgm:param type="ctrShpMap" val="fNode"/>
+                              <dgm:param type="stAng" val="0"/>
+                              <dgm:param type="spanAng" val="360"/>
+                            </dgm:alg>
+                          </dgm:else>
+                        </dgm:choose>
+                      </dgm:if>
+                      <dgm:if name="Name310" axis="ch" ptType="node" func="cnt" op="gte" val="7">
+                        <dgm:choose name="Name311">
+                          <dgm:if name="Name312" axis="ch ch" ptType="node node" st="4 1" cnt="1 0" func="cnt" op="equ" val="1">
+                            <dgm:alg type="cycle">
+                              <dgm:param type="ctrShpMap" val="fNode"/>
+                              <dgm:param type="stAng" val="154"/>
+                            </dgm:alg>
+                          </dgm:if>
+                          <dgm:if name="Name313" axis="ch ch" ptType="node node" st="4 1" cnt="1 0" func="cnt" op="equ" val="2">
+                            <dgm:alg type="cycle">
+                              <dgm:param type="ctrShpMap" val="fNode"/>
+                              <dgm:param type="stAng" val="109"/>
+                              <dgm:param type="spanAng" val="90"/>
+                            </dgm:alg>
+                          </dgm:if>
+                          <dgm:else name="Name314">
+                            <dgm:alg type="cycle">
+                              <dgm:param type="ctrShpMap" val="fNode"/>
+                              <dgm:param type="stAng" val="0"/>
+                              <dgm:param type="spanAng" val="360"/>
+                            </dgm:alg>
+                          </dgm:else>
+                        </dgm:choose>
+                      </dgm:if>
+                      <dgm:else name="Name315"/>
+                    </dgm:choose>
+                  </dgm:if>
+                  <dgm:else name="Name316">
+                    <dgm:choose name="Name317">
+                      <dgm:if name="Name318" axis="ch" ptType="node" func="cnt" op="equ" val="4">
+                        <dgm:choose name="Name319">
+                          <dgm:if name="Name320" axis="ch ch" ptType="node node" st="4 1" cnt="1 0" func="cnt" op="equ" val="1">
+                            <dgm:alg type="cycle">
+                              <dgm:param type="ctrShpMap" val="fNode"/>
+                              <dgm:param type="stAng" val="90"/>
+                            </dgm:alg>
+                          </dgm:if>
+                          <dgm:if name="Name321" axis="ch ch" ptType="node node" st="4 1" cnt="1 0" func="cnt" op="equ" val="2">
+                            <dgm:alg type="cycle">
+                              <dgm:param type="ctrShpMap" val="fNode"/>
+                              <dgm:param type="stAng" val="135"/>
+                              <dgm:param type="spanAng" val="-90"/>
+                            </dgm:alg>
+                          </dgm:if>
+                          <dgm:else name="Name322">
+                            <dgm:alg type="cycle">
+                              <dgm:param type="ctrShpMap" val="fNode"/>
+                              <dgm:param type="stAng" val="157.5"/>
+                              <dgm:param type="spanAng" val="-135"/>
+                            </dgm:alg>
+                          </dgm:else>
+                        </dgm:choose>
+                      </dgm:if>
+                      <dgm:if name="Name323" axis="ch" ptType="node" func="cnt" op="equ" val="5">
+                        <dgm:choose name="Name324">
+                          <dgm:if name="Name325" axis="ch ch" ptType="node node" st="4 1" cnt="1 0" func="cnt" op="equ" val="1">
+                            <dgm:alg type="cycle">
+                              <dgm:param type="ctrShpMap" val="fNode"/>
+                              <dgm:param type="stAng" val="144"/>
+                            </dgm:alg>
+                          </dgm:if>
+                          <dgm:if name="Name326" axis="ch ch" ptType="node node" st="4 1" cnt="1 0" func="cnt" op="equ" val="2">
+                            <dgm:alg type="cycle">
+                              <dgm:param type="ctrShpMap" val="fNode"/>
+                              <dgm:param type="stAng" val="189"/>
+                              <dgm:param type="spanAng" val="-90"/>
+                            </dgm:alg>
+                          </dgm:if>
+                          <dgm:else name="Name327">
+                            <dgm:alg type="cycle">
+                              <dgm:param type="ctrShpMap" val="fNode"/>
+                              <dgm:param type="stAng" val="0"/>
+                              <dgm:param type="spanAng" val="-360"/>
+                            </dgm:alg>
+                          </dgm:else>
+                        </dgm:choose>
+                      </dgm:if>
+                      <dgm:if name="Name328" axis="ch" ptType="node" func="cnt" op="equ" val="6">
+                        <dgm:choose name="Name329">
+                          <dgm:if name="Name330" axis="ch ch" ptType="node node" st="4 1" cnt="1 0" func="cnt" op="equ" val="1">
+                            <dgm:alg type="cycle">
+                              <dgm:param type="ctrShpMap" val="fNode"/>
+                              <dgm:param type="stAng" val="180"/>
+                            </dgm:alg>
+                          </dgm:if>
+                          <dgm:if name="Name331" axis="ch ch" ptType="node node" st="4 1" cnt="1 0" func="cnt" op="equ" val="2">
+                            <dgm:alg type="cycle">
+                              <dgm:param type="ctrShpMap" val="fNode"/>
+                              <dgm:param type="stAng" val="225"/>
+                              <dgm:param type="spanAng" val="-90"/>
+                            </dgm:alg>
+                          </dgm:if>
+                          <dgm:else name="Name332">
+                            <dgm:alg type="cycle">
+                              <dgm:param type="ctrShpMap" val="fNode"/>
+                              <dgm:param type="stAng" val="0"/>
+                              <dgm:param type="spanAng" val="-360"/>
+                            </dgm:alg>
+                          </dgm:else>
+                        </dgm:choose>
+                      </dgm:if>
+                      <dgm:if name="Name333" axis="ch" ptType="node" func="cnt" op="gte" val="7">
+                        <dgm:choose name="Name334">
+                          <dgm:if name="Name335" axis="ch ch" ptType="node node" st="4 1" cnt="1 0" func="cnt" op="equ" val="1">
+                            <dgm:alg type="cycle">
+                              <dgm:param type="ctrShpMap" val="fNode"/>
+                              <dgm:param type="stAng" val="205"/>
+                            </dgm:alg>
+                          </dgm:if>
+                          <dgm:if name="Name336" axis="ch ch" ptType="node node" st="4 1" cnt="1 0" func="cnt" op="equ" val="2">
+                            <dgm:alg type="cycle">
+                              <dgm:param type="ctrShpMap" val="fNode"/>
+                              <dgm:param type="stAng" val="250"/>
+                              <dgm:param type="spanAng" val="-90"/>
+                            </dgm:alg>
+                          </dgm:if>
+                          <dgm:else name="Name337">
+                            <dgm:alg type="cycle">
+                              <dgm:param type="ctrShpMap" val="fNode"/>
+                              <dgm:param type="stAng" val="0"/>
+                              <dgm:param type="spanAng" val="-360"/>
+                            </dgm:alg>
+                          </dgm:else>
+                        </dgm:choose>
+                      </dgm:if>
+                      <dgm:else name="Name338"/>
+                    </dgm:choose>
+                  </dgm:else>
+                </dgm:choose>
+                <dgm:shape xmlns:r="http://schemas.openxmlformats.org/officeDocument/2006/relationships" r:blip="">
+                  <dgm:adjLst/>
+                </dgm:shape>
+                <dgm:presOf/>
+                <dgm:constrLst>
+                  <dgm:constr type="sp" refType="w" fact="0.1"/>
+                  <dgm:constr type="sibSp" refType="w" fact="0.1"/>
+                </dgm:constrLst>
+                <dgm:forEach name="Name339" axis="ch" ptType="node" st="4" cnt="1">
+                  <dgm:layoutNode name="childCenter4" styleLbl="node1">
+                    <dgm:alg type="tx"/>
+                    <dgm:shape xmlns:r="http://schemas.openxmlformats.org/officeDocument/2006/relationships" type="roundRect" r:blip="">
+                      <dgm:adjLst/>
+                    </dgm:shape>
+                    <dgm:presOf axis="self" ptType="node"/>
+                    <dgm:constrLst>
+                      <dgm:constr type="userS"/>
+                      <dgm:constr type="w" refType="userS"/>
+                      <dgm:constr type="h" refType="w"/>
+                      <dgm:constr type="tMarg" refType="primFontSz" fact="0.2"/>
+                      <dgm:constr type="bMarg" refType="primFontSz" fact="0.2"/>
+                      <dgm:constr type="lMarg" refType="primFontSz" fact="0.2"/>
+                      <dgm:constr type="rMarg" refType="primFontSz" fact="0.2"/>
+                    </dgm:constrLst>
+                    <dgm:ruleLst>
+                      <dgm:rule type="primFontSz" val="5" fact="NaN" max="NaN"/>
+                    </dgm:ruleLst>
+                  </dgm:layoutNode>
+                  <dgm:forEach name="Name340" axis="ch">
+                    <dgm:forEach name="Name341" axis="self" ptType="parTrans">
+                      <dgm:layoutNode name="Name342">
+                        <dgm:alg type="conn">
+                          <dgm:param type="dim" val="1D"/>
+                          <dgm:param type="begPts" val="auto"/>
+                          <dgm:param type="endPts" val="auto"/>
+                          <dgm:param type="begSty" val="noArr"/>
+                          <dgm:param type="endSty" val="noArr"/>
+                        </dgm:alg>
+                        <dgm:shape xmlns:r="http://schemas.openxmlformats.org/officeDocument/2006/relationships" type="conn" r:blip="">
+                          <dgm:adjLst/>
+                        </dgm:shape>
+                        <dgm:presOf axis="self"/>
+                        <dgm:constrLst>
+                          <dgm:constr type="begPad"/>
+                          <dgm:constr type="endPad"/>
+                        </dgm:constrLst>
+                      </dgm:layoutNode>
+                    </dgm:forEach>
+                    <dgm:forEach name="Name343" axis="self" ptType="node">
+                      <dgm:layoutNode name="text4" styleLbl="node1">
+                        <dgm:varLst>
+                          <dgm:bulletEnabled val="1"/>
+                        </dgm:varLst>
+                        <dgm:alg type="tx"/>
+                        <dgm:shape xmlns:r="http://schemas.openxmlformats.org/officeDocument/2006/relationships" type="roundRect" r:blip="">
+                          <dgm:adjLst/>
+                        </dgm:shape>
+                        <dgm:presOf axis="desOrSelf" ptType="node"/>
+                        <dgm:constrLst>
+                          <dgm:constr type="userS"/>
+                          <dgm:constr type="w" refType="userS"/>
+                          <dgm:constr type="h" refType="w"/>
+                          <dgm:constr type="tMarg" refType="primFontSz" fact="0.2"/>
+                          <dgm:constr type="bMarg" refType="primFontSz" fact="0.2"/>
+                          <dgm:constr type="lMarg" refType="primFontSz" fact="0.2"/>
+                          <dgm:constr type="rMarg" refType="primFontSz" fact="0.2"/>
+                        </dgm:constrLst>
+                        <dgm:ruleLst>
+                          <dgm:rule type="primFontSz" val="5" fact="NaN" max="NaN"/>
+                        </dgm:ruleLst>
+                      </dgm:layoutNode>
+                    </dgm:forEach>
+                  </dgm:forEach>
+                </dgm:forEach>
+              </dgm:layoutNode>
+              <dgm:forEach name="Name344" axis="ch" ptType="parTrans" st="4" cnt="1">
+                <dgm:layoutNode name="Name345">
+                  <dgm:alg type="conn">
+                    <dgm:param type="dim" val="1D"/>
+                    <dgm:param type="begPts" val="auto"/>
+                    <dgm:param type="endPts" val="auto"/>
+                    <dgm:param type="endSty" val="noArr"/>
+                    <dgm:param type="srcNode" val="textCenter"/>
+                    <dgm:param type="dstNode" val="childCenter4"/>
+                  </dgm:alg>
+                  <dgm:shape xmlns:r="http://schemas.openxmlformats.org/officeDocument/2006/relationships" type="conn" r:blip="" zOrderOff="-999">
+                    <dgm:adjLst/>
+                  </dgm:shape>
+                  <dgm:presOf axis="self"/>
+                  <dgm:constrLst>
+                    <dgm:constr type="h"/>
+                    <dgm:constr type="begPad"/>
+                    <dgm:constr type="endPad"/>
+                  </dgm:constrLst>
+                </dgm:layoutNode>
+              </dgm:forEach>
+            </dgm:if>
+            <dgm:else name="Name346"/>
+          </dgm:choose>
+          <dgm:choose name="Name347">
+            <dgm:if name="Name348" axis="ch" ptType="node" func="cnt" op="gte" val="5">
+              <dgm:layoutNode name="cycle_5">
+                <dgm:choose name="Name349">
+                  <dgm:if name="Name350" func="var" arg="dir" op="equ" val="norm">
+                    <dgm:choose name="Name351">
+                      <dgm:if name="Name352" axis="ch" ptType="node" func="cnt" op="equ" val="5">
+                        <dgm:choose name="Name353">
+                          <dgm:if name="Name354" axis="ch ch" ptType="node node" st="5 1" cnt="1 0" func="cnt" op="equ" val="1">
+                            <dgm:alg type="cycle">
+                              <dgm:param type="ctrShpMap" val="fNode"/>
+                              <dgm:param type="stAng" val="288"/>
+                            </dgm:alg>
+                          </dgm:if>
+                          <dgm:if name="Name355" axis="ch ch" ptType="node node" st="5 1" cnt="1 0" func="cnt" op="equ" val="2">
+                            <dgm:alg type="cycle">
+                              <dgm:param type="ctrShpMap" val="fNode"/>
+                              <dgm:param type="stAng" val="243"/>
+                              <dgm:param type="spanAng" val="90"/>
+                            </dgm:alg>
+                          </dgm:if>
+                          <dgm:else name="Name356">
+                            <dgm:alg type="cycle">
+                              <dgm:param type="ctrShpMap" val="fNode"/>
+                              <dgm:param type="stAng" val="0"/>
+                              <dgm:param type="spanAng" val="360"/>
+                            </dgm:alg>
+                          </dgm:else>
+                        </dgm:choose>
+                      </dgm:if>
+                      <dgm:if name="Name357" axis="ch" ptType="node" func="cnt" op="equ" val="6">
+                        <dgm:choose name="Name358">
+                          <dgm:if name="Name359" axis="ch ch" ptType="node node" st="5 1" cnt="1 0" func="cnt" op="equ" val="1">
+                            <dgm:alg type="cycle">
+                              <dgm:param type="ctrShpMap" val="fNode"/>
+                              <dgm:param type="stAng" val="240"/>
+                            </dgm:alg>
+                          </dgm:if>
+                          <dgm:if name="Name360" axis="ch ch" ptType="node node" st="5 1" cnt="1 0" func="cnt" op="equ" val="2">
+                            <dgm:alg type="cycle">
+                              <dgm:param type="ctrShpMap" val="fNode"/>
+                              <dgm:param type="stAng" val="195"/>
+                              <dgm:param type="spanAng" val="90"/>
+                            </dgm:alg>
+                          </dgm:if>
+                          <dgm:else name="Name361">
+                            <dgm:alg type="cycle">
+                              <dgm:param type="ctrShpMap" val="fNode"/>
+                              <dgm:param type="stAng" val="0"/>
+                              <dgm:param type="spanAng" val="360"/>
+                            </dgm:alg>
+                          </dgm:else>
+                        </dgm:choose>
+                      </dgm:if>
+                      <dgm:if name="Name362" axis="ch" ptType="node" func="cnt" op="gte" val="7">
+                        <dgm:choose name="Name363">
+                          <dgm:if name="Name364" axis="ch ch" ptType="node node" st="5 1" cnt="1 0" func="cnt" op="equ" val="1">
+                            <dgm:alg type="cycle">
+                              <dgm:param type="ctrShpMap" val="fNode"/>
+                              <dgm:param type="stAng" val="205"/>
+                            </dgm:alg>
+                          </dgm:if>
+                          <dgm:if name="Name365" axis="ch ch" ptType="node node" st="5 1" cnt="1 0" func="cnt" op="equ" val="2">
+                            <dgm:alg type="cycle">
+                              <dgm:param type="ctrShpMap" val="fNode"/>
+                              <dgm:param type="stAng" val="160"/>
+                              <dgm:param type="spanAng" val="90"/>
+                            </dgm:alg>
+                          </dgm:if>
+                          <dgm:else name="Name366">
+                            <dgm:alg type="cycle">
+                              <dgm:param type="ctrShpMap" val="fNode"/>
+                              <dgm:param type="stAng" val="0"/>
+                              <dgm:param type="spanAng" val="360"/>
+                            </dgm:alg>
+                          </dgm:else>
+                        </dgm:choose>
+                      </dgm:if>
+                      <dgm:else name="Name367"/>
+                    </dgm:choose>
+                  </dgm:if>
+                  <dgm:else name="Name368">
+                    <dgm:choose name="Name369">
+                      <dgm:if name="Name370" axis="ch" ptType="node" func="cnt" op="equ" val="5">
+                        <dgm:choose name="Name371">
+                          <dgm:if name="Name372" axis="ch ch" ptType="node node" st="5 1" cnt="1 0" func="cnt" op="equ" val="1">
+                            <dgm:alg type="cycle">
+                              <dgm:param type="ctrShpMap" val="fNode"/>
+                              <dgm:param type="stAng" val="72"/>
+                            </dgm:alg>
+                          </dgm:if>
+                          <dgm:if name="Name373" axis="ch ch" ptType="node node" st="5 1" cnt="1 0" func="cnt" op="equ" val="2">
+                            <dgm:alg type="cycle">
+                              <dgm:param type="ctrShpMap" val="fNode"/>
+                              <dgm:param type="stAng" val="117"/>
+                              <dgm:param type="spanAng" val="-90"/>
+                            </dgm:alg>
+                          </dgm:if>
+                          <dgm:else name="Name374">
+                            <dgm:alg type="cycle">
+                              <dgm:param type="ctrShpMap" val="fNode"/>
+                              <dgm:param type="stAng" val="0"/>
+                              <dgm:param type="spanAng" val="-360"/>
+                            </dgm:alg>
+                          </dgm:else>
+                        </dgm:choose>
+                      </dgm:if>
+                      <dgm:if name="Name375" axis="ch" ptType="node" func="cnt" op="equ" val="6">
+                        <dgm:choose name="Name376">
+                          <dgm:if name="Name377" axis="ch ch" ptType="node node" st="5 1" cnt="1 0" func="cnt" op="equ" val="1">
+                            <dgm:alg type="cycle">
+                              <dgm:param type="ctrShpMap" val="fNode"/>
+                              <dgm:param type="stAng" val="120"/>
+                            </dgm:alg>
+                          </dgm:if>
+                          <dgm:if name="Name378" axis="ch ch" ptType="node node" st="5 1" cnt="1 0" func="cnt" op="equ" val="2">
+                            <dgm:alg type="cycle">
+                              <dgm:param type="ctrShpMap" val="fNode"/>
+                              <dgm:param type="stAng" val="165"/>
+                              <dgm:param type="spanAng" val="-90"/>
+                            </dgm:alg>
+                          </dgm:if>
+                          <dgm:else name="Name379">
+                            <dgm:alg type="cycle">
+                              <dgm:param type="ctrShpMap" val="fNode"/>
+                              <dgm:param type="stAng" val="0"/>
+                              <dgm:param type="spanAng" val="-360"/>
+                            </dgm:alg>
+                          </dgm:else>
+                        </dgm:choose>
+                      </dgm:if>
+                      <dgm:if name="Name380" axis="ch" ptType="node" func="cnt" op="gte" val="7">
+                        <dgm:choose name="Name381">
+                          <dgm:if name="Name382" axis="ch ch" ptType="node node" st="5 1" cnt="1 0" func="cnt" op="equ" val="1">
+                            <dgm:alg type="cycle">
+                              <dgm:param type="ctrShpMap" val="fNode"/>
+                              <dgm:param type="stAng" val="154"/>
+                            </dgm:alg>
+                          </dgm:if>
+                          <dgm:if name="Name383" axis="ch ch" ptType="node node" st="5 1" cnt="1 0" func="cnt" op="equ" val="2">
+                            <dgm:alg type="cycle">
+                              <dgm:param type="ctrShpMap" val="fNode"/>
+                              <dgm:param type="stAng" val="199"/>
+                              <dgm:param type="spanAng" val="-90"/>
+                            </dgm:alg>
+                          </dgm:if>
+                          <dgm:else name="Name384">
+                            <dgm:alg type="cycle">
+                              <dgm:param type="ctrShpMap" val="fNode"/>
+                              <dgm:param type="stAng" val="0"/>
+                              <dgm:param type="spanAng" val="-360"/>
+                            </dgm:alg>
+                          </dgm:else>
+                        </dgm:choose>
+                      </dgm:if>
+                      <dgm:else name="Name385"/>
+                    </dgm:choose>
+                  </dgm:else>
+                </dgm:choose>
+                <dgm:shape xmlns:r="http://schemas.openxmlformats.org/officeDocument/2006/relationships" r:blip="">
+                  <dgm:adjLst/>
+                </dgm:shape>
+                <dgm:presOf/>
+                <dgm:constrLst>
+                  <dgm:constr type="sp" refType="w" fact="0.1"/>
+                  <dgm:constr type="sibSp" refType="w" fact="0.1"/>
+                </dgm:constrLst>
+                <dgm:forEach name="Name386" axis="ch" ptType="node" st="5" cnt="1">
+                  <dgm:layoutNode name="childCenter5" styleLbl="node1">
+                    <dgm:alg type="tx"/>
+                    <dgm:shape xmlns:r="http://schemas.openxmlformats.org/officeDocument/2006/relationships" type="roundRect" r:blip="">
+                      <dgm:adjLst/>
+                    </dgm:shape>
+                    <dgm:presOf axis="self" ptType="node"/>
+                    <dgm:constrLst>
+                      <dgm:constr type="userS"/>
+                      <dgm:constr type="w" refType="userS"/>
+                      <dgm:constr type="h" refType="w"/>
+                      <dgm:constr type="tMarg" refType="primFontSz" fact="0.2"/>
+                      <dgm:constr type="bMarg" refType="primFontSz" fact="0.2"/>
+                      <dgm:constr type="lMarg" refType="primFontSz" fact="0.2"/>
+                      <dgm:constr type="rMarg" refType="primFontSz" fact="0.2"/>
+                    </dgm:constrLst>
+                    <dgm:ruleLst>
+                      <dgm:rule type="primFontSz" val="5" fact="NaN" max="NaN"/>
+                    </dgm:ruleLst>
+                  </dgm:layoutNode>
+                  <dgm:forEach name="Name387" axis="ch">
+                    <dgm:forEach name="Name388" axis="self" ptType="parTrans">
+                      <dgm:layoutNode name="Name389">
+                        <dgm:alg type="conn">
+                          <dgm:param type="dim" val="1D"/>
+                          <dgm:param type="begPts" val="auto"/>
+                          <dgm:param type="endPts" val="auto"/>
+                          <dgm:param type="begSty" val="noArr"/>
+                          <dgm:param type="endSty" val="noArr"/>
+                        </dgm:alg>
+                        <dgm:shape xmlns:r="http://schemas.openxmlformats.org/officeDocument/2006/relationships" type="conn" r:blip="">
+                          <dgm:adjLst/>
+                        </dgm:shape>
+                        <dgm:presOf axis="self"/>
+                        <dgm:constrLst>
+                          <dgm:constr type="begPad"/>
+                          <dgm:constr type="endPad"/>
+                        </dgm:constrLst>
+                      </dgm:layoutNode>
+                    </dgm:forEach>
+                    <dgm:forEach name="Name390" axis="self" ptType="node">
+                      <dgm:layoutNode name="text5" styleLbl="node1">
+                        <dgm:varLst>
+                          <dgm:bulletEnabled val="1"/>
+                        </dgm:varLst>
+                        <dgm:alg type="tx"/>
+                        <dgm:shape xmlns:r="http://schemas.openxmlformats.org/officeDocument/2006/relationships" type="roundRect" r:blip="">
+                          <dgm:adjLst/>
+                        </dgm:shape>
+                        <dgm:presOf axis="desOrSelf" ptType="node"/>
+                        <dgm:constrLst>
+                          <dgm:constr type="userS"/>
+                          <dgm:constr type="w" refType="userS"/>
+                          <dgm:constr type="h" refType="w"/>
+                          <dgm:constr type="tMarg" refType="primFontSz" fact="0.2"/>
+                          <dgm:constr type="bMarg" refType="primFontSz" fact="0.2"/>
+                          <dgm:constr type="lMarg" refType="primFontSz" fact="0.2"/>
+                          <dgm:constr type="rMarg" refType="primFontSz" fact="0.2"/>
+                        </dgm:constrLst>
+                        <dgm:ruleLst>
+                          <dgm:rule type="primFontSz" val="5" fact="NaN" max="NaN"/>
+                        </dgm:ruleLst>
+                      </dgm:layoutNode>
+                    </dgm:forEach>
+                  </dgm:forEach>
+                </dgm:forEach>
+              </dgm:layoutNode>
+              <dgm:forEach name="Name391" axis="ch" ptType="parTrans" st="5" cnt="1">
+                <dgm:layoutNode name="Name392">
+                  <dgm:alg type="conn">
+                    <dgm:param type="dim" val="1D"/>
+                    <dgm:param type="begPts" val="auto"/>
+                    <dgm:param type="endPts" val="auto"/>
+                    <dgm:param type="endSty" val="noArr"/>
+                    <dgm:param type="srcNode" val="textCenter"/>
+                    <dgm:param type="dstNode" val="childCenter5"/>
+                  </dgm:alg>
+                  <dgm:shape xmlns:r="http://schemas.openxmlformats.org/officeDocument/2006/relationships" type="conn" r:blip="" zOrderOff="-999">
+                    <dgm:adjLst/>
+                  </dgm:shape>
+                  <dgm:presOf axis="self"/>
+                  <dgm:constrLst>
+                    <dgm:constr type="h"/>
+                    <dgm:constr type="begPad"/>
+                    <dgm:constr type="endPad"/>
+                  </dgm:constrLst>
+                </dgm:layoutNode>
+              </dgm:forEach>
+            </dgm:if>
+            <dgm:else name="Name393"/>
+          </dgm:choose>
+          <dgm:choose name="Name394">
+            <dgm:if name="Name395" axis="ch" ptType="node" func="cnt" op="gte" val="6">
+              <dgm:layoutNode name="cycle_6">
+                <dgm:choose name="Name396">
+                  <dgm:if name="Name397" func="var" arg="dir" op="equ" val="norm">
+                    <dgm:choose name="Name398">
+                      <dgm:if name="Name399" axis="ch" ptType="node" func="cnt" op="equ" val="6">
+                        <dgm:choose name="Name400">
+                          <dgm:if name="Name401" axis="ch ch" ptType="node node" st="6 1" cnt="1 0" func="cnt" op="equ" val="1">
+                            <dgm:alg type="cycle">
+                              <dgm:param type="ctrShpMap" val="fNode"/>
+                              <dgm:param type="stAng" val="300"/>
+                            </dgm:alg>
+                          </dgm:if>
+                          <dgm:if name="Name402" axis="ch ch" ptType="node node" st="6 1" cnt="1 0" func="cnt" op="equ" val="2">
+                            <dgm:alg type="cycle">
+                              <dgm:param type="ctrShpMap" val="fNode"/>
+                              <dgm:param type="stAng" val="255"/>
+                              <dgm:param type="spanAng" val="90"/>
+                            </dgm:alg>
+                          </dgm:if>
+                          <dgm:else name="Name403">
+                            <dgm:alg type="cycle">
+                              <dgm:param type="ctrShpMap" val="fNode"/>
+                              <dgm:param type="stAng" val="0"/>
+                              <dgm:param type="spanAng" val="360"/>
+                            </dgm:alg>
+                          </dgm:else>
+                        </dgm:choose>
+                      </dgm:if>
+                      <dgm:if name="Name404" axis="ch" ptType="node" func="cnt" op="gte" val="7">
+                        <dgm:choose name="Name405">
+                          <dgm:if name="Name406" axis="ch ch" ptType="node node" st="6 1" cnt="1 0" func="cnt" op="equ" val="1">
+                            <dgm:alg type="cycle">
+                              <dgm:param type="ctrShpMap" val="fNode"/>
+                              <dgm:param type="stAng" val="257"/>
+                            </dgm:alg>
+                          </dgm:if>
+                          <dgm:if name="Name407" axis="ch ch" ptType="node node" st="6 1" cnt="1 0" func="cnt" op="equ" val="2">
+                            <dgm:alg type="cycle">
+                              <dgm:param type="ctrShpMap" val="fNode"/>
+                              <dgm:param type="stAng" val="212"/>
+                              <dgm:param type="spanAng" val="90"/>
+                            </dgm:alg>
+                          </dgm:if>
+                          <dgm:else name="Name408">
+                            <dgm:alg type="cycle">
+                              <dgm:param type="ctrShpMap" val="fNode"/>
+                              <dgm:param type="stAng" val="0"/>
+                              <dgm:param type="spanAng" val="360"/>
+                            </dgm:alg>
+                          </dgm:else>
+                        </dgm:choose>
+                      </dgm:if>
+                      <dgm:else name="Name409"/>
+                    </dgm:choose>
+                  </dgm:if>
+                  <dgm:else name="Name410">
+                    <dgm:choose name="Name411">
+                      <dgm:if name="Name412" axis="ch" ptType="node" func="cnt" op="equ" val="6">
+                        <dgm:choose name="Name413">
+                          <dgm:if name="Name414" axis="ch ch" ptType="node node" st="6 1" cnt="1 0" func="cnt" op="equ" val="1">
+                            <dgm:alg type="cycle">
+                              <dgm:param type="ctrShpMap" val="fNode"/>
+                              <dgm:param type="stAng" val="60"/>
+                            </dgm:alg>
+                          </dgm:if>
+                          <dgm:if name="Name415" axis="ch ch" ptType="node node" st="6 1" cnt="1 0" func="cnt" op="equ" val="2">
+                            <dgm:alg type="cycle">
+                              <dgm:param type="ctrShpMap" val="fNode"/>
+                              <dgm:param type="stAng" val="105"/>
+                              <dgm:param type="spanAng" val="-90"/>
+                            </dgm:alg>
+                          </dgm:if>
+                          <dgm:else name="Name416">
+                            <dgm:alg type="cycle">
+                              <dgm:param type="ctrShpMap" val="fNode"/>
+                              <dgm:param type="stAng" val="0"/>
+                              <dgm:param type="spanAng" val="-360"/>
+                            </dgm:alg>
+                          </dgm:else>
+                        </dgm:choose>
+                      </dgm:if>
+                      <dgm:if name="Name417" axis="ch" ptType="node" func="cnt" op="gte" val="7">
+                        <dgm:choose name="Name418">
+                          <dgm:if name="Name419" axis="ch ch" ptType="node node" st="6 1" cnt="1 0" func="cnt" op="equ" val="1">
+                            <dgm:alg type="cycle">
+                              <dgm:param type="ctrShpMap" val="fNode"/>
+                              <dgm:param type="stAng" val="102"/>
+                            </dgm:alg>
+                          </dgm:if>
+                          <dgm:if name="Name420" axis="ch ch" ptType="node node" st="6 1" cnt="1 0" func="cnt" op="equ" val="2">
+                            <dgm:alg type="cycle">
+                              <dgm:param type="ctrShpMap" val="fNode"/>
+                              <dgm:param type="stAng" val="147"/>
+                              <dgm:param type="spanAng" val="-90"/>
+                            </dgm:alg>
+                          </dgm:if>
+                          <dgm:else name="Name421">
+                            <dgm:alg type="cycle">
+                              <dgm:param type="ctrShpMap" val="fNode"/>
+                              <dgm:param type="stAng" val="0"/>
+                              <dgm:param type="spanAng" val="-360"/>
+                            </dgm:alg>
+                          </dgm:else>
+                        </dgm:choose>
+                      </dgm:if>
+                      <dgm:else name="Name422"/>
+                    </dgm:choose>
+                  </dgm:else>
+                </dgm:choose>
+                <dgm:shape xmlns:r="http://schemas.openxmlformats.org/officeDocument/2006/relationships" r:blip="">
+                  <dgm:adjLst/>
+                </dgm:shape>
+                <dgm:presOf/>
+                <dgm:constrLst>
+                  <dgm:constr type="sp" refType="w" fact="0.1"/>
+                  <dgm:constr type="sibSp" refType="w" fact="0.1"/>
+                </dgm:constrLst>
+                <dgm:forEach name="Name423" axis="ch" ptType="node" st="6" cnt="1">
+                  <dgm:layoutNode name="childCenter6" styleLbl="node1">
+                    <dgm:alg type="tx"/>
+                    <dgm:shape xmlns:r="http://schemas.openxmlformats.org/officeDocument/2006/relationships" type="roundRect" r:blip="">
+                      <dgm:adjLst/>
+                    </dgm:shape>
+                    <dgm:presOf axis="self" ptType="node"/>
+                    <dgm:constrLst>
+                      <dgm:constr type="userS"/>
+                      <dgm:constr type="w" refType="userS"/>
+                      <dgm:constr type="h" refType="w"/>
+                      <dgm:constr type="tMarg" refType="primFontSz" fact="0.2"/>
+                      <dgm:constr type="bMarg" refType="primFontSz" fact="0.2"/>
+                      <dgm:constr type="lMarg" refType="primFontSz" fact="0.2"/>
+                      <dgm:constr type="rMarg" refType="primFontSz" fact="0.2"/>
+                    </dgm:constrLst>
+                    <dgm:ruleLst>
+                      <dgm:rule type="primFontSz" val="5" fact="NaN" max="NaN"/>
+                    </dgm:ruleLst>
+                  </dgm:layoutNode>
+                  <dgm:forEach name="Name424" axis="ch">
+                    <dgm:forEach name="Name425" axis="self" ptType="parTrans">
+                      <dgm:layoutNode name="Name426">
+                        <dgm:alg type="conn">
+                          <dgm:param type="dim" val="1D"/>
+                          <dgm:param type="begPts" val="auto"/>
+                          <dgm:param type="endPts" val="auto"/>
+                          <dgm:param type="begSty" val="noArr"/>
+                          <dgm:param type="endSty" val="noArr"/>
+                        </dgm:alg>
+                        <dgm:shape xmlns:r="http://schemas.openxmlformats.org/officeDocument/2006/relationships" type="conn" r:blip="">
+                          <dgm:adjLst/>
+                        </dgm:shape>
+                        <dgm:presOf axis="self"/>
+                        <dgm:constrLst>
+                          <dgm:constr type="begPad"/>
+                          <dgm:constr type="endPad"/>
+                        </dgm:constrLst>
+                      </dgm:layoutNode>
+                    </dgm:forEach>
+                    <dgm:forEach name="Name427" axis="self" ptType="node">
+                      <dgm:layoutNode name="text6" styleLbl="node1">
+                        <dgm:varLst>
+                          <dgm:bulletEnabled val="1"/>
+                        </dgm:varLst>
+                        <dgm:alg type="tx"/>
+                        <dgm:shape xmlns:r="http://schemas.openxmlformats.org/officeDocument/2006/relationships" type="roundRect" r:blip="">
+                          <dgm:adjLst/>
+                        </dgm:shape>
+                        <dgm:presOf axis="desOrSelf" ptType="node"/>
+                        <dgm:constrLst>
+                          <dgm:constr type="userS"/>
+                          <dgm:constr type="w" refType="userS"/>
+                          <dgm:constr type="h" refType="w"/>
+                          <dgm:constr type="tMarg" refType="primFontSz" fact="0.2"/>
+                          <dgm:constr type="bMarg" refType="primFontSz" fact="0.2"/>
+                          <dgm:constr type="lMarg" refType="primFontSz" fact="0.2"/>
+                          <dgm:constr type="rMarg" refType="primFontSz" fact="0.2"/>
+                        </dgm:constrLst>
+                        <dgm:ruleLst>
+                          <dgm:rule type="primFontSz" val="5" fact="NaN" max="NaN"/>
+                        </dgm:ruleLst>
+                      </dgm:layoutNode>
+                    </dgm:forEach>
+                  </dgm:forEach>
+                </dgm:forEach>
+              </dgm:layoutNode>
+              <dgm:forEach name="Name428" axis="ch" ptType="parTrans" st="6" cnt="1">
+                <dgm:layoutNode name="Name429">
+                  <dgm:alg type="conn">
+                    <dgm:param type="dim" val="1D"/>
+                    <dgm:param type="begPts" val="auto"/>
+                    <dgm:param type="endPts" val="auto"/>
+                    <dgm:param type="endSty" val="noArr"/>
+                    <dgm:param type="srcNode" val="textCenter"/>
+                    <dgm:param type="dstNode" val="childCenter6"/>
+                  </dgm:alg>
+                  <dgm:shape xmlns:r="http://schemas.openxmlformats.org/officeDocument/2006/relationships" type="conn" r:blip="" zOrderOff="-999">
+                    <dgm:adjLst/>
+                  </dgm:shape>
+                  <dgm:presOf axis="self"/>
+                  <dgm:constrLst>
+                    <dgm:constr type="h"/>
+                    <dgm:constr type="begPad"/>
+                    <dgm:constr type="endPad"/>
+                  </dgm:constrLst>
+                </dgm:layoutNode>
+              </dgm:forEach>
+            </dgm:if>
+            <dgm:else name="Name430"/>
+          </dgm:choose>
+          <dgm:choose name="Name431">
+            <dgm:if name="Name432" axis="ch" ptType="node" func="cnt" op="gte" val="7">
+              <dgm:layoutNode name="cycle_7">
+                <dgm:choose name="Name433">
+                  <dgm:if name="Name434" func="var" arg="dir" op="equ" val="norm">
+                    <dgm:choose name="Name435">
+                      <dgm:if name="Name436" axis="ch" ptType="node" func="cnt" op="gte" val="7">
+                        <dgm:choose name="Name437">
+                          <dgm:if name="Name438" axis="ch ch" ptType="node node" st="7 1" cnt="1 0" func="cnt" op="equ" val="1">
+                            <dgm:alg type="cycle">
+                              <dgm:param type="ctrShpMap" val="fNode"/>
+                              <dgm:param type="stAng" val="308"/>
+                            </dgm:alg>
+                          </dgm:if>
+                          <dgm:if name="Name439" axis="ch ch" ptType="node node" st="7 1" cnt="1 0" func="cnt" op="equ" val="2">
+                            <dgm:alg type="cycle">
+                              <dgm:param type="ctrShpMap" val="fNode"/>
+                              <dgm:param type="stAng" val="263"/>
+                              <dgm:param type="spanAng" val="90"/>
+                            </dgm:alg>
+                          </dgm:if>
+                          <dgm:else name="Name440">
+                            <dgm:alg type="cycle">
+                              <dgm:param type="ctrShpMap" val="fNode"/>
+                              <dgm:param type="stAng" val="0"/>
+                              <dgm:param type="spanAng" val="360"/>
+                            </dgm:alg>
+                          </dgm:else>
+                        </dgm:choose>
+                      </dgm:if>
+                      <dgm:else name="Name441"/>
+                    </dgm:choose>
+                  </dgm:if>
+                  <dgm:else name="Name442">
+                    <dgm:choose name="Name443">
+                      <dgm:if name="Name444" axis="ch" ptType="node" func="cnt" op="gte" val="7">
+                        <dgm:choose name="Name445">
+                          <dgm:if name="Name446" axis="ch ch" ptType="node node" st="7 1" cnt="1 0" func="cnt" op="equ" val="1">
+                            <dgm:alg type="cycle">
+                              <dgm:param type="ctrShpMap" val="fNode"/>
+                              <dgm:param type="stAng" val="51"/>
+                            </dgm:alg>
+                          </dgm:if>
+                          <dgm:if name="Name447" axis="ch ch" ptType="node node" st="7 1" cnt="1 0" func="cnt" op="equ" val="2">
+                            <dgm:alg type="cycle">
+                              <dgm:param type="ctrShpMap" val="fNode"/>
+                              <dgm:param type="stAng" val="96"/>
+                              <dgm:param type="spanAng" val="-90"/>
+                            </dgm:alg>
+                          </dgm:if>
+                          <dgm:else name="Name448">
+                            <dgm:alg type="cycle">
+                              <dgm:param type="ctrShpMap" val="fNode"/>
+                              <dgm:param type="stAng" val="0"/>
+                              <dgm:param type="spanAng" val="-360"/>
+                            </dgm:alg>
+                          </dgm:else>
+                        </dgm:choose>
+                      </dgm:if>
+                      <dgm:else name="Name449"/>
+                    </dgm:choose>
+                  </dgm:else>
+                </dgm:choose>
+                <dgm:shape xmlns:r="http://schemas.openxmlformats.org/officeDocument/2006/relationships" r:blip="">
+                  <dgm:adjLst/>
+                </dgm:shape>
+                <dgm:presOf/>
+                <dgm:constrLst>
+                  <dgm:constr type="sp" refType="w" fact="0.1"/>
+                  <dgm:constr type="sibSp" refType="w" fact="0.1"/>
+                </dgm:constrLst>
+                <dgm:forEach name="Name450" axis="ch" ptType="node" st="7" cnt="1">
+                  <dgm:layoutNode name="childCenter7" styleLbl="node1">
+                    <dgm:alg type="tx"/>
+                    <dgm:shape xmlns:r="http://schemas.openxmlformats.org/officeDocument/2006/relationships" type="roundRect" r:blip="">
+                      <dgm:adjLst/>
+                    </dgm:shape>
+                    <dgm:presOf axis="self" ptType="node"/>
+                    <dgm:constrLst>
+                      <dgm:constr type="userS"/>
+                      <dgm:constr type="w" refType="userS"/>
+                      <dgm:constr type="h" refType="w"/>
+                      <dgm:constr type="tMarg" refType="primFontSz" fact="0.2"/>
+                      <dgm:constr type="bMarg" refType="primFontSz" fact="0.2"/>
+                      <dgm:constr type="lMarg" refType="primFontSz" fact="0.2"/>
+                      <dgm:constr type="rMarg" refType="primFontSz" fact="0.2"/>
+                    </dgm:constrLst>
+                    <dgm:ruleLst>
+                      <dgm:rule type="primFontSz" val="5" fact="NaN" max="NaN"/>
+                    </dgm:ruleLst>
+                  </dgm:layoutNode>
+                  <dgm:forEach name="Name451" axis="ch">
+                    <dgm:forEach name="Name452" axis="self" ptType="parTrans">
+                      <dgm:layoutNode name="Name453">
+                        <dgm:alg type="conn">
+                          <dgm:param type="dim" val="1D"/>
+                          <dgm:param type="begPts" val="auto"/>
+                          <dgm:param type="endPts" val="auto"/>
+                          <dgm:param type="begSty" val="noArr"/>
+                          <dgm:param type="endSty" val="noArr"/>
+                        </dgm:alg>
+                        <dgm:shape xmlns:r="http://schemas.openxmlformats.org/officeDocument/2006/relationships" type="conn" r:blip="">
+                          <dgm:adjLst/>
+                        </dgm:shape>
+                        <dgm:presOf axis="self"/>
+                        <dgm:constrLst>
+                          <dgm:constr type="begPad"/>
+                          <dgm:constr type="endPad"/>
+                        </dgm:constrLst>
+                      </dgm:layoutNode>
+                    </dgm:forEach>
+                    <dgm:forEach name="Name454" axis="self" ptType="node">
+                      <dgm:layoutNode name="text7" styleLbl="node1">
+                        <dgm:varLst>
+                          <dgm:bulletEnabled val="1"/>
+                        </dgm:varLst>
+                        <dgm:alg type="tx"/>
+                        <dgm:shape xmlns:r="http://schemas.openxmlformats.org/officeDocument/2006/relationships" type="roundRect" r:blip="">
+                          <dgm:adjLst/>
+                        </dgm:shape>
+                        <dgm:presOf axis="desOrSelf" ptType="node"/>
+                        <dgm:constrLst>
+                          <dgm:constr type="userS"/>
+                          <dgm:constr type="w" refType="userS"/>
+                          <dgm:constr type="h" refType="w"/>
+                          <dgm:constr type="tMarg" refType="primFontSz" fact="0.2"/>
+                          <dgm:constr type="bMarg" refType="primFontSz" fact="0.2"/>
+                          <dgm:constr type="lMarg" refType="primFontSz" fact="0.2"/>
+                          <dgm:constr type="rMarg" refType="primFontSz" fact="0.2"/>
+                        </dgm:constrLst>
+                        <dgm:ruleLst>
+                          <dgm:rule type="primFontSz" val="5" fact="NaN" max="NaN"/>
+                        </dgm:ruleLst>
+                      </dgm:layoutNode>
+                    </dgm:forEach>
+                  </dgm:forEach>
+                </dgm:forEach>
+              </dgm:layoutNode>
+              <dgm:forEach name="Name455" axis="ch" ptType="parTrans" st="7" cnt="1">
+                <dgm:layoutNode name="Name456">
+                  <dgm:alg type="conn">
+                    <dgm:param type="dim" val="1D"/>
+                    <dgm:param type="begPts" val="auto"/>
+                    <dgm:param type="endPts" val="auto"/>
+                    <dgm:param type="endSty" val="noArr"/>
+                    <dgm:param type="srcNode" val="textCenter"/>
+                    <dgm:param type="dstNode" val="childCenter7"/>
+                  </dgm:alg>
+                  <dgm:shape xmlns:r="http://schemas.openxmlformats.org/officeDocument/2006/relationships" type="conn" r:blip="" zOrderOff="-999">
+                    <dgm:adjLst/>
+                  </dgm:shape>
+                  <dgm:presOf axis="self"/>
+                  <dgm:constrLst>
+                    <dgm:constr type="h"/>
+                    <dgm:constr type="begPad"/>
+                    <dgm:constr type="endPad"/>
+                  </dgm:constrLst>
+                </dgm:layoutNode>
+              </dgm:forEach>
+            </dgm:if>
+            <dgm:else name="Name457"/>
+          </dgm:choose>
+        </dgm:else>
+      </dgm:choose>
+    </dgm:forEach>
+  </dgm:layoutNode>
+</dgm:layoutDef>
+</file>
+
+<file path=ppt/diagrams/quickStyle1.xml><?xml version="1.0" encoding="utf-8"?>
+<dgm:styleDef xmlns:dgm="http://schemas.openxmlformats.org/drawingml/2006/diagram" xmlns:a="http://schemas.openxmlformats.org/drawingml/2006/main" uniqueId="urn:microsoft.com/office/officeart/2005/8/quickstyle/3D3">
+  <dgm:title val=""/>
+  <dgm:desc val=""/>
+  <dgm:catLst>
+    <dgm:cat type="3D" pri="11300"/>
+  </dgm:catLst>
+  <dgm:scene3d>
+    <a:camera prst="orthographicFront"/>
+    <a:lightRig rig="threePt" dir="t"/>
+  </dgm:scene3d>
+  <dgm:styleLbl name="node0">
+    <dgm:scene3d>
+      <a:camera prst="orthographicFront">
+        <a:rot lat="0" lon="0" rev="0"/>
+      </a:camera>
+      <a:lightRig rig="contrasting" dir="t">
+        <a:rot lat="0" lon="0" rev="1200000"/>
+      </a:lightRig>
+    </dgm:scene3d>
+    <dgm:sp3d contourW="19050" prstMaterial="metal">
+      <a:bevelT w="88900" h="203200"/>
+      <a:bevelB w="165100" h="254000"/>
+    </dgm:sp3d>
+    <dgm:txPr/>
+    <dgm:style>
+      <a:lnRef idx="0">
+        <a:scrgbClr r="0" g="0" b="0"/>
+      </a:lnRef>
+      <a:fillRef idx="1">
+        <a:scrgbClr r="0" g="0" b="0"/>
+      </a:fillRef>
+      <a:effectRef idx="1">
+        <a:scrgbClr r="0" g="0" b="0"/>
+      </a:effectRef>
+      <a:fontRef idx="minor">
+        <a:schemeClr val="lt1"/>
+      </a:fontRef>
+    </dgm:style>
+  </dgm:styleLbl>
+  <dgm:styleLbl name="lnNode1">
+    <dgm:scene3d>
+      <a:camera prst="orthographicFront">
+        <a:rot lat="0" lon="0" rev="0"/>
+      </a:camera>
+      <a:lightRig rig="contrasting" dir="t">
+        <a:rot lat="0" lon="0" rev="1200000"/>
+      </a:lightRig>
+    </dgm:scene3d>
+    <dgm:sp3d contourW="19050" prstMaterial="metal">
+      <a:bevelT w="88900" h="203200"/>
+      <a:bevelB w="165100" h="254000"/>
+    </dgm:sp3d>
+    <dgm:txPr/>
+    <dgm:style>
+      <a:lnRef idx="0">
+        <a:scrgbClr r="0" g="0" b="0"/>
+      </a:lnRef>
+      <a:fillRef idx="1">
+        <a:scrgbClr r="0" g="0" b="0"/>
+      </a:fillRef>
+      <a:effectRef idx="1">
+        <a:scrgbClr r="0" g="0" b="0"/>
+      </a:effectRef>
+      <a:fontRef idx="minor">
+        <a:schemeClr val="lt1"/>
+      </a:fontRef>
+    </dgm:style>
+  </dgm:styleLbl>
+  <dgm:styleLbl name="vennNode1">
+    <dgm:scene3d>
+      <a:camera prst="orthographicFront">
+        <a:rot lat="0" lon="0" rev="0"/>
+      </a:camera>
+      <a:lightRig rig="contrasting" dir="t">
+        <a:rot lat="0" lon="0" rev="1200000"/>
+      </a:lightRig>
+    </dgm:scene3d>
+    <dgm:sp3d contourW="12700" prstMaterial="clear">
+      <a:bevelT w="177800" h="254000"/>
+      <a:bevelB w="152400"/>
+    </dgm:sp3d>
+    <dgm:txPr/>
+    <dgm:style>
+      <a:lnRef idx="0">
+        <a:scrgbClr r="0" g="0" b="0"/>
+      </a:lnRef>
+      <a:fillRef idx="1">
+        <a:scrgbClr r="0" g="0" b="0"/>
+      </a:fillRef>
+      <a:effectRef idx="0">
+        <a:scrgbClr r="0" g="0" b="0"/>
+      </a:effectRef>
+      <a:fontRef idx="minor">
+        <a:schemeClr val="tx1"/>
+      </a:fontRef>
+    </dgm:style>
+  </dgm:styleLbl>
+  <dgm:styleLbl name="alignNode1">
+    <dgm:scene3d>
+      <a:camera prst="orthographicFront">
+        <a:rot lat="0" lon="0" rev="0"/>
+      </a:camera>
+      <a:lightRig rig="contrasting" dir="t">
+        <a:rot lat="0" lon="0" rev="1200000"/>
+      </a:lightRig>
+    </dgm:scene3d>
+    <dgm:sp3d contourW="19050" prstMaterial="metal">
+      <a:bevelT w="88900" h="203200"/>
+      <a:bevelB w="165100" h="254000"/>
+    </dgm:sp3d>
+    <dgm:txPr/>
+    <dgm:style>
+      <a:lnRef idx="0">
+        <a:scrgbClr r="0" g="0" b="0"/>
+      </a:lnRef>
+      <a:fillRef idx="1">
+        <a:scrgbClr r="0" g="0" b="0"/>
+      </a:fillRef>
+      <a:effectRef idx="2">
+        <a:scrgbClr r="0" g="0" b="0"/>
+      </a:effectRef>
+      <a:fontRef idx="minor">
+        <a:schemeClr val="lt1"/>
+      </a:fontRef>
+    </dgm:style>
+  </dgm:styleLbl>
+  <dgm:styleLbl name="node1">
+    <dgm:scene3d>
+      <a:camera prst="orthographicFront">
+        <a:rot lat="0" lon="0" rev="0"/>
+      </a:camera>
+      <a:lightRig rig="contrasting" dir="t">
+        <a:rot lat="0" lon="0" rev="1200000"/>
+      </a:lightRig>
+    </dgm:scene3d>
+    <dgm:sp3d contourW="19050" prstMaterial="metal">
+      <a:bevelT w="88900" h="203200"/>
+      <a:bevelB w="165100" h="254000"/>
+    </dgm:sp3d>
+    <dgm:txPr/>
+    <dgm:style>
+      <a:lnRef idx="0">
+        <a:scrgbClr r="0" g="0" b="0"/>
+      </a:lnRef>
+      <a:fillRef idx="1">
+        <a:scrgbClr r="0" g="0" b="0"/>
+      </a:fillRef>
+      <a:effectRef idx="2">
+        <a:scrgbClr r="0" g="0" b="0"/>
+      </a:effectRef>
+      <a:fontRef idx="minor">
+        <a:schemeClr val="lt1"/>
+      </a:fontRef>
+    </dgm:style>
+  </dgm:styleLbl>
+  <dgm:styleLbl name="node2">
+    <dgm:scene3d>
+      <a:camera prst="orthographicFront">
+        <a:rot lat="0" lon="0" rev="0"/>
+      </a:camera>
+      <a:lightRig rig="contrasting" dir="t">
+        <a:rot lat="0" lon="0" rev="1200000"/>
+      </a:lightRig>
+    </dgm:scene3d>
+    <dgm:sp3d contourW="19050" prstMaterial="metal">
+      <a:bevelT w="88900" h="203200"/>
+      <a:bevelB w="165100" h="254000"/>
+    </dgm:sp3d>
+    <dgm:txPr/>
+    <dgm:style>
+      <a:lnRef idx="0">
+        <a:scrgbClr r="0" g="0" b="0"/>
+      </a:lnRef>
+      <a:fillRef idx="1">
+        <a:scrgbClr r="0" g="0" b="0"/>
+      </a:fillRef>
+      <a:effectRef idx="1">
+        <a:scrgbClr r="0" g="0" b="0"/>
+      </a:effectRef>
+      <a:fontRef idx="minor">
+        <a:schemeClr val="lt1"/>
+      </a:fontRef>
+    </dgm:style>
+  </dgm:styleLbl>
+  <dgm:styleLbl name="node3">
+    <dgm:scene3d>
+      <a:camera prst="orthographicFront">
+        <a:rot lat="0" lon="0" rev="0"/>
+      </a:camera>
+      <a:lightRig rig="contrasting" dir="t">
+        <a:rot lat="0" lon="0" rev="1200000"/>
+      </a:lightRig>
+    </dgm:scene3d>
+    <dgm:sp3d contourW="19050" prstMaterial="metal">
+      <a:bevelT w="88900" h="203200"/>
+      <a:bevelB w="165100" h="254000"/>
+    </dgm:sp3d>
+    <dgm:txPr/>
+    <dgm:style>
+      <a:lnRef idx="0">
+        <a:scrgbClr r="0" g="0" b="0"/>
+      </a:lnRef>
+      <a:fillRef idx="1">
+        <a:scrgbClr r="0" g="0" b="0"/>
+      </a:fillRef>
+      <a:effectRef idx="1">
+        <a:scrgbClr r="0" g="0" b="0"/>
+      </a:effectRef>
+      <a:fontRef idx="minor">
+        <a:schemeClr val="lt1"/>
+      </a:fontRef>
+    </dgm:style>
+  </dgm:styleLbl>
+  <dgm:styleLbl name="node4">
+    <dgm:scene3d>
+      <a:camera prst="orthographicFront">
+        <a:rot lat="0" lon="0" rev="0"/>
+      </a:camera>
+      <a:lightRig rig="contrasting" dir="t">
+        <a:rot lat="0" lon="0" rev="1200000"/>
+      </a:lightRig>
+    </dgm:scene3d>
+    <dgm:sp3d contourW="19050" prstMaterial="metal">
+      <a:bevelT w="88900" h="203200"/>
+      <a:bevelB w="165100" h="254000"/>
+    </dgm:sp3d>
+    <dgm:txPr/>
+    <dgm:style>
+      <a:lnRef idx="0">
+        <a:scrgbClr r="0" g="0" b="0"/>
+      </a:lnRef>
+      <a:fillRef idx="1">
+        <a:scrgbClr r="0" g="0" b="0"/>
+      </a:fillRef>
+      <a:effectRef idx="1">
+        <a:scrgbClr r="0" g="0" b="0"/>
+      </a:effectRef>
+      <a:fontRef idx="minor">
+        <a:schemeClr val="lt1"/>
+      </a:fontRef>
+    </dgm:style>
+  </dgm:styleLbl>
+  <dgm:styleLbl name="fgImgPlace1">
+    <dgm:scene3d>
+      <a:camera prst="orthographicFront">
+        <a:rot lat="0" lon="0" rev="0"/>
+      </a:camera>
+      <a:lightRig rig="contrasting" dir="t">
+        <a:rot lat="0" lon="0" rev="1200000"/>
+      </a:lightRig>
+    </dgm:scene3d>
+    <dgm:sp3d z="300000" contourW="19050" prstMaterial="metal">
+      <a:bevelT w="88900" h="203200"/>
+      <a:bevelB w="165100" h="254000"/>
+    </dgm:sp3d>
+    <dgm:txPr/>
+    <dgm:style>
+      <a:lnRef idx="0">
+        <a:scrgbClr r="0" g="0" b="0"/>
+      </a:lnRef>
+      <a:fillRef idx="1">
+        <a:scrgbClr r="0" g="0" b="0"/>
+      </a:fillRef>
+      <a:effectRef idx="1">
+        <a:scrgbClr r="0" g="0" b="0"/>
+      </a:effectRef>
+      <a:fontRef idx="minor"/>
+    </dgm:style>
+  </dgm:styleLbl>
+  <dgm:styleLbl name="alignImgPlace1">
+    <dgm:scene3d>
+      <a:camera prst="orthographicFront">
+        <a:rot lat="0" lon="0" rev="0"/>
+      </a:camera>
+      <a:lightRig rig="contrasting" dir="t">
+        <a:rot lat="0" lon="0" rev="1200000"/>
+      </a:lightRig>
+    </dgm:scene3d>
+    <dgm:sp3d contourW="12700" prstMaterial="flat">
+      <a:bevelT w="177800" h="254000"/>
+      <a:bevelB w="152400"/>
+    </dgm:sp3d>
+    <dgm:txPr/>
+    <dgm:style>
+      <a:lnRef idx="0">
+        <a:scrgbClr r="0" g="0" b="0"/>
+      </a:lnRef>
+      <a:fillRef idx="1">
+        <a:scrgbClr r="0" g="0" b="0"/>
+      </a:fillRef>
+      <a:effectRef idx="1">
+        <a:scrgbClr r="0" g="0" b="0"/>
+      </a:effectRef>
+      <a:fontRef idx="minor"/>
+    </dgm:style>
+  </dgm:styleLbl>
+  <dgm:styleLbl name="bgImgPlace1">
+    <dgm:scene3d>
+      <a:camera prst="orthographicFront">
+        <a:rot lat="0" lon="0" rev="0"/>
+      </a:camera>
+      <a:lightRig rig="contrasting" dir="t">
+        <a:rot lat="0" lon="0" rev="1200000"/>
+      </a:lightRig>
+    </dgm:scene3d>
+    <dgm:sp3d z="-300000" contourW="19050" prstMaterial="metal">
+      <a:bevelT w="88900" h="203200"/>
+      <a:bevelB w="165100" h="254000"/>
+    </dgm:sp3d>
+    <dgm:txPr/>
+    <dgm:style>
+      <a:lnRef idx="0">
+        <a:scrgbClr r="0" g="0" b="0"/>
+      </a:lnRef>
+      <a:fillRef idx="1">
+        <a:scrgbClr r="0" g="0" b="0"/>
+      </a:fillRef>
+      <a:effectRef idx="1">
+        <a:scrgbClr r="0" g="0" b="0"/>
+      </a:effectRef>
+      <a:fontRef idx="minor"/>
+    </dgm:style>
+  </dgm:styleLbl>
+  <dgm:styleLbl name="sibTrans2D1">
+    <dgm:scene3d>
+      <a:camera prst="orthographicFront">
+        <a:rot lat="0" lon="0" rev="0"/>
+      </a:camera>
+      <a:lightRig rig="contrasting" dir="t">
+        <a:rot lat="0" lon="0" rev="1200000"/>
+      </a:lightRig>
+    </dgm:scene3d>
+    <dgm:sp3d z="-182000" contourW="19050" prstMaterial="metal">
+      <a:bevelT w="88900" h="203200"/>
+      <a:bevelB w="165100" h="254000"/>
+    </dgm:sp3d>
+    <dgm:txPr/>
+    <dgm:style>
+      <a:lnRef idx="0">
+        <a:scrgbClr r="0" g="0" b="0"/>
+      </a:lnRef>
+      <a:fillRef idx="1">
+        <a:scrgbClr r="0" g="0" b="0"/>
+      </a:fillRef>
+      <a:effectRef idx="0">
+        <a:scrgbClr r="0" g="0" b="0"/>
+      </a:effectRef>
+      <a:fontRef idx="minor">
+        <a:schemeClr val="lt1"/>
+      </a:fontRef>
+    </dgm:style>
+  </dgm:styleLbl>
+  <dgm:styleLbl name="fgSibTrans2D1">
+    <dgm:scene3d>
+      <a:camera prst="orthographicFront">
+        <a:rot lat="0" lon="0" rev="0"/>
+      </a:camera>
+      <a:lightRig rig="contrasting" dir="t">
+        <a:rot lat="0" lon="0" rev="1200000"/>
+      </a:lightRig>
+    </dgm:scene3d>
+    <dgm:sp3d z="300000" contourW="19050" prstMaterial="metal">
+      <a:bevelT w="88900" h="203200"/>
+      <a:bevelB w="165100" h="254000"/>
+    </dgm:sp3d>
+    <dgm:txPr/>
+    <dgm:style>
+      <a:lnRef idx="0">
+        <a:scrgbClr r="0" g="0" b="0"/>
+      </a:lnRef>
+      <a:fillRef idx="1">
+        <a:scrgbClr r="0" g="0" b="0"/>
+      </a:fillRef>
+      <a:effectRef idx="0">
+        <a:scrgbClr r="0" g="0" b="0"/>
+      </a:effectRef>
+      <a:fontRef idx="minor"/>
+    </dgm:style>
+  </dgm:styleLbl>
+  <dgm:styleLbl name="bgSibTrans2D1">
+    <dgm:scene3d>
+      <a:camera prst="orthographicFront">
+        <a:rot lat="0" lon="0" rev="0"/>
+      </a:camera>
+      <a:lightRig rig="contrasting" dir="t">
+        <a:rot lat="0" lon="0" rev="1200000"/>
+      </a:lightRig>
+    </dgm:scene3d>
+    <dgm:sp3d z="-300000" contourW="19050" prstMaterial="metal">
+      <a:bevelT w="88900" h="203200"/>
+      <a:bevelB w="165100" h="254000"/>
+    </dgm:sp3d>
+    <dgm:txPr/>
+    <dgm:style>
+      <a:lnRef idx="0">
+        <a:scrgbClr r="0" g="0" b="0"/>
+      </a:lnRef>
+      <a:fillRef idx="1">
+        <a:scrgbClr r="0" g="0" b="0"/>
+      </a:fillRef>
+      <a:effectRef idx="0">
+        <a:scrgbClr r="0" g="0" b="0"/>
+      </a:effectRef>
+      <a:fontRef idx="minor"/>
+    </dgm:style>
+  </dgm:styleLbl>
+  <dgm:styleLbl name="sibTrans1D1">
+    <dgm:scene3d>
+      <a:camera prst="orthographicFront">
+        <a:rot lat="0" lon="0" rev="0"/>
+      </a:camera>
+      <a:lightRig rig="contrasting" dir="t">
+        <a:rot lat="0" lon="0" rev="1200000"/>
+      </a:lightRig>
+    </dgm:scene3d>
+    <dgm:sp3d z="-110000"/>
+    <dgm:txPr/>
+    <dgm:style>
+      <a:lnRef idx="1">
+        <a:scrgbClr r="0" g="0" b="0"/>
+      </a:lnRef>
+      <a:fillRef idx="0">
+        <a:scrgbClr r="0" g="0" b="0"/>
+      </a:fillRef>
+      <a:effectRef idx="0">
+        <a:scrgbClr r="0" g="0" b="0"/>
+      </a:effectRef>
+      <a:fontRef idx="minor"/>
+    </dgm:style>
+  </dgm:styleLbl>
+  <dgm:styleLbl name="callout">
+    <dgm:scene3d>
+      <a:camera prst="orthographicFront">
+        <a:rot lat="0" lon="0" rev="0"/>
+      </a:camera>
+      <a:lightRig rig="contrasting" dir="t">
+        <a:rot lat="0" lon="0" rev="1200000"/>
+      </a:lightRig>
+    </dgm:scene3d>
+    <dgm:sp3d z="10000"/>
+    <dgm:txPr/>
+    <dgm:style>
+      <a:lnRef idx="2">
+        <a:scrgbClr r="0" g="0" b="0"/>
+      </a:lnRef>
+      <a:fillRef idx="1">
+        <a:scrgbClr r="0" g="0" b="0"/>
+      </a:fillRef>
+      <a:effectRef idx="0">
+        <a:scrgbClr r="0" g="0" b="0"/>
+      </a:effectRef>
+      <a:fontRef idx="minor"/>
+    </dgm:style>
+  </dgm:styleLbl>
+  <dgm:styleLbl name="asst0">
+    <dgm:scene3d>
+      <a:camera prst="orthographicFront">
+        <a:rot lat="0" lon="0" rev="0"/>
+      </a:camera>
+      <a:lightRig rig="contrasting" dir="t">
+        <a:rot lat="0" lon="0" rev="1200000"/>
+      </a:lightRig>
+    </dgm:scene3d>
+    <dgm:sp3d contourW="19050" prstMaterial="metal">
+      <a:bevelT w="88900" h="203200"/>
+      <a:bevelB w="165100" h="254000"/>
+    </dgm:sp3d>
+    <dgm:txPr/>
+    <dgm:style>
+      <a:lnRef idx="0">
+        <a:scrgbClr r="0" g="0" b="0"/>
+      </a:lnRef>
+      <a:fillRef idx="1">
+        <a:scrgbClr r="0" g="0" b="0"/>
+      </a:fillRef>
+      <a:effectRef idx="1">
+        <a:scrgbClr r="0" g="0" b="0"/>
+      </a:effectRef>
+      <a:fontRef idx="minor">
+        <a:schemeClr val="lt1"/>
+      </a:fontRef>
+    </dgm:style>
+  </dgm:styleLbl>
+  <dgm:styleLbl name="asst1">
+    <dgm:scene3d>
+      <a:camera prst="orthographicFront">
+        <a:rot lat="0" lon="0" rev="0"/>
+      </a:camera>
+      <a:lightRig rig="contrasting" dir="t">
+        <a:rot lat="0" lon="0" rev="1200000"/>
+      </a:lightRig>
+    </dgm:scene3d>
+    <dgm:sp3d contourW="19050" prstMaterial="metal">
+      <a:bevelT w="88900" h="203200"/>
+      <a:bevelB w="165100" h="254000"/>
+    </dgm:sp3d>
+    <dgm:txPr/>
+    <dgm:style>
+      <a:lnRef idx="0">
+        <a:scrgbClr r="0" g="0" b="0"/>
+      </a:lnRef>
+      <a:fillRef idx="1">
+        <a:scrgbClr r="0" g="0" b="0"/>
+      </a:fillRef>
+      <a:effectRef idx="1">
+        <a:scrgbClr r="0" g="0" b="0"/>
+      </a:effectRef>
+      <a:fontRef idx="minor">
+        <a:schemeClr val="lt1"/>
+      </a:fontRef>
+    </dgm:style>
+  </dgm:styleLbl>
+  <dgm:styleLbl name="asst2">
+    <dgm:scene3d>
+      <a:camera prst="orthographicFront">
+        <a:rot lat="0" lon="0" rev="0"/>
+      </a:camera>
+      <a:lightRig rig="contrasting" dir="t">
+        <a:rot lat="0" lon="0" rev="1200000"/>
+      </a:lightRig>
+    </dgm:scene3d>
+    <dgm:sp3d contourW="19050" prstMaterial="metal">
+      <a:bevelT w="88900" h="203200"/>
+      <a:bevelB w="165100" h="254000"/>
+    </dgm:sp3d>
+    <dgm:txPr/>
+    <dgm:style>
+      <a:lnRef idx="0">
+        <a:scrgbClr r="0" g="0" b="0"/>
+      </a:lnRef>
+      <a:fillRef idx="1">
+        <a:scrgbClr r="0" g="0" b="0"/>
+      </a:fillRef>
+      <a:effectRef idx="1">
+        <a:scrgbClr r="0" g="0" b="0"/>
+      </a:effectRef>
+      <a:fontRef idx="minor">
+        <a:schemeClr val="lt1"/>
+      </a:fontRef>
+    </dgm:style>
+  </dgm:styleLbl>
+  <dgm:styleLbl name="asst3">
+    <dgm:scene3d>
+      <a:camera prst="orthographicFront">
+        <a:rot lat="0" lon="0" rev="0"/>
+      </a:camera>
+      <a:lightRig rig="contrasting" dir="t">
+        <a:rot lat="0" lon="0" rev="1200000"/>
+      </a:lightRig>
+    </dgm:scene3d>
+    <dgm:sp3d contourW="19050" prstMaterial="metal">
+      <a:bevelT w="88900" h="203200"/>
+      <a:bevelB w="165100" h="254000"/>
+    </dgm:sp3d>
+    <dgm:txPr/>
+    <dgm:style>
+      <a:lnRef idx="0">
+        <a:scrgbClr r="0" g="0" b="0"/>
+      </a:lnRef>
+      <a:fillRef idx="1">
+        <a:scrgbClr r="0" g="0" b="0"/>
+      </a:fillRef>
+      <a:effectRef idx="1">
+        <a:scrgbClr r="0" g="0" b="0"/>
+      </a:effectRef>
+      <a:fontRef idx="minor">
+        <a:schemeClr val="lt1"/>
+      </a:fontRef>
+    </dgm:style>
+  </dgm:styleLbl>
+  <dgm:styleLbl name="asst4">
+    <dgm:scene3d>
+      <a:camera prst="orthographicFront"/>
+      <a:lightRig rig="threePt" dir="t"/>
+    </dgm:scene3d>
+    <dgm:sp3d contourW="19050" prstMaterial="metal">
+      <a:bevelT w="88900" h="203200"/>
+      <a:bevelB w="165100" h="254000"/>
+    </dgm:sp3d>
+    <dgm:txPr/>
+    <dgm:style>
+      <a:lnRef idx="0">
+        <a:scrgbClr r="0" g="0" b="0"/>
+      </a:lnRef>
+      <a:fillRef idx="1">
+        <a:scrgbClr r="0" g="0" b="0"/>
+      </a:fillRef>
+      <a:effectRef idx="1">
+        <a:scrgbClr r="0" g="0" b="0"/>
+      </a:effectRef>
+      <a:fontRef idx="minor">
+        <a:schemeClr val="lt1"/>
+      </a:fontRef>
+    </dgm:style>
+  </dgm:styleLbl>
+  <dgm:styleLbl name="parChTrans2D1">
+    <dgm:scene3d>
+      <a:camera prst="orthographicFront">
+        <a:rot lat="0" lon="0" rev="0"/>
+      </a:camera>
+      <a:lightRig rig="contrasting" dir="t">
+        <a:rot lat="0" lon="0" rev="1200000"/>
+      </a:lightRig>
+    </dgm:scene3d>
+    <dgm:sp3d contourW="19050" prstMaterial="metal">
+      <a:bevelT w="88900" h="203200"/>
+      <a:bevelB w="165100" h="254000"/>
+    </dgm:sp3d>
+    <dgm:txPr/>
+    <dgm:style>
+      <a:lnRef idx="0">
+        <a:scrgbClr r="0" g="0" b="0"/>
+      </a:lnRef>
+      <a:fillRef idx="1">
+        <a:scrgbClr r="0" g="0" b="0"/>
+      </a:fillRef>
+      <a:effectRef idx="0">
+        <a:scrgbClr r="0" g="0" b="0"/>
+      </a:effectRef>
+      <a:fontRef idx="minor"/>
+    </dgm:style>
+  </dgm:styleLbl>
+  <dgm:styleLbl name="parChTrans2D2">
+    <dgm:scene3d>
+      <a:camera prst="orthographicFront">
+        <a:rot lat="0" lon="0" rev="0"/>
+      </a:camera>
+      <a:lightRig rig="contrasting" dir="t">
+        <a:rot lat="0" lon="0" rev="1200000"/>
+      </a:lightRig>
+    </dgm:scene3d>
+    <dgm:sp3d contourW="19050" prstMaterial="metal">
+      <a:bevelT w="88900" h="203200"/>
+      <a:bevelB w="165100" h="254000"/>
+    </dgm:sp3d>
+    <dgm:txPr/>
+    <dgm:style>
+      <a:lnRef idx="0">
+        <a:scrgbClr r="0" g="0" b="0"/>
+      </a:lnRef>
+      <a:fillRef idx="1">
+        <a:scrgbClr r="0" g="0" b="0"/>
+      </a:fillRef>
+      <a:effectRef idx="0">
+        <a:scrgbClr r="0" g="0" b="0"/>
+      </a:effectRef>
+      <a:fontRef idx="minor"/>
+    </dgm:style>
+  </dgm:styleLbl>
+  <dgm:styleLbl name="parChTrans2D3">
+    <dgm:scene3d>
+      <a:camera prst="orthographicFront">
+        <a:rot lat="0" lon="0" rev="0"/>
+      </a:camera>
+      <a:lightRig rig="contrasting" dir="t">
+        <a:rot lat="0" lon="0" rev="1200000"/>
+      </a:lightRig>
+    </dgm:scene3d>
+    <dgm:sp3d contourW="19050" prstMaterial="metal">
+      <a:bevelT w="88900" h="203200"/>
+      <a:bevelB w="165100" h="254000"/>
+    </dgm:sp3d>
+    <dgm:txPr/>
+    <dgm:style>
+      <a:lnRef idx="0">
+        <a:scrgbClr r="0" g="0" b="0"/>
+      </a:lnRef>
+      <a:fillRef idx="1">
+        <a:scrgbClr r="0" g="0" b="0"/>
+      </a:fillRef>
+      <a:effectRef idx="0">
+        <a:scrgbClr r="0" g="0" b="0"/>
+      </a:effectRef>
+      <a:fontRef idx="minor"/>
+    </dgm:style>
+  </dgm:styleLbl>
+  <dgm:styleLbl name="parChTrans2D4">
+    <dgm:scene3d>
+      <a:camera prst="orthographicFront">
+        <a:rot lat="0" lon="0" rev="0"/>
+      </a:camera>
+      <a:lightRig rig="contrasting" dir="t">
+        <a:rot lat="0" lon="0" rev="1200000"/>
+      </a:lightRig>
+    </dgm:scene3d>
+    <dgm:sp3d contourW="19050" prstMaterial="metal">
+      <a:bevelT w="88900" h="203200"/>
+      <a:bevelB w="165100" h="254000"/>
+    </dgm:sp3d>
+    <dgm:txPr/>
+    <dgm:style>
+      <a:lnRef idx="0">
+        <a:scrgbClr r="0" g="0" b="0"/>
+      </a:lnRef>
+      <a:fillRef idx="1">
+        <a:scrgbClr r="0" g="0" b="0"/>
+      </a:fillRef>
+      <a:effectRef idx="0">
+        <a:scrgbClr r="0" g="0" b="0"/>
+      </a:effectRef>
+      <a:fontRef idx="minor"/>
+    </dgm:style>
+  </dgm:styleLbl>
+  <dgm:styleLbl name="parChTrans1D1">
+    <dgm:scene3d>
+      <a:camera prst="orthographicFront">
+        <a:rot lat="0" lon="0" rev="0"/>
+      </a:camera>
+      <a:lightRig rig="contrasting" dir="t">
+        <a:rot lat="0" lon="0" rev="1200000"/>
+      </a:lightRig>
+    </dgm:scene3d>
+    <dgm:sp3d z="-110000"/>
+    <dgm:txPr/>
+    <dgm:style>
+      <a:lnRef idx="2">
+        <a:scrgbClr r="0" g="0" b="0"/>
+      </a:lnRef>
+      <a:fillRef idx="0">
+        <a:scrgbClr r="0" g="0" b="0"/>
+      </a:fillRef>
+      <a:effectRef idx="0">
+        <a:scrgbClr r="0" g="0" b="0"/>
+      </a:effectRef>
+      <a:fontRef idx="minor"/>
+    </dgm:style>
+  </dgm:styleLbl>
+  <dgm:styleLbl name="parChTrans1D2">
+    <dgm:scene3d>
+      <a:camera prst="orthographicFront">
+        <a:rot lat="0" lon="0" rev="0"/>
+      </a:camera>
+      <a:lightRig rig="contrasting" dir="t">
+        <a:rot lat="0" lon="0" rev="1200000"/>
+      </a:lightRig>
+    </dgm:scene3d>
+    <dgm:sp3d z="-110000"/>
+    <dgm:txPr/>
+    <dgm:style>
+      <a:lnRef idx="2">
+        <a:scrgbClr r="0" g="0" b="0"/>
+      </a:lnRef>
+      <a:fillRef idx="0">
+        <a:scrgbClr r="0" g="0" b="0"/>
+      </a:fillRef>
+      <a:effectRef idx="0">
+        <a:scrgbClr r="0" g="0" b="0"/>
+      </a:effectRef>
+      <a:fontRef idx="minor"/>
+    </dgm:style>
+  </dgm:styleLbl>
+  <dgm:styleLbl name="parChTrans1D3">
+    <dgm:scene3d>
+      <a:camera prst="orthographicFront">
+        <a:rot lat="0" lon="0" rev="0"/>
+      </a:camera>
+      <a:lightRig rig="contrasting" dir="t">
+        <a:rot lat="0" lon="0" rev="1200000"/>
+      </a:lightRig>
+    </dgm:scene3d>
+    <dgm:sp3d z="-110000"/>
+    <dgm:txPr/>
+    <dgm:style>
+      <a:lnRef idx="2">
+        <a:scrgbClr r="0" g="0" b="0"/>
+      </a:lnRef>
+      <a:fillRef idx="0">
+        <a:scrgbClr r="0" g="0" b="0"/>
+      </a:fillRef>
+      <a:effectRef idx="0">
+        <a:scrgbClr r="0" g="0" b="0"/>
+      </a:effectRef>
+      <a:fontRef idx="minor"/>
+    </dgm:style>
+  </dgm:styleLbl>
+  <dgm:styleLbl name="parChTrans1D4">
+    <dgm:scene3d>
+      <a:camera prst="orthographicFront">
+        <a:rot lat="0" lon="0" rev="0"/>
+      </a:camera>
+      <a:lightRig rig="contrasting" dir="t">
+        <a:rot lat="0" lon="0" rev="1200000"/>
+      </a:lightRig>
+    </dgm:scene3d>
+    <dgm:sp3d z="-110000"/>
+    <dgm:txPr/>
+    <dgm:style>
+      <a:lnRef idx="2">
+        <a:scrgbClr r="0" g="0" b="0"/>
+      </a:lnRef>
+      <a:fillRef idx="0">
+        <a:scrgbClr r="0" g="0" b="0"/>
+      </a:fillRef>
+      <a:effectRef idx="0">
+        <a:scrgbClr r="0" g="0" b="0"/>
+      </a:effectRef>
+      <a:fontRef idx="minor"/>
+    </dgm:style>
+  </dgm:styleLbl>
+  <dgm:styleLbl name="fgAcc1">
+    <dgm:scene3d>
+      <a:camera prst="orthographicFront">
+        <a:rot lat="0" lon="0" rev="0"/>
+      </a:camera>
+      <a:lightRig rig="contrasting" dir="t">
+        <a:rot lat="0" lon="0" rev="1200000"/>
+      </a:lightRig>
+    </dgm:scene3d>
+    <dgm:sp3d z="300000" contourW="19050" prstMaterial="metal">
+      <a:bevelT w="88900" h="203200"/>
+      <a:bevelB w="165100" h="254000"/>
+    </dgm:sp3d>
+    <dgm:txPr/>
+    <dgm:style>
+      <a:lnRef idx="0">
+        <a:scrgbClr r="0" g="0" b="0"/>
+      </a:lnRef>
+      <a:fillRef idx="1">
+        <a:scrgbClr r="0" g="0" b="0"/>
+      </a:fillRef>
+      <a:effectRef idx="0">
+        <a:scrgbClr r="0" g="0" b="0"/>
+      </a:effectRef>
+      <a:fontRef idx="minor"/>
+    </dgm:style>
+  </dgm:styleLbl>
+  <dgm:styleLbl name="conFgAcc1">
+    <dgm:scene3d>
+      <a:camera prst="orthographicFront">
+        <a:rot lat="0" lon="0" rev="0"/>
+      </a:camera>
+      <a:lightRig rig="contrasting" dir="t">
+        <a:rot lat="0" lon="0" rev="1200000"/>
+      </a:lightRig>
+    </dgm:scene3d>
+    <dgm:sp3d z="300000" contourW="19050" prstMaterial="metal">
+      <a:bevelT w="88900" h="203200"/>
+      <a:bevelB w="165100" h="254000"/>
+    </dgm:sp3d>
+    <dgm:txPr/>
+    <dgm:style>
+      <a:lnRef idx="0">
+        <a:scrgbClr r="0" g="0" b="0"/>
+      </a:lnRef>
+      <a:fillRef idx="1">
+        <a:scrgbClr r="0" g="0" b="0"/>
+      </a:fillRef>
+      <a:effectRef idx="0">
+        <a:scrgbClr r="0" g="0" b="0"/>
+      </a:effectRef>
+      <a:fontRef idx="minor"/>
+    </dgm:style>
+  </dgm:styleLbl>
+  <dgm:styleLbl name="alignAcc1">
+    <dgm:scene3d>
+      <a:camera prst="orthographicFront">
+        <a:rot lat="0" lon="0" rev="0"/>
+      </a:camera>
+      <a:lightRig rig="contrasting" dir="t">
+        <a:rot lat="0" lon="0" rev="1200000"/>
+      </a:lightRig>
+    </dgm:scene3d>
+    <dgm:sp3d contourW="19050" prstMaterial="metal">
+      <a:bevelT w="88900" h="203200"/>
+      <a:bevelB w="165100" h="254000"/>
+    </dgm:sp3d>
+    <dgm:txPr/>
+    <dgm:style>
+      <a:lnRef idx="0">
+        <a:scrgbClr r="0" g="0" b="0"/>
+      </a:lnRef>
+      <a:fillRef idx="1">
+        <a:scrgbClr r="0" g="0" b="0"/>
+      </a:fillRef>
+      <a:effectRef idx="0">
+        <a:scrgbClr r="0" g="0" b="0"/>
+      </a:effectRef>
+      <a:fontRef idx="minor"/>
+    </dgm:style>
+  </dgm:styleLbl>
+  <dgm:styleLbl name="trAlignAcc1">
+    <dgm:scene3d>
+      <a:camera prst="orthographicFront">
+        <a:rot lat="0" lon="0" rev="0"/>
+      </a:camera>
+      <a:lightRig rig="contrasting" dir="t">
+        <a:rot lat="0" lon="0" rev="1200000"/>
+      </a:lightRig>
+    </dgm:scene3d>
+    <dgm:sp3d contourW="19050" prstMaterial="metal">
+      <a:bevelT w="88900" h="203200"/>
+      <a:bevelB w="165100" h="254000"/>
+    </dgm:sp3d>
+    <dgm:txPr/>
+    <dgm:style>
+      <a:lnRef idx="0">
+        <a:scrgbClr r="0" g="0" b="0"/>
+      </a:lnRef>
+      <a:fillRef idx="1">
+        <a:scrgbClr r="0" g="0" b="0"/>
+      </a:fillRef>
+      <a:effectRef idx="1">
+        <a:scrgbClr r="0" g="0" b="0"/>
+      </a:effectRef>
+      <a:fontRef idx="minor"/>
+    </dgm:style>
+  </dgm:styleLbl>
+  <dgm:styleLbl name="bgAcc1">
+    <dgm:scene3d>
+      <a:camera prst="orthographicFront">
+        <a:rot lat="0" lon="0" rev="0"/>
+      </a:camera>
+      <a:lightRig rig="contrasting" dir="t">
+        <a:rot lat="0" lon="0" rev="1200000"/>
+      </a:lightRig>
+    </dgm:scene3d>
+    <dgm:sp3d z="-300000" contourW="19050" prstMaterial="metal">
+      <a:bevelT w="88900" h="203200"/>
+      <a:bevelB w="165100" h="254000"/>
+    </dgm:sp3d>
+    <dgm:txPr/>
+    <dgm:style>
+      <a:lnRef idx="0">
+        <a:scrgbClr r="0" g="0" b="0"/>
+      </a:lnRef>
+      <a:fillRef idx="1">
+        <a:scrgbClr r="0" g="0" b="0"/>
+      </a:fillRef>
+      <a:effectRef idx="0">
+        <a:scrgbClr r="0" g="0" b="0"/>
+      </a:effectRef>
+      <a:fontRef idx="minor"/>
+    </dgm:style>
+  </dgm:styleLbl>
+  <dgm:styleLbl name="solidFgAcc1">
+    <dgm:scene3d>
+      <a:camera prst="orthographicFront">
+        <a:rot lat="0" lon="0" rev="0"/>
+      </a:camera>
+      <a:lightRig rig="contrasting" dir="t">
+        <a:rot lat="0" lon="0" rev="1200000"/>
+      </a:lightRig>
+    </dgm:scene3d>
+    <dgm:sp3d z="300000" contourW="12700" prstMaterial="flat">
+      <a:bevelT w="177800" h="254000"/>
+      <a:bevelB w="152400"/>
+    </dgm:sp3d>
+    <dgm:txPr/>
+    <dgm:style>
+      <a:lnRef idx="0">
+        <a:scrgbClr r="0" g="0" b="0"/>
+      </a:lnRef>
+      <a:fillRef idx="1">
+        <a:scrgbClr r="0" g="0" b="0"/>
+      </a:fillRef>
+      <a:effectRef idx="0">
+        <a:scrgbClr r="0" g="0" b="0"/>
+      </a:effectRef>
+      <a:fontRef idx="minor"/>
+    </dgm:style>
+  </dgm:styleLbl>
+  <dgm:styleLbl name="solidAlignAcc1">
+    <dgm:scene3d>
+      <a:camera prst="orthographicFront">
+        <a:rot lat="0" lon="0" rev="0"/>
+      </a:camera>
+      <a:lightRig rig="contrasting" dir="t">
+        <a:rot lat="0" lon="0" rev="1200000"/>
+      </a:lightRig>
+    </dgm:scene3d>
+    <dgm:sp3d contourW="19050" prstMaterial="metal">
+      <a:bevelT w="88900" h="203200"/>
+      <a:bevelB w="165100" h="254000"/>
+    </dgm:sp3d>
+    <dgm:txPr/>
+    <dgm:style>
+      <a:lnRef idx="0">
+        <a:scrgbClr r="0" g="0" b="0"/>
+      </a:lnRef>
+      <a:fillRef idx="1">
+        <a:scrgbClr r="0" g="0" b="0"/>
+      </a:fillRef>
+      <a:effectRef idx="0">
+        <a:scrgbClr r="0" g="0" b="0"/>
+      </a:effectRef>
+      <a:fontRef idx="minor"/>
+    </dgm:style>
+  </dgm:styleLbl>
+  <dgm:styleLbl name="solidBgAcc1">
+    <dgm:scene3d>
+      <a:camera prst="orthographicFront">
+        <a:rot lat="0" lon="0" rev="0"/>
+      </a:camera>
+      <a:lightRig rig="contrasting" dir="t">
+        <a:rot lat="0" lon="0" rev="1200000"/>
+      </a:lightRig>
+    </dgm:scene3d>
+    <dgm:sp3d z="-300000" contourW="19050" prstMaterial="metal">
+      <a:bevelT w="88900" h="203200"/>
+      <a:bevelB w="165100" h="254000"/>
+    </dgm:sp3d>
+    <dgm:txPr/>
+    <dgm:style>
+      <a:lnRef idx="0">
+        <a:scrgbClr r="0" g="0" b="0"/>
+      </a:lnRef>
+      <a:fillRef idx="1">
+        <a:scrgbClr r="0" g="0" b="0"/>
+      </a:fillRef>
+      <a:effectRef idx="0">
+        <a:scrgbClr r="0" g="0" b="0"/>
+      </a:effectRef>
+      <a:fontRef idx="minor"/>
+    </dgm:style>
+  </dgm:styleLbl>
+  <dgm:styleLbl name="fgAccFollowNode1">
+    <dgm:scene3d>
+      <a:camera prst="orthographicFront">
+        <a:rot lat="0" lon="0" rev="0"/>
+      </a:camera>
+      <a:lightRig rig="contrasting" dir="t">
+        <a:rot lat="0" lon="0" rev="1200000"/>
+      </a:lightRig>
+    </dgm:scene3d>
+    <dgm:sp3d z="300000" contourW="19050" prstMaterial="metal">
+      <a:bevelT w="88900" h="203200"/>
+      <a:bevelB w="165100" h="254000"/>
+    </dgm:sp3d>
+    <dgm:txPr/>
+    <dgm:style>
+      <a:lnRef idx="0">
+        <a:scrgbClr r="0" g="0" b="0"/>
+      </a:lnRef>
+      <a:fillRef idx="1">
+        <a:scrgbClr r="0" g="0" b="0"/>
+      </a:fillRef>
+      <a:effectRef idx="0">
+        <a:scrgbClr r="0" g="0" b="0"/>
+      </a:effectRef>
+      <a:fontRef idx="minor"/>
+    </dgm:style>
+  </dgm:styleLbl>
+  <dgm:styleLbl name="alignAccFollowNode1">
+    <dgm:scene3d>
+      <a:camera prst="orthographicFront">
+        <a:rot lat="0" lon="0" rev="0"/>
+      </a:camera>
+      <a:lightRig rig="contrasting" dir="t">
+        <a:rot lat="0" lon="0" rev="1200000"/>
+      </a:lightRig>
+    </dgm:scene3d>
+    <dgm:sp3d contourW="19050" prstMaterial="metal">
+      <a:bevelT w="88900" h="203200"/>
+      <a:bevelB w="165100" h="254000"/>
+    </dgm:sp3d>
+    <dgm:txPr/>
+    <dgm:style>
+      <a:lnRef idx="0">
+        <a:scrgbClr r="0" g="0" b="0"/>
+      </a:lnRef>
+      <a:fillRef idx="1">
+        <a:scrgbClr r="0" g="0" b="0"/>
+      </a:fillRef>
+      <a:effectRef idx="0">
+        <a:scrgbClr r="0" g="0" b="0"/>
+      </a:effectRef>
+      <a:fontRef idx="minor"/>
+    </dgm:style>
+  </dgm:styleLbl>
+  <dgm:styleLbl name="bgAccFollowNode1">
+    <dgm:scene3d>
+      <a:camera prst="orthographicFront">
+        <a:rot lat="0" lon="0" rev="0"/>
+      </a:camera>
+      <a:lightRig rig="contrasting" dir="t">
+        <a:rot lat="0" lon="0" rev="1200000"/>
+      </a:lightRig>
+    </dgm:scene3d>
+    <dgm:sp3d z="-300000" contourW="19050" prstMaterial="metal">
+      <a:bevelT w="88900" h="203200"/>
+      <a:bevelB w="165100" h="254000"/>
+    </dgm:sp3d>
+    <dgm:txPr/>
+    <dgm:style>
+      <a:lnRef idx="0">
+        <a:scrgbClr r="0" g="0" b="0"/>
+      </a:lnRef>
+      <a:fillRef idx="1">
+        <a:scrgbClr r="0" g="0" b="0"/>
+      </a:fillRef>
+      <a:effectRef idx="0">
+        <a:scrgbClr r="0" g="0" b="0"/>
+      </a:effectRef>
+      <a:fontRef idx="minor"/>
+    </dgm:style>
+  </dgm:styleLbl>
+  <dgm:styleLbl name="fgAcc0">
+    <dgm:scene3d>
+      <a:camera prst="orthographicFront">
+        <a:rot lat="0" lon="0" rev="0"/>
+      </a:camera>
+      <a:lightRig rig="contrasting" dir="t">
+        <a:rot lat="0" lon="0" rev="1200000"/>
+      </a:lightRig>
+    </dgm:scene3d>
+    <dgm:sp3d z="300000" contourW="19050" prstMaterial="metal">
+      <a:bevelT w="88900" h="203200"/>
+      <a:bevelB w="165100" h="254000"/>
+    </dgm:sp3d>
+    <dgm:txPr/>
+    <dgm:style>
+      <a:lnRef idx="0">
+        <a:scrgbClr r="0" g="0" b="0"/>
+      </a:lnRef>
+      <a:fillRef idx="1">
+        <a:scrgbClr r="0" g="0" b="0"/>
+      </a:fillRef>
+      <a:effectRef idx="0">
+        <a:scrgbClr r="0" g="0" b="0"/>
+      </a:effectRef>
+      <a:fontRef idx="minor"/>
+    </dgm:style>
+  </dgm:styleLbl>
+  <dgm:styleLbl name="fgAcc2">
+    <dgm:scene3d>
+      <a:camera prst="orthographicFront">
+        <a:rot lat="0" lon="0" rev="0"/>
+      </a:camera>
+      <a:lightRig rig="contrasting" dir="t">
+        <a:rot lat="0" lon="0" rev="1200000"/>
+      </a:lightRig>
+    </dgm:scene3d>
+    <dgm:sp3d z="300000" contourW="19050" prstMaterial="metal">
+      <a:bevelT w="88900" h="203200"/>
+      <a:bevelB w="165100" h="254000"/>
+    </dgm:sp3d>
+    <dgm:txPr/>
+    <dgm:style>
+      <a:lnRef idx="0">
+        <a:scrgbClr r="0" g="0" b="0"/>
+      </a:lnRef>
+      <a:fillRef idx="1">
+        <a:scrgbClr r="0" g="0" b="0"/>
+      </a:fillRef>
+      <a:effectRef idx="0">
+        <a:scrgbClr r="0" g="0" b="0"/>
+      </a:effectRef>
+      <a:fontRef idx="minor"/>
+    </dgm:style>
+  </dgm:styleLbl>
+  <dgm:styleLbl name="fgAcc3">
+    <dgm:scene3d>
+      <a:camera prst="orthographicFront">
+        <a:rot lat="0" lon="0" rev="0"/>
+      </a:camera>
+      <a:lightRig rig="contrasting" dir="t">
+        <a:rot lat="0" lon="0" rev="1200000"/>
+      </a:lightRig>
+    </dgm:scene3d>
+    <dgm:sp3d z="300000" contourW="19050" prstMaterial="metal">
+      <a:bevelT w="88900" h="203200"/>
+      <a:bevelB w="165100" h="254000"/>
+    </dgm:sp3d>
+    <dgm:txPr/>
+    <dgm:style>
+      <a:lnRef idx="0">
+        <a:scrgbClr r="0" g="0" b="0"/>
+      </a:lnRef>
+      <a:fillRef idx="1">
+        <a:scrgbClr r="0" g="0" b="0"/>
+      </a:fillRef>
+      <a:effectRef idx="0">
+        <a:scrgbClr r="0" g="0" b="0"/>
+      </a:effectRef>
+      <a:fontRef idx="minor"/>
+    </dgm:style>
+  </dgm:styleLbl>
+  <dgm:styleLbl name="fgAcc4">
+    <dgm:scene3d>
+      <a:camera prst="orthographicFront">
+        <a:rot lat="0" lon="0" rev="0"/>
+      </a:camera>
+      <a:lightRig rig="contrasting" dir="t">
+        <a:rot lat="0" lon="0" rev="1200000"/>
+      </a:lightRig>
+    </dgm:scene3d>
+    <dgm:sp3d z="300000" contourW="19050" prstMaterial="metal">
+      <a:bevelT w="88900" h="203200"/>
+      <a:bevelB w="165100" h="254000"/>
+    </dgm:sp3d>
+    <dgm:txPr/>
+    <dgm:style>
+      <a:lnRef idx="0">
+        <a:scrgbClr r="0" g="0" b="0"/>
+      </a:lnRef>
+      <a:fillRef idx="1">
+        <a:scrgbClr r="0" g="0" b="0"/>
+      </a:fillRef>
+      <a:effectRef idx="0">
+        <a:scrgbClr r="0" g="0" b="0"/>
+      </a:effectRef>
+      <a:fontRef idx="minor"/>
+    </dgm:style>
+  </dgm:styleLbl>
+  <dgm:styleLbl name="bgShp">
+    <dgm:scene3d>
+      <a:camera prst="orthographicFront">
+        <a:rot lat="0" lon="0" rev="0"/>
+      </a:camera>
+      <a:lightRig rig="contrasting" dir="t">
+        <a:rot lat="0" lon="0" rev="1200000"/>
+      </a:lightRig>
+    </dgm:scene3d>
+    <dgm:sp3d z="-300000" prstMaterial="plastic"/>
+    <dgm:txPr/>
+    <dgm:style>
+      <a:lnRef idx="1">
+        <a:scrgbClr r="0" g="0" b="0"/>
+      </a:lnRef>
+      <a:fillRef idx="1">
+        <a:scrgbClr r="0" g="0" b="0"/>
+      </a:fillRef>
+      <a:effectRef idx="0">
+        <a:scrgbClr r="0" g="0" b="0"/>
+      </a:effectRef>
+      <a:fontRef idx="minor"/>
+    </dgm:style>
+  </dgm:styleLbl>
+  <dgm:styleLbl name="dkBgShp">
+    <dgm:scene3d>
+      <a:camera prst="orthographicFront">
+        <a:rot lat="0" lon="0" rev="0"/>
+      </a:camera>
+      <a:lightRig rig="contrasting" dir="t">
+        <a:rot lat="0" lon="0" rev="1200000"/>
+      </a:lightRig>
+    </dgm:scene3d>
+    <dgm:sp3d contourW="12700" prstMaterial="flat">
+      <a:bevelT w="100800" h="154000"/>
+      <a:bevelB w="152400"/>
+    </dgm:sp3d>
+    <dgm:txPr/>
+    <dgm:style>
+      <a:lnRef idx="0">
+        <a:scrgbClr r="0" g="0" b="0"/>
+      </a:lnRef>
+      <a:fillRef idx="1">
+        <a:scrgbClr r="0" g="0" b="0"/>
+      </a:fillRef>
+      <a:effectRef idx="0">
+        <a:scrgbClr r="0" g="0" b="0"/>
+      </a:effectRef>
+      <a:fontRef idx="minor"/>
+    </dgm:style>
+  </dgm:styleLbl>
+  <dgm:styleLbl name="trBgShp">
+    <dgm:scene3d>
+      <a:camera prst="orthographicFront">
+        <a:rot lat="0" lon="0" rev="0"/>
+      </a:camera>
+      <a:lightRig rig="contrasting" dir="t">
+        <a:rot lat="0" lon="0" rev="1200000"/>
+      </a:lightRig>
+    </dgm:scene3d>
+    <dgm:sp3d z="-152400" prstMaterial="matte"/>
+    <dgm:txPr/>
+    <dgm:style>
+      <a:lnRef idx="1">
+        <a:scrgbClr r="0" g="0" b="0"/>
+      </a:lnRef>
+      <a:fillRef idx="1">
+        <a:scrgbClr r="0" g="0" b="0"/>
+      </a:fillRef>
+      <a:effectRef idx="0">
+        <a:scrgbClr r="0" g="0" b="0"/>
+      </a:effectRef>
+      <a:fontRef idx="minor"/>
+    </dgm:style>
+  </dgm:styleLbl>
+  <dgm:styleLbl name="fgShp">
+    <dgm:scene3d>
+      <a:camera prst="orthographicFront">
+        <a:rot lat="0" lon="0" rev="0"/>
+      </a:camera>
+      <a:lightRig rig="contrasting" dir="t">
+        <a:rot lat="0" lon="0" rev="1200000"/>
+      </a:lightRig>
+    </dgm:scene3d>
+    <dgm:sp3d z="300000" contourW="19050" prstMaterial="metal">
+      <a:bevelT w="88900" h="203200"/>
+      <a:bevelB w="165100" h="254000"/>
+    </dgm:sp3d>
+    <dgm:txPr/>
+    <dgm:style>
+      <a:lnRef idx="0">
+        <a:scrgbClr r="0" g="0" b="0"/>
+      </a:lnRef>
+      <a:fillRef idx="1">
+        <a:scrgbClr r="0" g="0" b="0"/>
+      </a:fillRef>
+      <a:effectRef idx="0">
+        <a:scrgbClr r="0" g="0" b="0"/>
+      </a:effectRef>
+      <a:fontRef idx="minor"/>
+    </dgm:style>
+  </dgm:styleLbl>
+  <dgm:styleLbl name="revTx">
+    <dgm:scene3d>
+      <a:camera prst="orthographicFront"/>
+      <a:lightRig rig="threePt" dir="t"/>
+    </dgm:scene3d>
+    <dgm:sp3d/>
+    <dgm:txPr/>
+    <dgm:style>
+      <a:lnRef idx="1">
+        <a:scrgbClr r="0" g="0" b="0"/>
+      </a:lnRef>
+      <a:fillRef idx="0">
+        <a:scrgbClr r="0" g="0" b="0"/>
+      </a:fillRef>
+      <a:effectRef idx="0">
+        <a:scrgbClr r="0" g="0" b="0"/>
+      </a:effectRef>
+      <a:fontRef idx="minor"/>
+    </dgm:style>
+  </dgm:styleLbl>
+</dgm:styleDef>
 </file>
 
 <file path=ppt/slideLayouts/slideLayout1.xml><?xml version="1.0" encoding="utf-8"?>
@@ -288,7 +6267,7 @@
           <a:p>
             <a:fld id="{6D4B13C7-EE67-684C-AFB0-591E2E6D8C6B}" type="datetimeFigureOut">
               <a:rPr lang="en-US" smtClean="0"/>
-              <a:t>11/06/16</a:t>
+              <a:t>14/06/16</a:t>
             </a:fld>
             <a:endParaRPr lang="en-US"/>
           </a:p>
@@ -458,7 +6437,7 @@
           <a:p>
             <a:fld id="{6D4B13C7-EE67-684C-AFB0-591E2E6D8C6B}" type="datetimeFigureOut">
               <a:rPr lang="en-US" smtClean="0"/>
-              <a:t>11/06/16</a:t>
+              <a:t>14/06/16</a:t>
             </a:fld>
             <a:endParaRPr lang="en-US"/>
           </a:p>
@@ -638,7 +6617,7 @@
           <a:p>
             <a:fld id="{6D4B13C7-EE67-684C-AFB0-591E2E6D8C6B}" type="datetimeFigureOut">
               <a:rPr lang="en-US" smtClean="0"/>
-              <a:t>11/06/16</a:t>
+              <a:t>14/06/16</a:t>
             </a:fld>
             <a:endParaRPr lang="en-US"/>
           </a:p>
@@ -808,7 +6787,7 @@
           <a:p>
             <a:fld id="{6D4B13C7-EE67-684C-AFB0-591E2E6D8C6B}" type="datetimeFigureOut">
               <a:rPr lang="en-US" smtClean="0"/>
-              <a:t>11/06/16</a:t>
+              <a:t>14/06/16</a:t>
             </a:fld>
             <a:endParaRPr lang="en-US"/>
           </a:p>
@@ -1054,7 +7033,7 @@
           <a:p>
             <a:fld id="{6D4B13C7-EE67-684C-AFB0-591E2E6D8C6B}" type="datetimeFigureOut">
               <a:rPr lang="en-US" smtClean="0"/>
-              <a:t>11/06/16</a:t>
+              <a:t>14/06/16</a:t>
             </a:fld>
             <a:endParaRPr lang="en-US"/>
           </a:p>
@@ -1342,7 +7321,7 @@
           <a:p>
             <a:fld id="{6D4B13C7-EE67-684C-AFB0-591E2E6D8C6B}" type="datetimeFigureOut">
               <a:rPr lang="en-US" smtClean="0"/>
-              <a:t>11/06/16</a:t>
+              <a:t>14/06/16</a:t>
             </a:fld>
             <a:endParaRPr lang="en-US"/>
           </a:p>
@@ -1764,7 +7743,7 @@
           <a:p>
             <a:fld id="{6D4B13C7-EE67-684C-AFB0-591E2E6D8C6B}" type="datetimeFigureOut">
               <a:rPr lang="en-US" smtClean="0"/>
-              <a:t>11/06/16</a:t>
+              <a:t>14/06/16</a:t>
             </a:fld>
             <a:endParaRPr lang="en-US"/>
           </a:p>
@@ -1882,7 +7861,7 @@
           <a:p>
             <a:fld id="{6D4B13C7-EE67-684C-AFB0-591E2E6D8C6B}" type="datetimeFigureOut">
               <a:rPr lang="en-US" smtClean="0"/>
-              <a:t>11/06/16</a:t>
+              <a:t>14/06/16</a:t>
             </a:fld>
             <a:endParaRPr lang="en-US"/>
           </a:p>
@@ -1977,7 +7956,7 @@
           <a:p>
             <a:fld id="{6D4B13C7-EE67-684C-AFB0-591E2E6D8C6B}" type="datetimeFigureOut">
               <a:rPr lang="en-US" smtClean="0"/>
-              <a:t>11/06/16</a:t>
+              <a:t>14/06/16</a:t>
             </a:fld>
             <a:endParaRPr lang="en-US"/>
           </a:p>
@@ -2254,7 +8233,7 @@
           <a:p>
             <a:fld id="{6D4B13C7-EE67-684C-AFB0-591E2E6D8C6B}" type="datetimeFigureOut">
               <a:rPr lang="en-US" smtClean="0"/>
-              <a:t>11/06/16</a:t>
+              <a:t>14/06/16</a:t>
             </a:fld>
             <a:endParaRPr lang="en-US"/>
           </a:p>
@@ -2507,7 +8486,7 @@
           <a:p>
             <a:fld id="{6D4B13C7-EE67-684C-AFB0-591E2E6D8C6B}" type="datetimeFigureOut">
               <a:rPr lang="en-US" smtClean="0"/>
-              <a:t>11/06/16</a:t>
+              <a:t>14/06/16</a:t>
             </a:fld>
             <a:endParaRPr lang="en-US"/>
           </a:p>
@@ -2720,7 +8699,7 @@
           <a:p>
             <a:fld id="{6D4B13C7-EE67-684C-AFB0-591E2E6D8C6B}" type="datetimeFigureOut">
               <a:rPr lang="en-US" smtClean="0"/>
-              <a:t>11/06/16</a:t>
+              <a:t>14/06/16</a:t>
             </a:fld>
             <a:endParaRPr lang="en-US"/>
           </a:p>
@@ -3772,6 +9751,302 @@
     <p:extLst>
       <p:ext uri="{BB962C8B-B14F-4D97-AF65-F5344CB8AC3E}">
         <p14:creationId xmlns:p14="http://schemas.microsoft.com/office/powerpoint/2010/main" val="1727667886"/>
+      </p:ext>
+    </p:extLst>
+  </p:cSld>
+  <p:clrMapOvr>
+    <a:masterClrMapping/>
+  </p:clrMapOvr>
+  <p:timing>
+    <p:tnLst>
+      <p:par>
+        <p:cTn xmlns:p14="http://schemas.microsoft.com/office/powerpoint/2010/main" id="1" dur="indefinite" restart="never" nodeType="tmRoot"/>
+      </p:par>
+    </p:tnLst>
+  </p:timing>
+</p:sld>
+</file>
+
+<file path=ppt/slides/slide2.xml><?xml version="1.0" encoding="utf-8"?>
+<p:sld xmlns:a="http://schemas.openxmlformats.org/drawingml/2006/main" xmlns:r="http://schemas.openxmlformats.org/officeDocument/2006/relationships" xmlns:p="http://schemas.openxmlformats.org/presentationml/2006/main">
+  <p:cSld>
+    <p:spTree>
+      <p:nvGrpSpPr>
+        <p:cNvPr id="1" name=""/>
+        <p:cNvGrpSpPr/>
+        <p:nvPr/>
+      </p:nvGrpSpPr>
+      <p:grpSpPr>
+        <a:xfrm>
+          <a:off x="0" y="0"/>
+          <a:ext cx="0" cy="0"/>
+          <a:chOff x="0" y="0"/>
+          <a:chExt cx="0" cy="0"/>
+        </a:xfrm>
+      </p:grpSpPr>
+      <p:sp>
+        <p:nvSpPr>
+          <p:cNvPr id="4" name="Rectangle 3"/>
+          <p:cNvSpPr/>
+          <p:nvPr/>
+        </p:nvSpPr>
+        <p:spPr>
+          <a:xfrm>
+            <a:off x="3732246" y="819187"/>
+            <a:ext cx="1146468" cy="923330"/>
+          </a:xfrm>
+          <a:prstGeom prst="rect">
+            <a:avLst/>
+          </a:prstGeom>
+          <a:noFill/>
+        </p:spPr>
+        <p:txBody>
+          <a:bodyPr wrap="none" lIns="91440" tIns="45720" rIns="91440" bIns="45720">
+            <a:spAutoFit/>
+            <a:scene3d>
+              <a:camera prst="orthographicFront">
+                <a:rot lat="0" lon="0" rev="0"/>
+              </a:camera>
+              <a:lightRig rig="contrasting" dir="t">
+                <a:rot lat="0" lon="0" rev="4500000"/>
+              </a:lightRig>
+            </a:scene3d>
+            <a:sp3d contourW="6350" prstMaterial="metal">
+              <a:bevelT w="127000" h="31750" prst="relaxedInset"/>
+              <a:contourClr>
+                <a:schemeClr val="accent1">
+                  <a:shade val="75000"/>
+                </a:schemeClr>
+              </a:contourClr>
+            </a:sp3d>
+          </a:bodyPr>
+          <a:lstStyle/>
+          <a:p>
+            <a:pPr algn="ctr"/>
+            <a:r>
+              <a:rPr lang="en-GB" sz="5400" b="1" cap="all" dirty="0" smtClean="0">
+                <a:ln w="0"/>
+                <a:gradFill flip="none">
+                  <a:gsLst>
+                    <a:gs pos="0">
+                      <a:schemeClr val="accent1">
+                        <a:tint val="75000"/>
+                        <a:shade val="75000"/>
+                        <a:satMod val="170000"/>
+                      </a:schemeClr>
+                    </a:gs>
+                    <a:gs pos="49000">
+                      <a:schemeClr val="accent1">
+                        <a:tint val="88000"/>
+                        <a:shade val="65000"/>
+                        <a:satMod val="172000"/>
+                      </a:schemeClr>
+                    </a:gs>
+                    <a:gs pos="50000">
+                      <a:schemeClr val="accent1">
+                        <a:shade val="65000"/>
+                        <a:satMod val="130000"/>
+                      </a:schemeClr>
+                    </a:gs>
+                    <a:gs pos="92000">
+                      <a:schemeClr val="accent1">
+                        <a:shade val="50000"/>
+                        <a:satMod val="120000"/>
+                      </a:schemeClr>
+                    </a:gs>
+                    <a:gs pos="100000">
+                      <a:schemeClr val="accent1">
+                        <a:shade val="48000"/>
+                        <a:satMod val="120000"/>
+                      </a:schemeClr>
+                    </a:gs>
+                  </a:gsLst>
+                  <a:lin ang="5400000"/>
+                </a:gradFill>
+                <a:effectLst>
+                  <a:reflection blurRad="12700" stA="50000" endPos="50000" dist="5000" dir="5400000" sy="-100000" rotWithShape="0"/>
+                </a:effectLst>
+              </a:rPr>
+              <a:t>ESL</a:t>
+            </a:r>
+            <a:endParaRPr lang="en-GB" sz="5400" b="1" cap="all" dirty="0">
+              <a:ln w="0"/>
+              <a:gradFill flip="none">
+                <a:gsLst>
+                  <a:gs pos="0">
+                    <a:schemeClr val="accent1">
+                      <a:tint val="75000"/>
+                      <a:shade val="75000"/>
+                      <a:satMod val="170000"/>
+                    </a:schemeClr>
+                  </a:gs>
+                  <a:gs pos="49000">
+                    <a:schemeClr val="accent1">
+                      <a:tint val="88000"/>
+                      <a:shade val="65000"/>
+                      <a:satMod val="172000"/>
+                    </a:schemeClr>
+                  </a:gs>
+                  <a:gs pos="50000">
+                    <a:schemeClr val="accent1">
+                      <a:shade val="65000"/>
+                      <a:satMod val="130000"/>
+                    </a:schemeClr>
+                  </a:gs>
+                  <a:gs pos="92000">
+                    <a:schemeClr val="accent1">
+                      <a:shade val="50000"/>
+                      <a:satMod val="120000"/>
+                    </a:schemeClr>
+                  </a:gs>
+                  <a:gs pos="100000">
+                    <a:schemeClr val="accent1">
+                      <a:shade val="48000"/>
+                      <a:satMod val="120000"/>
+                    </a:schemeClr>
+                  </a:gs>
+                </a:gsLst>
+                <a:lin ang="5400000"/>
+              </a:gradFill>
+              <a:effectLst>
+                <a:reflection blurRad="12700" stA="50000" endPos="50000" dist="5000" dir="5400000" sy="-100000" rotWithShape="0"/>
+              </a:effectLst>
+            </a:endParaRPr>
+          </a:p>
+        </p:txBody>
+      </p:sp>
+      <p:sp>
+        <p:nvSpPr>
+          <p:cNvPr id="5" name="Rectangle 4"/>
+          <p:cNvSpPr/>
+          <p:nvPr/>
+        </p:nvSpPr>
+        <p:spPr>
+          <a:xfrm>
+            <a:off x="2971811" y="2967335"/>
+            <a:ext cx="3200378" cy="2708434"/>
+          </a:xfrm>
+          <a:prstGeom prst="rect">
+            <a:avLst/>
+          </a:prstGeom>
+          <a:noFill/>
+        </p:spPr>
+        <p:txBody>
+          <a:bodyPr wrap="none" lIns="91440" tIns="45720" rIns="91440" bIns="45720">
+            <a:spAutoFit/>
+            <a:scene3d>
+              <a:camera prst="orthographicFront"/>
+              <a:lightRig rig="flat" dir="tl">
+                <a:rot lat="0" lon="0" rev="6600000"/>
+              </a:lightRig>
+            </a:scene3d>
+            <a:sp3d extrusionH="25400" contourW="8890">
+              <a:bevelT w="38100" h="31750"/>
+              <a:contourClr>
+                <a:schemeClr val="accent2">
+                  <a:shade val="75000"/>
+                </a:schemeClr>
+              </a:contourClr>
+            </a:sp3d>
+          </a:bodyPr>
+          <a:lstStyle/>
+          <a:p>
+            <a:pPr algn="ctr"/>
+            <a:r>
+              <a:rPr lang="en-GB" sz="17000" b="1" dirty="0" smtClean="0">
+                <a:ln w="11430"/>
+                <a:solidFill>
+                  <a:srgbClr val="008000"/>
+                </a:solidFill>
+                <a:effectLst>
+                  <a:outerShdw blurRad="50800" dist="39000" dir="5460000" algn="tl">
+                    <a:srgbClr val="000000">
+                      <a:alpha val="38000"/>
+                    </a:srgbClr>
+                  </a:outerShdw>
+                </a:effectLst>
+              </a:rPr>
+              <a:t>ESL</a:t>
+            </a:r>
+            <a:endParaRPr lang="en-GB" sz="17000" b="1" dirty="0">
+              <a:ln w="11430"/>
+              <a:solidFill>
+                <a:srgbClr val="008000"/>
+              </a:solidFill>
+              <a:effectLst>
+                <a:outerShdw blurRad="50800" dist="39000" dir="5460000" algn="tl">
+                  <a:srgbClr val="000000">
+                    <a:alpha val="38000"/>
+                  </a:srgbClr>
+                </a:outerShdw>
+              </a:effectLst>
+            </a:endParaRPr>
+          </a:p>
+        </p:txBody>
+      </p:sp>
+    </p:spTree>
+    <p:extLst>
+      <p:ext uri="{BB962C8B-B14F-4D97-AF65-F5344CB8AC3E}">
+        <p14:creationId xmlns:p14="http://schemas.microsoft.com/office/powerpoint/2010/main" val="1464434745"/>
+      </p:ext>
+    </p:extLst>
+  </p:cSld>
+  <p:clrMapOvr>
+    <a:masterClrMapping/>
+  </p:clrMapOvr>
+  <p:timing>
+    <p:tnLst>
+      <p:par>
+        <p:cTn xmlns:p14="http://schemas.microsoft.com/office/powerpoint/2010/main" id="1" dur="indefinite" restart="never" nodeType="tmRoot"/>
+      </p:par>
+    </p:tnLst>
+  </p:timing>
+</p:sld>
+</file>
+
+<file path=ppt/slides/slide3.xml><?xml version="1.0" encoding="utf-8"?>
+<p:sld xmlns:a="http://schemas.openxmlformats.org/drawingml/2006/main" xmlns:r="http://schemas.openxmlformats.org/officeDocument/2006/relationships" xmlns:p="http://schemas.openxmlformats.org/presentationml/2006/main">
+  <p:cSld>
+    <p:spTree>
+      <p:nvGrpSpPr>
+        <p:cNvPr id="1" name=""/>
+        <p:cNvGrpSpPr/>
+        <p:nvPr/>
+      </p:nvGrpSpPr>
+      <p:grpSpPr>
+        <a:xfrm>
+          <a:off x="0" y="0"/>
+          <a:ext cx="0" cy="0"/>
+          <a:chOff x="0" y="0"/>
+          <a:chExt cx="0" cy="0"/>
+        </a:xfrm>
+      </p:grpSpPr>
+      <p:graphicFrame>
+        <p:nvGraphicFramePr>
+          <p:cNvPr id="4" name="Diagram 3"/>
+          <p:cNvGraphicFramePr/>
+          <p:nvPr>
+            <p:extLst>
+              <p:ext uri="{D42A27DB-BD31-4B8C-83A1-F6EECF244321}">
+                <p14:modId xmlns:p14="http://schemas.microsoft.com/office/powerpoint/2010/main" val="1165960217"/>
+              </p:ext>
+            </p:extLst>
+          </p:nvPr>
+        </p:nvGraphicFramePr>
+        <p:xfrm>
+          <a:off x="1524000" y="1397000"/>
+          <a:ext cx="6096000" cy="4064000"/>
+        </p:xfrm>
+        <a:graphic>
+          <a:graphicData uri="http://schemas.openxmlformats.org/drawingml/2006/diagram">
+            <dgm:relIds xmlns:dgm="http://schemas.openxmlformats.org/drawingml/2006/diagram" xmlns:r="http://schemas.openxmlformats.org/officeDocument/2006/relationships" r:dm="rId2" r:lo="rId3" r:qs="rId4" r:cs="rId5"/>
+          </a:graphicData>
+        </a:graphic>
+      </p:graphicFrame>
+    </p:spTree>
+    <p:extLst>
+      <p:ext uri="{BB962C8B-B14F-4D97-AF65-F5344CB8AC3E}">
+        <p14:creationId xmlns:p14="http://schemas.microsoft.com/office/powerpoint/2010/main" val="1127765654"/>
       </p:ext>
     </p:extLst>
   </p:cSld>

--- a/esl/intro/figures.pptx
+++ b/esl/intro/figures.pptx
@@ -10028,7 +10028,7 @@
           <p:nvPr>
             <p:extLst>
               <p:ext uri="{D42A27DB-BD31-4B8C-83A1-F6EECF244321}">
-                <p14:modId xmlns:p14="http://schemas.microsoft.com/office/powerpoint/2010/main" val="1165960217"/>
+                <p14:modId xmlns:p14="http://schemas.microsoft.com/office/powerpoint/2010/main" val="1715459473"/>
               </p:ext>
             </p:extLst>
           </p:nvPr>
